--- a/Proyectos Funcion Educacion.pptx
+++ b/Proyectos Funcion Educacion.pptx
@@ -5,46 +5,47 @@
     <p:sldMasterId id="2147483658" r:id="rId1"/>
   </p:sldMasterIdLst>
   <p:notesMasterIdLst>
-    <p:notesMasterId r:id="rId10"/>
+    <p:notesMasterId r:id="rId11"/>
   </p:notesMasterIdLst>
   <p:sldIdLst>
     <p:sldId id="256" r:id="rId2"/>
     <p:sldId id="265" r:id="rId3"/>
-    <p:sldId id="257" r:id="rId4"/>
-    <p:sldId id="259" r:id="rId5"/>
-    <p:sldId id="260" r:id="rId6"/>
-    <p:sldId id="261" r:id="rId7"/>
-    <p:sldId id="263" r:id="rId8"/>
-    <p:sldId id="264" r:id="rId9"/>
+    <p:sldId id="266" r:id="rId4"/>
+    <p:sldId id="257" r:id="rId5"/>
+    <p:sldId id="259" r:id="rId6"/>
+    <p:sldId id="260" r:id="rId7"/>
+    <p:sldId id="261" r:id="rId8"/>
+    <p:sldId id="263" r:id="rId9"/>
+    <p:sldId id="264" r:id="rId10"/>
   </p:sldIdLst>
   <p:sldSz cx="9144000" cy="5143500" type="screen16x9"/>
   <p:notesSz cx="6858000" cy="9144000"/>
   <p:embeddedFontLst>
     <p:embeddedFont>
       <p:font typeface="Arial Narrow" panose="020B0606020202030204" pitchFamily="34" charset="0"/>
-      <p:regular r:id="rId11"/>
-      <p:bold r:id="rId12"/>
-      <p:italic r:id="rId13"/>
-      <p:boldItalic r:id="rId14"/>
+      <p:regular r:id="rId12"/>
+      <p:bold r:id="rId13"/>
+      <p:italic r:id="rId14"/>
+      <p:boldItalic r:id="rId15"/>
     </p:embeddedFont>
     <p:embeddedFont>
       <p:font typeface="Calibri" panose="020F0502020204030204" pitchFamily="34" charset="0"/>
-      <p:regular r:id="rId15"/>
-      <p:bold r:id="rId16"/>
-      <p:italic r:id="rId17"/>
-      <p:boldItalic r:id="rId18"/>
+      <p:regular r:id="rId16"/>
+      <p:bold r:id="rId17"/>
+      <p:italic r:id="rId18"/>
+      <p:boldItalic r:id="rId19"/>
     </p:embeddedFont>
     <p:embeddedFont>
       <p:font typeface="Lato Black" panose="020B0604020202020204" charset="0"/>
-      <p:bold r:id="rId19"/>
-      <p:boldItalic r:id="rId20"/>
+      <p:bold r:id="rId20"/>
+      <p:boldItalic r:id="rId21"/>
     </p:embeddedFont>
     <p:embeddedFont>
       <p:font typeface="Lato Light" panose="020B0604020202020204" charset="0"/>
-      <p:regular r:id="rId21"/>
-      <p:bold r:id="rId22"/>
-      <p:italic r:id="rId23"/>
-      <p:boldItalic r:id="rId24"/>
+      <p:regular r:id="rId22"/>
+      <p:bold r:id="rId23"/>
+      <p:italic r:id="rId24"/>
+      <p:boldItalic r:id="rId25"/>
     </p:embeddedFont>
   </p:embeddedFontLst>
   <p:defaultTextStyle>
@@ -276,6 +277,11 @@
       </a:defRPr>
     </a:lvl9pPr>
   </p:defaultTextStyle>
+  <p:extLst>
+    <p:ext uri="{EFAFB233-063F-42B5-8137-9DF3F51BA10A}">
+      <p15:sldGuideLst xmlns:p15="http://schemas.microsoft.com/office/powerpoint/2012/main"/>
+    </p:ext>
+  </p:extLst>
 </p:presentation>
 </file>
 
@@ -4388,7 +4394,7 @@
         </p:nvSpPr>
         <p:spPr>
           <a:xfrm>
-            <a:off x="1034250" y="104753"/>
+            <a:off x="921361" y="1864367"/>
             <a:ext cx="7075500" cy="1414765"/>
           </a:xfrm>
           <a:prstGeom prst="rect">
@@ -4411,327 +4417,10 @@
               <a:buNone/>
             </a:pPr>
             <a:r>
-              <a:rPr lang="en" sz="3600" dirty="0"/>
-              <a:t>Proyectos de inversion Funcion Educacion</a:t>
+              <a:rPr lang="en" sz="4000" b="1" dirty="0"/>
+              <a:t>Proyectos de inversion Función Educación</a:t>
             </a:r>
-            <a:endParaRPr sz="3600" dirty="0"/>
-          </a:p>
-        </p:txBody>
-      </p:sp>
-      <p:pic>
-        <p:nvPicPr>
-          <p:cNvPr id="7" name="Imagen 6">
-            <a:extLst>
-              <a:ext uri="{FF2B5EF4-FFF2-40B4-BE49-F238E27FC236}">
-                <a16:creationId xmlns:a16="http://schemas.microsoft.com/office/drawing/2014/main" id="{21DA7DAB-171E-4A04-BAE7-AE577C2934DB}"/>
-              </a:ext>
-            </a:extLst>
-          </p:cNvPr>
-          <p:cNvPicPr>
-            <a:picLocks noChangeAspect="1"/>
-          </p:cNvPicPr>
-          <p:nvPr/>
-        </p:nvPicPr>
-        <p:blipFill>
-          <a:blip r:embed="rId3"/>
-          <a:stretch>
-            <a:fillRect/>
-          </a:stretch>
-        </p:blipFill>
-        <p:spPr>
-          <a:xfrm>
-            <a:off x="2868279" y="1179815"/>
-            <a:ext cx="3659716" cy="3220735"/>
-          </a:xfrm>
-          <a:prstGeom prst="rect">
-            <a:avLst/>
-          </a:prstGeom>
-        </p:spPr>
-      </p:pic>
-      <p:sp>
-        <p:nvSpPr>
-          <p:cNvPr id="9" name="Google Shape;90;p12">
-            <a:extLst>
-              <a:ext uri="{FF2B5EF4-FFF2-40B4-BE49-F238E27FC236}">
-                <a16:creationId xmlns:a16="http://schemas.microsoft.com/office/drawing/2014/main" id="{0AF64DF5-8B31-499A-8870-6D4C50CB3719}"/>
-              </a:ext>
-            </a:extLst>
-          </p:cNvPr>
-          <p:cNvSpPr txBox="1">
-            <a:spLocks/>
-          </p:cNvSpPr>
-          <p:nvPr/>
-        </p:nvSpPr>
-        <p:spPr>
-          <a:xfrm>
-            <a:off x="82550" y="4572001"/>
-            <a:ext cx="8997950" cy="431800"/>
-          </a:xfrm>
-          <a:prstGeom prst="rect">
-            <a:avLst/>
-          </a:prstGeom>
-          <a:noFill/>
-          <a:ln>
-            <a:noFill/>
-          </a:ln>
-        </p:spPr>
-        <p:txBody>
-          <a:bodyPr spcFirstLastPara="1" wrap="square" lIns="0" tIns="0" rIns="0" bIns="0" anchor="t" anchorCtr="0">
-            <a:noAutofit/>
-          </a:bodyPr>
-          <a:lstStyle>
-            <a:defPPr marR="0" lvl="0" algn="l" rtl="0">
-              <a:lnSpc>
-                <a:spcPct val="100000"/>
-              </a:lnSpc>
-              <a:spcBef>
-                <a:spcPts val="0"/>
-              </a:spcBef>
-              <a:spcAft>
-                <a:spcPts val="0"/>
-              </a:spcAft>
-            </a:defPPr>
-            <a:lvl1pPr marR="0" lvl="0" algn="l" rtl="0">
-              <a:lnSpc>
-                <a:spcPct val="100000"/>
-              </a:lnSpc>
-              <a:spcBef>
-                <a:spcPts val="0"/>
-              </a:spcBef>
-              <a:spcAft>
-                <a:spcPts val="0"/>
-              </a:spcAft>
-              <a:buClr>
-                <a:schemeClr val="dk1"/>
-              </a:buClr>
-              <a:buSzPts val="5400"/>
-              <a:buFont typeface="Lato Black"/>
-              <a:buNone/>
-              <a:defRPr sz="5400" b="0" i="0" u="none" strike="noStrike" cap="none">
-                <a:solidFill>
-                  <a:schemeClr val="dk1"/>
-                </a:solidFill>
-                <a:latin typeface="Lato Black"/>
-                <a:ea typeface="Lato Black"/>
-                <a:cs typeface="Lato Black"/>
-                <a:sym typeface="Lato Black"/>
-              </a:defRPr>
-            </a:lvl1pPr>
-            <a:lvl2pPr marR="0" lvl="1" algn="l" rtl="0">
-              <a:lnSpc>
-                <a:spcPct val="100000"/>
-              </a:lnSpc>
-              <a:spcBef>
-                <a:spcPts val="0"/>
-              </a:spcBef>
-              <a:spcAft>
-                <a:spcPts val="0"/>
-              </a:spcAft>
-              <a:buClr>
-                <a:schemeClr val="dk1"/>
-              </a:buClr>
-              <a:buSzPts val="5400"/>
-              <a:buFont typeface="Lato Black"/>
-              <a:buNone/>
-              <a:defRPr sz="5400" b="0" i="0" u="none" strike="noStrike" cap="none">
-                <a:solidFill>
-                  <a:schemeClr val="dk1"/>
-                </a:solidFill>
-                <a:latin typeface="Lato Black"/>
-                <a:ea typeface="Lato Black"/>
-                <a:cs typeface="Lato Black"/>
-                <a:sym typeface="Lato Black"/>
-              </a:defRPr>
-            </a:lvl2pPr>
-            <a:lvl3pPr marR="0" lvl="2" algn="l" rtl="0">
-              <a:lnSpc>
-                <a:spcPct val="100000"/>
-              </a:lnSpc>
-              <a:spcBef>
-                <a:spcPts val="0"/>
-              </a:spcBef>
-              <a:spcAft>
-                <a:spcPts val="0"/>
-              </a:spcAft>
-              <a:buClr>
-                <a:schemeClr val="dk1"/>
-              </a:buClr>
-              <a:buSzPts val="5400"/>
-              <a:buFont typeface="Lato Black"/>
-              <a:buNone/>
-              <a:defRPr sz="5400" b="0" i="0" u="none" strike="noStrike" cap="none">
-                <a:solidFill>
-                  <a:schemeClr val="dk1"/>
-                </a:solidFill>
-                <a:latin typeface="Lato Black"/>
-                <a:ea typeface="Lato Black"/>
-                <a:cs typeface="Lato Black"/>
-                <a:sym typeface="Lato Black"/>
-              </a:defRPr>
-            </a:lvl3pPr>
-            <a:lvl4pPr marR="0" lvl="3" algn="l" rtl="0">
-              <a:lnSpc>
-                <a:spcPct val="100000"/>
-              </a:lnSpc>
-              <a:spcBef>
-                <a:spcPts val="0"/>
-              </a:spcBef>
-              <a:spcAft>
-                <a:spcPts val="0"/>
-              </a:spcAft>
-              <a:buClr>
-                <a:schemeClr val="dk1"/>
-              </a:buClr>
-              <a:buSzPts val="5400"/>
-              <a:buFont typeface="Lato Black"/>
-              <a:buNone/>
-              <a:defRPr sz="5400" b="0" i="0" u="none" strike="noStrike" cap="none">
-                <a:solidFill>
-                  <a:schemeClr val="dk1"/>
-                </a:solidFill>
-                <a:latin typeface="Lato Black"/>
-                <a:ea typeface="Lato Black"/>
-                <a:cs typeface="Lato Black"/>
-                <a:sym typeface="Lato Black"/>
-              </a:defRPr>
-            </a:lvl4pPr>
-            <a:lvl5pPr marR="0" lvl="4" algn="l" rtl="0">
-              <a:lnSpc>
-                <a:spcPct val="100000"/>
-              </a:lnSpc>
-              <a:spcBef>
-                <a:spcPts val="0"/>
-              </a:spcBef>
-              <a:spcAft>
-                <a:spcPts val="0"/>
-              </a:spcAft>
-              <a:buClr>
-                <a:schemeClr val="dk1"/>
-              </a:buClr>
-              <a:buSzPts val="5400"/>
-              <a:buFont typeface="Lato Black"/>
-              <a:buNone/>
-              <a:defRPr sz="5400" b="0" i="0" u="none" strike="noStrike" cap="none">
-                <a:solidFill>
-                  <a:schemeClr val="dk1"/>
-                </a:solidFill>
-                <a:latin typeface="Lato Black"/>
-                <a:ea typeface="Lato Black"/>
-                <a:cs typeface="Lato Black"/>
-                <a:sym typeface="Lato Black"/>
-              </a:defRPr>
-            </a:lvl5pPr>
-            <a:lvl6pPr marR="0" lvl="5" algn="l" rtl="0">
-              <a:lnSpc>
-                <a:spcPct val="100000"/>
-              </a:lnSpc>
-              <a:spcBef>
-                <a:spcPts val="0"/>
-              </a:spcBef>
-              <a:spcAft>
-                <a:spcPts val="0"/>
-              </a:spcAft>
-              <a:buClr>
-                <a:schemeClr val="dk1"/>
-              </a:buClr>
-              <a:buSzPts val="5400"/>
-              <a:buFont typeface="Lato Black"/>
-              <a:buNone/>
-              <a:defRPr sz="5400" b="0" i="0" u="none" strike="noStrike" cap="none">
-                <a:solidFill>
-                  <a:schemeClr val="dk1"/>
-                </a:solidFill>
-                <a:latin typeface="Lato Black"/>
-                <a:ea typeface="Lato Black"/>
-                <a:cs typeface="Lato Black"/>
-                <a:sym typeface="Lato Black"/>
-              </a:defRPr>
-            </a:lvl6pPr>
-            <a:lvl7pPr marR="0" lvl="6" algn="l" rtl="0">
-              <a:lnSpc>
-                <a:spcPct val="100000"/>
-              </a:lnSpc>
-              <a:spcBef>
-                <a:spcPts val="0"/>
-              </a:spcBef>
-              <a:spcAft>
-                <a:spcPts val="0"/>
-              </a:spcAft>
-              <a:buClr>
-                <a:schemeClr val="dk1"/>
-              </a:buClr>
-              <a:buSzPts val="5400"/>
-              <a:buFont typeface="Lato Black"/>
-              <a:buNone/>
-              <a:defRPr sz="5400" b="0" i="0" u="none" strike="noStrike" cap="none">
-                <a:solidFill>
-                  <a:schemeClr val="dk1"/>
-                </a:solidFill>
-                <a:latin typeface="Lato Black"/>
-                <a:ea typeface="Lato Black"/>
-                <a:cs typeface="Lato Black"/>
-                <a:sym typeface="Lato Black"/>
-              </a:defRPr>
-            </a:lvl7pPr>
-            <a:lvl8pPr marR="0" lvl="7" algn="l" rtl="0">
-              <a:lnSpc>
-                <a:spcPct val="100000"/>
-              </a:lnSpc>
-              <a:spcBef>
-                <a:spcPts val="0"/>
-              </a:spcBef>
-              <a:spcAft>
-                <a:spcPts val="0"/>
-              </a:spcAft>
-              <a:buClr>
-                <a:schemeClr val="dk1"/>
-              </a:buClr>
-              <a:buSzPts val="5400"/>
-              <a:buFont typeface="Lato Black"/>
-              <a:buNone/>
-              <a:defRPr sz="5400" b="0" i="0" u="none" strike="noStrike" cap="none">
-                <a:solidFill>
-                  <a:schemeClr val="dk1"/>
-                </a:solidFill>
-                <a:latin typeface="Lato Black"/>
-                <a:ea typeface="Lato Black"/>
-                <a:cs typeface="Lato Black"/>
-                <a:sym typeface="Lato Black"/>
-              </a:defRPr>
-            </a:lvl8pPr>
-            <a:lvl9pPr marR="0" lvl="8" algn="l" rtl="0">
-              <a:lnSpc>
-                <a:spcPct val="100000"/>
-              </a:lnSpc>
-              <a:spcBef>
-                <a:spcPts val="0"/>
-              </a:spcBef>
-              <a:spcAft>
-                <a:spcPts val="0"/>
-              </a:spcAft>
-              <a:buClr>
-                <a:schemeClr val="dk1"/>
-              </a:buClr>
-              <a:buSzPts val="5400"/>
-              <a:buFont typeface="Lato Black"/>
-              <a:buNone/>
-              <a:defRPr sz="5400" b="0" i="0" u="none" strike="noStrike" cap="none">
-                <a:solidFill>
-                  <a:schemeClr val="dk1"/>
-                </a:solidFill>
-                <a:latin typeface="Lato Black"/>
-                <a:ea typeface="Lato Black"/>
-                <a:cs typeface="Lato Black"/>
-                <a:sym typeface="Lato Black"/>
-              </a:defRPr>
-            </a:lvl9pPr>
-          </a:lstStyle>
-          <a:p>
-            <a:pPr algn="ctr"/>
-            <a:r>
-              <a:rPr lang="es-PE" sz="2400" dirty="0"/>
-              <a:t>Oficina Regional de Formulación y Evaluación de Inversiones</a:t>
-            </a:r>
+            <a:endParaRPr sz="4000" b="1" dirty="0"/>
           </a:p>
         </p:txBody>
       </p:sp>
@@ -5065,8 +4754,8 @@
         </p:nvSpPr>
         <p:spPr>
           <a:xfrm>
-            <a:off x="301997" y="1335250"/>
-            <a:ext cx="8540005" cy="2284250"/>
+            <a:off x="301997" y="1840092"/>
+            <a:ext cx="8540005" cy="3156656"/>
           </a:xfrm>
           <a:prstGeom prst="rect">
             <a:avLst/>
@@ -5088,34 +4777,16 @@
               <a:buNone/>
             </a:pPr>
             <a:r>
-              <a:rPr lang="es-PE" sz="1200" b="1" dirty="0">
+              <a:rPr lang="es-PE" sz="1500" b="1" dirty="0">
                 <a:solidFill>
                   <a:srgbClr val="0070C0"/>
                 </a:solidFill>
                 <a:latin typeface="Arial Narrow" panose="020B0606020202030204" pitchFamily="34" charset="0"/>
               </a:rPr>
-              <a:t>1. El año 2019 se elabora la cartera de inversiones de la Función </a:t>
+              <a:t>1. El año 2019 se elabora la cartera de inversiones de la Función Educación, en reuniones con la Dirección Regional de Educación, las </a:t>
             </a:r>
             <a:r>
-              <a:rPr lang="es-PE" sz="1200" b="1" dirty="0" err="1">
-                <a:solidFill>
-                  <a:srgbClr val="0070C0"/>
-                </a:solidFill>
-                <a:latin typeface="Arial Narrow" panose="020B0606020202030204" pitchFamily="34" charset="0"/>
-              </a:rPr>
-              <a:t>Educacion</a:t>
-            </a:r>
-            <a:r>
-              <a:rPr lang="es-PE" sz="1200" b="1" dirty="0">
-                <a:solidFill>
-                  <a:srgbClr val="0070C0"/>
-                </a:solidFill>
-                <a:latin typeface="Arial Narrow" panose="020B0606020202030204" pitchFamily="34" charset="0"/>
-              </a:rPr>
-              <a:t>, en reuniones con la Dirección Regional de Educación, las </a:t>
-            </a:r>
-            <a:r>
-              <a:rPr lang="es-PE" sz="1200" b="1" dirty="0" err="1">
+              <a:rPr lang="es-PE" sz="1500" b="1" dirty="0" err="1">
                 <a:solidFill>
                   <a:srgbClr val="0070C0"/>
                 </a:solidFill>
@@ -5124,7 +4795,7 @@
               <a:t>UGELs</a:t>
             </a:r>
             <a:r>
-              <a:rPr lang="es-PE" sz="1200" b="1" dirty="0">
+              <a:rPr lang="es-PE" sz="1500" b="1" dirty="0">
                 <a:solidFill>
                   <a:srgbClr val="0070C0"/>
                 </a:solidFill>
@@ -5133,7 +4804,7 @@
               <a:t> y el área de PREAVED Programa de Reducción de la Vulnerabilidad y Atención de Emergencias por Desastres de la DRE para focalizar las inversiones a aquellas I.E. cuyas infraestructuras representen en riesgo físico para la comunidad educativa.</a:t>
             </a:r>
             <a:br>
-              <a:rPr lang="es-PE" sz="1200" b="1" dirty="0">
+              <a:rPr lang="es-PE" sz="1500" b="1" dirty="0">
                 <a:solidFill>
                   <a:srgbClr val="0070C0"/>
                 </a:solidFill>
@@ -5141,7 +4812,7 @@
               </a:rPr>
             </a:br>
             <a:br>
-              <a:rPr lang="es-PE" sz="1200" b="1" dirty="0">
+              <a:rPr lang="es-PE" sz="1500" b="1" dirty="0">
                 <a:solidFill>
                   <a:srgbClr val="0070C0"/>
                 </a:solidFill>
@@ -5149,7 +4820,7 @@
               </a:rPr>
             </a:br>
             <a:r>
-              <a:rPr lang="es-PE" sz="1200" b="1" dirty="0">
+              <a:rPr lang="es-PE" sz="1500" b="1" dirty="0">
                 <a:solidFill>
                   <a:srgbClr val="0070C0"/>
                 </a:solidFill>
@@ -5158,7 +4829,7 @@
               <a:t>2. Se elabora una lista de proyectos de la función educación, (aproximadamente 30 proyectos con enfoque territorial) y se remite a la Oficina de Programación Multianual de Inversiones OPMI para su priorización en la PMI 2020-2022, siendo priorizados 7 proyectos, de los cuales se logra la viabilidad de 6 de ellos.</a:t>
             </a:r>
             <a:br>
-              <a:rPr lang="es-PE" sz="1200" b="1" dirty="0">
+              <a:rPr lang="es-PE" sz="1500" b="1" dirty="0">
                 <a:solidFill>
                   <a:srgbClr val="0070C0"/>
                 </a:solidFill>
@@ -5166,7 +4837,7 @@
               </a:rPr>
             </a:br>
             <a:br>
-              <a:rPr lang="es-PE" sz="1200" b="1" dirty="0">
+              <a:rPr lang="es-PE" sz="1500" b="1" dirty="0">
                 <a:solidFill>
                   <a:srgbClr val="0070C0"/>
                 </a:solidFill>
@@ -5174,7 +4845,7 @@
               </a:rPr>
             </a:br>
             <a:r>
-              <a:rPr lang="es-PE" sz="1200" b="1" dirty="0">
+              <a:rPr lang="es-PE" sz="1500" b="1" dirty="0">
                 <a:solidFill>
                   <a:srgbClr val="0070C0"/>
                 </a:solidFill>
@@ -5183,14 +4854,14 @@
               <a:t>3. El 2020 se continua con la lista de trabajada con los actores involucrados, y se remite a la OPMI  7 proyectos educativos para su priorización en la PMI 2021 - 2023, de los cuales son priorizados 4 de ellos, representando una cartera de 5 proyectos (considerando el proyecto pendiente de la PMI anterior) </a:t>
             </a:r>
             <a:br>
-              <a:rPr lang="es-PE" sz="1200" b="1" dirty="0">
+              <a:rPr lang="es-PE" sz="1500" b="1" dirty="0">
                 <a:solidFill>
                   <a:srgbClr val="0070C0"/>
                 </a:solidFill>
                 <a:latin typeface="Arial Narrow" panose="020B0606020202030204" pitchFamily="34" charset="0"/>
               </a:rPr>
             </a:br>
-            <a:endParaRPr lang="es-PE" sz="1200" b="1" dirty="0">
+            <a:endParaRPr lang="es-PE" sz="1500" b="1" dirty="0">
               <a:solidFill>
                 <a:srgbClr val="0070C0"/>
               </a:solidFill>
@@ -5213,6 +4884,1400 @@
 </file>
 
 <file path=ppt/slides/slide3.xml><?xml version="1.0" encoding="utf-8"?>
+<p:sld xmlns:a="http://schemas.openxmlformats.org/drawingml/2006/main" xmlns:r="http://schemas.openxmlformats.org/officeDocument/2006/relationships" xmlns:p="http://schemas.openxmlformats.org/presentationml/2006/main">
+  <p:cSld>
+    <p:spTree>
+      <p:nvGrpSpPr>
+        <p:cNvPr id="1" name=""/>
+        <p:cNvGrpSpPr/>
+        <p:nvPr/>
+      </p:nvGrpSpPr>
+      <p:grpSpPr>
+        <a:xfrm>
+          <a:off x="0" y="0"/>
+          <a:ext cx="0" cy="0"/>
+          <a:chOff x="0" y="0"/>
+          <a:chExt cx="0" cy="0"/>
+        </a:xfrm>
+      </p:grpSpPr>
+      <p:graphicFrame>
+        <p:nvGraphicFramePr>
+          <p:cNvPr id="4" name="Tabla 6">
+            <a:extLst>
+              <a:ext uri="{FF2B5EF4-FFF2-40B4-BE49-F238E27FC236}">
+                <a16:creationId xmlns:a16="http://schemas.microsoft.com/office/drawing/2014/main" id="{61092F70-2AE1-4B21-990C-2413397B307E}"/>
+              </a:ext>
+            </a:extLst>
+          </p:cNvPr>
+          <p:cNvGraphicFramePr>
+            <a:graphicFrameLocks noGrp="1"/>
+          </p:cNvGraphicFramePr>
+          <p:nvPr>
+            <p:extLst>
+              <p:ext uri="{D42A27DB-BD31-4B8C-83A1-F6EECF244321}">
+                <p14:modId xmlns:p14="http://schemas.microsoft.com/office/powerpoint/2010/main" val="4004313341"/>
+              </p:ext>
+            </p:extLst>
+          </p:nvPr>
+        </p:nvGraphicFramePr>
+        <p:xfrm>
+          <a:off x="191910" y="1413087"/>
+          <a:ext cx="8049139" cy="3474720"/>
+        </p:xfrm>
+        <a:graphic>
+          <a:graphicData uri="http://schemas.openxmlformats.org/drawingml/2006/table">
+            <a:tbl>
+              <a:tblPr firstRow="1" bandRow="1">
+                <a:tableStyleId>{5A111915-BE36-4E01-A7E5-04B1672EAD32}</a:tableStyleId>
+              </a:tblPr>
+              <a:tblGrid>
+                <a:gridCol w="407193">
+                  <a:extLst>
+                    <a:ext uri="{9D8B030D-6E8A-4147-A177-3AD203B41FA5}">
+                      <a16:colId xmlns:a16="http://schemas.microsoft.com/office/drawing/2014/main" val="3565300996"/>
+                    </a:ext>
+                  </a:extLst>
+                </a:gridCol>
+                <a:gridCol w="3788558">
+                  <a:extLst>
+                    <a:ext uri="{9D8B030D-6E8A-4147-A177-3AD203B41FA5}">
+                      <a16:colId xmlns:a16="http://schemas.microsoft.com/office/drawing/2014/main" val="1429739352"/>
+                    </a:ext>
+                  </a:extLst>
+                </a:gridCol>
+                <a:gridCol w="924970">
+                  <a:extLst>
+                    <a:ext uri="{9D8B030D-6E8A-4147-A177-3AD203B41FA5}">
+                      <a16:colId xmlns:a16="http://schemas.microsoft.com/office/drawing/2014/main" val="1073880851"/>
+                    </a:ext>
+                  </a:extLst>
+                </a:gridCol>
+                <a:gridCol w="932112">
+                  <a:extLst>
+                    <a:ext uri="{9D8B030D-6E8A-4147-A177-3AD203B41FA5}">
+                      <a16:colId xmlns:a16="http://schemas.microsoft.com/office/drawing/2014/main" val="4239792826"/>
+                    </a:ext>
+                  </a:extLst>
+                </a:gridCol>
+                <a:gridCol w="1174044">
+                  <a:extLst>
+                    <a:ext uri="{9D8B030D-6E8A-4147-A177-3AD203B41FA5}">
+                      <a16:colId xmlns:a16="http://schemas.microsoft.com/office/drawing/2014/main" val="3466243991"/>
+                    </a:ext>
+                  </a:extLst>
+                </a:gridCol>
+                <a:gridCol w="822262">
+                  <a:extLst>
+                    <a:ext uri="{9D8B030D-6E8A-4147-A177-3AD203B41FA5}">
+                      <a16:colId xmlns:a16="http://schemas.microsoft.com/office/drawing/2014/main" val="1146080519"/>
+                    </a:ext>
+                  </a:extLst>
+                </a:gridCol>
+              </a:tblGrid>
+              <a:tr h="246944">
+                <a:tc>
+                  <a:txBody>
+                    <a:bodyPr/>
+                    <a:lstStyle/>
+                    <a:p>
+                      <a:pPr algn="ctr"/>
+                      <a:r>
+                        <a:rPr lang="es-PE" sz="800" dirty="0"/>
+                        <a:t>CUI</a:t>
+                      </a:r>
+                    </a:p>
+                  </a:txBody>
+                  <a:tcPr/>
+                </a:tc>
+                <a:tc>
+                  <a:txBody>
+                    <a:bodyPr/>
+                    <a:lstStyle/>
+                    <a:p>
+                      <a:pPr marL="0" marR="0" lvl="0" indent="0" algn="l" defTabSz="914400" rtl="0" eaLnBrk="1" fontAlgn="auto" latinLnBrk="0" hangingPunct="1">
+                        <a:lnSpc>
+                          <a:spcPct val="100000"/>
+                        </a:lnSpc>
+                        <a:spcBef>
+                          <a:spcPts val="0"/>
+                        </a:spcBef>
+                        <a:spcAft>
+                          <a:spcPts val="0"/>
+                        </a:spcAft>
+                        <a:buClr>
+                          <a:srgbClr val="000000"/>
+                        </a:buClr>
+                        <a:buSzTx/>
+                        <a:buFont typeface="Arial"/>
+                        <a:buNone/>
+                        <a:tabLst/>
+                        <a:defRPr/>
+                      </a:pPr>
+                      <a:r>
+                        <a:rPr lang="es-PE" sz="800" b="1" dirty="0"/>
+                        <a:t>Proyectos</a:t>
+                      </a:r>
+                    </a:p>
+                  </a:txBody>
+                  <a:tcPr/>
+                </a:tc>
+                <a:tc>
+                  <a:txBody>
+                    <a:bodyPr/>
+                    <a:lstStyle/>
+                    <a:p>
+                      <a:pPr marL="0" marR="0" lvl="0" indent="0" algn="l" defTabSz="914400" rtl="0" eaLnBrk="1" fontAlgn="auto" latinLnBrk="0" hangingPunct="1">
+                        <a:lnSpc>
+                          <a:spcPct val="100000"/>
+                        </a:lnSpc>
+                        <a:spcBef>
+                          <a:spcPts val="0"/>
+                        </a:spcBef>
+                        <a:spcAft>
+                          <a:spcPts val="0"/>
+                        </a:spcAft>
+                        <a:buClr>
+                          <a:srgbClr val="000000"/>
+                        </a:buClr>
+                        <a:buSzTx/>
+                        <a:buFont typeface="Arial"/>
+                        <a:buNone/>
+                        <a:tabLst/>
+                        <a:defRPr/>
+                      </a:pPr>
+                      <a:r>
+                        <a:rPr lang="es-PE" sz="800" b="1" dirty="0"/>
+                        <a:t>Monto de Inversión </a:t>
+                      </a:r>
+                    </a:p>
+                  </a:txBody>
+                  <a:tcPr/>
+                </a:tc>
+                <a:tc>
+                  <a:txBody>
+                    <a:bodyPr/>
+                    <a:lstStyle/>
+                    <a:p>
+                      <a:pPr marL="0" marR="0" lvl="0" indent="0" algn="l" defTabSz="914400" rtl="0" eaLnBrk="1" fontAlgn="auto" latinLnBrk="0" hangingPunct="1">
+                        <a:lnSpc>
+                          <a:spcPct val="100000"/>
+                        </a:lnSpc>
+                        <a:spcBef>
+                          <a:spcPts val="0"/>
+                        </a:spcBef>
+                        <a:spcAft>
+                          <a:spcPts val="0"/>
+                        </a:spcAft>
+                        <a:buClr>
+                          <a:srgbClr val="000000"/>
+                        </a:buClr>
+                        <a:buSzTx/>
+                        <a:buFont typeface="Arial"/>
+                        <a:buNone/>
+                        <a:tabLst/>
+                        <a:defRPr/>
+                      </a:pPr>
+                      <a:r>
+                        <a:rPr lang="es-PE" sz="800" b="1" dirty="0"/>
+                        <a:t>Estado situacional </a:t>
+                      </a:r>
+                    </a:p>
+                  </a:txBody>
+                  <a:tcPr/>
+                </a:tc>
+                <a:tc>
+                  <a:txBody>
+                    <a:bodyPr/>
+                    <a:lstStyle/>
+                    <a:p>
+                      <a:pPr marL="0" marR="0" lvl="0" indent="0" algn="l" defTabSz="914400" rtl="0" eaLnBrk="1" fontAlgn="auto" latinLnBrk="0" hangingPunct="1">
+                        <a:lnSpc>
+                          <a:spcPct val="100000"/>
+                        </a:lnSpc>
+                        <a:spcBef>
+                          <a:spcPts val="0"/>
+                        </a:spcBef>
+                        <a:spcAft>
+                          <a:spcPts val="0"/>
+                        </a:spcAft>
+                        <a:buClr>
+                          <a:srgbClr val="000000"/>
+                        </a:buClr>
+                        <a:buSzTx/>
+                        <a:buFont typeface="Arial"/>
+                        <a:buNone/>
+                        <a:tabLst/>
+                        <a:defRPr/>
+                      </a:pPr>
+                      <a:r>
+                        <a:rPr lang="es-PE" sz="800" b="1" dirty="0"/>
+                        <a:t>Alcance</a:t>
+                      </a:r>
+                    </a:p>
+                  </a:txBody>
+                  <a:tcPr/>
+                </a:tc>
+                <a:tc>
+                  <a:txBody>
+                    <a:bodyPr/>
+                    <a:lstStyle/>
+                    <a:p>
+                      <a:pPr marL="0" marR="0" lvl="0" indent="0" algn="l" defTabSz="914400" rtl="0" eaLnBrk="1" fontAlgn="auto" latinLnBrk="0" hangingPunct="1">
+                        <a:lnSpc>
+                          <a:spcPct val="100000"/>
+                        </a:lnSpc>
+                        <a:spcBef>
+                          <a:spcPts val="0"/>
+                        </a:spcBef>
+                        <a:spcAft>
+                          <a:spcPts val="0"/>
+                        </a:spcAft>
+                        <a:buClr>
+                          <a:srgbClr val="000000"/>
+                        </a:buClr>
+                        <a:buSzTx/>
+                        <a:buFont typeface="Arial"/>
+                        <a:buNone/>
+                        <a:tabLst/>
+                        <a:defRPr/>
+                      </a:pPr>
+                      <a:r>
+                        <a:rPr lang="es-PE" sz="800" b="1" dirty="0"/>
+                        <a:t>Ejecución Física Proyectada</a:t>
+                      </a:r>
+                    </a:p>
+                  </a:txBody>
+                  <a:tcPr/>
+                </a:tc>
+                <a:extLst>
+                  <a:ext uri="{0D108BD9-81ED-4DB2-BD59-A6C34878D82A}">
+                    <a16:rowId xmlns:a16="http://schemas.microsoft.com/office/drawing/2014/main" val="746979308"/>
+                  </a:ext>
+                </a:extLst>
+              </a:tr>
+              <a:tr h="0">
+                <a:tc>
+                  <a:txBody>
+                    <a:bodyPr/>
+                    <a:lstStyle/>
+                    <a:p>
+                      <a:pPr algn="ctr"/>
+                      <a:endParaRPr lang="es-PE" sz="800" dirty="0"/>
+                    </a:p>
+                  </a:txBody>
+                  <a:tcPr/>
+                </a:tc>
+                <a:tc>
+                  <a:txBody>
+                    <a:bodyPr/>
+                    <a:lstStyle/>
+                    <a:p>
+                      <a:pPr marL="0" marR="0" lvl="0" indent="0" algn="l" defTabSz="914400" rtl="0" eaLnBrk="1" fontAlgn="auto" latinLnBrk="0" hangingPunct="1">
+                        <a:lnSpc>
+                          <a:spcPct val="100000"/>
+                        </a:lnSpc>
+                        <a:spcBef>
+                          <a:spcPts val="0"/>
+                        </a:spcBef>
+                        <a:spcAft>
+                          <a:spcPts val="0"/>
+                        </a:spcAft>
+                        <a:buClr>
+                          <a:srgbClr val="000000"/>
+                        </a:buClr>
+                        <a:buSzTx/>
+                        <a:buFont typeface="Arial"/>
+                        <a:buNone/>
+                        <a:tabLst/>
+                        <a:defRPr/>
+                      </a:pPr>
+                      <a:r>
+                        <a:rPr lang="es-PE" sz="800" b="0" dirty="0"/>
+                        <a:t>MEJORAMIENTO DEL SERVICIO EDUCATIVO DEL NIVEL INICIAL N° 1105, N°92 - REYNA DE LOS ANGELES, N°1106, 812 SAN JUAN DE DIOS Y N°79 CRISTO REDENTOR EN LOS DISTRITOS DE ABANCAY , CURAHUASI Y SAN PEDRO DE CACHORA DE LA PROVINCIA DE ABANCAY - DEPARTAMENTO DE APURIMAC</a:t>
+                      </a:r>
+                    </a:p>
+                  </a:txBody>
+                  <a:tcPr/>
+                </a:tc>
+                <a:tc>
+                  <a:txBody>
+                    <a:bodyPr/>
+                    <a:lstStyle/>
+                    <a:p>
+                      <a:pPr marL="0" marR="0" lvl="0" indent="0" algn="l" defTabSz="914400" rtl="0" eaLnBrk="1" fontAlgn="auto" latinLnBrk="0" hangingPunct="1">
+                        <a:lnSpc>
+                          <a:spcPct val="100000"/>
+                        </a:lnSpc>
+                        <a:spcBef>
+                          <a:spcPts val="0"/>
+                        </a:spcBef>
+                        <a:spcAft>
+                          <a:spcPts val="0"/>
+                        </a:spcAft>
+                        <a:buClr>
+                          <a:srgbClr val="000000"/>
+                        </a:buClr>
+                        <a:buSzTx/>
+                        <a:buFont typeface="Arial"/>
+                        <a:buNone/>
+                        <a:tabLst/>
+                        <a:defRPr/>
+                      </a:pPr>
+                      <a:endParaRPr lang="es-PE" sz="800" b="0" dirty="0">
+                        <a:solidFill>
+                          <a:srgbClr val="FF0000"/>
+                        </a:solidFill>
+                      </a:endParaRPr>
+                    </a:p>
+                  </a:txBody>
+                  <a:tcPr/>
+                </a:tc>
+                <a:tc>
+                  <a:txBody>
+                    <a:bodyPr/>
+                    <a:lstStyle/>
+                    <a:p>
+                      <a:pPr marL="0" marR="0" lvl="0" indent="0" algn="l" defTabSz="914400" rtl="0" eaLnBrk="1" fontAlgn="auto" latinLnBrk="0" hangingPunct="1">
+                        <a:lnSpc>
+                          <a:spcPct val="100000"/>
+                        </a:lnSpc>
+                        <a:spcBef>
+                          <a:spcPts val="0"/>
+                        </a:spcBef>
+                        <a:spcAft>
+                          <a:spcPts val="0"/>
+                        </a:spcAft>
+                        <a:buClr>
+                          <a:srgbClr val="000000"/>
+                        </a:buClr>
+                        <a:buSzTx/>
+                        <a:buFont typeface="Arial"/>
+                        <a:buNone/>
+                        <a:tabLst/>
+                        <a:defRPr/>
+                      </a:pPr>
+                      <a:endParaRPr lang="es-PE" sz="800" b="0" dirty="0">
+                        <a:solidFill>
+                          <a:srgbClr val="FF0000"/>
+                        </a:solidFill>
+                      </a:endParaRPr>
+                    </a:p>
+                  </a:txBody>
+                  <a:tcPr/>
+                </a:tc>
+                <a:tc>
+                  <a:txBody>
+                    <a:bodyPr/>
+                    <a:lstStyle/>
+                    <a:p>
+                      <a:pPr marL="171450" marR="0" lvl="0" indent="-171450" algn="l" defTabSz="914400" rtl="0" eaLnBrk="1" fontAlgn="auto" latinLnBrk="0" hangingPunct="1">
+                        <a:lnSpc>
+                          <a:spcPct val="100000"/>
+                        </a:lnSpc>
+                        <a:spcBef>
+                          <a:spcPts val="0"/>
+                        </a:spcBef>
+                        <a:spcAft>
+                          <a:spcPts val="0"/>
+                        </a:spcAft>
+                        <a:buClr>
+                          <a:srgbClr val="000000"/>
+                        </a:buClr>
+                        <a:buSzTx/>
+                        <a:buFont typeface="Arial" panose="020B0604020202020204" pitchFamily="34" charset="0"/>
+                        <a:buChar char="•"/>
+                        <a:tabLst/>
+                        <a:defRPr/>
+                      </a:pPr>
+                      <a:endParaRPr lang="es-PE" sz="800" b="0" dirty="0"/>
+                    </a:p>
+                  </a:txBody>
+                  <a:tcPr/>
+                </a:tc>
+                <a:tc>
+                  <a:txBody>
+                    <a:bodyPr/>
+                    <a:lstStyle/>
+                    <a:p>
+                      <a:pPr marL="0" marR="0" lvl="0" indent="0" algn="l" defTabSz="914400" rtl="0" eaLnBrk="1" fontAlgn="auto" latinLnBrk="0" hangingPunct="1">
+                        <a:lnSpc>
+                          <a:spcPct val="100000"/>
+                        </a:lnSpc>
+                        <a:spcBef>
+                          <a:spcPts val="0"/>
+                        </a:spcBef>
+                        <a:spcAft>
+                          <a:spcPts val="0"/>
+                        </a:spcAft>
+                        <a:buClr>
+                          <a:srgbClr val="000000"/>
+                        </a:buClr>
+                        <a:buSzTx/>
+                        <a:buFont typeface="Arial" panose="020B0604020202020204" pitchFamily="34" charset="0"/>
+                        <a:buNone/>
+                        <a:tabLst/>
+                        <a:defRPr/>
+                      </a:pPr>
+                      <a:endParaRPr lang="es-PE" sz="800" b="0" dirty="0"/>
+                    </a:p>
+                  </a:txBody>
+                  <a:tcPr/>
+                </a:tc>
+                <a:extLst>
+                  <a:ext uri="{0D108BD9-81ED-4DB2-BD59-A6C34878D82A}">
+                    <a16:rowId xmlns:a16="http://schemas.microsoft.com/office/drawing/2014/main" val="2748467623"/>
+                  </a:ext>
+                </a:extLst>
+              </a:tr>
+              <a:tr h="324838">
+                <a:tc>
+                  <a:txBody>
+                    <a:bodyPr/>
+                    <a:lstStyle/>
+                    <a:p>
+                      <a:pPr marR="0" algn="ctr" rtl="0">
+                        <a:lnSpc>
+                          <a:spcPct val="100000"/>
+                        </a:lnSpc>
+                        <a:spcBef>
+                          <a:spcPts val="0"/>
+                        </a:spcBef>
+                        <a:spcAft>
+                          <a:spcPts val="0"/>
+                        </a:spcAft>
+                        <a:buClr>
+                          <a:srgbClr val="000000"/>
+                        </a:buClr>
+                        <a:buFont typeface="Arial"/>
+                      </a:pPr>
+                      <a:endParaRPr lang="es-PE" sz="800" b="0" i="0" u="none" strike="noStrike" cap="none" dirty="0">
+                        <a:solidFill>
+                          <a:srgbClr val="000000"/>
+                        </a:solidFill>
+                        <a:latin typeface="Arial"/>
+                        <a:cs typeface="Arial"/>
+                        <a:sym typeface="Arial"/>
+                      </a:endParaRPr>
+                    </a:p>
+                  </a:txBody>
+                  <a:tcPr/>
+                </a:tc>
+                <a:tc>
+                  <a:txBody>
+                    <a:bodyPr/>
+                    <a:lstStyle/>
+                    <a:p>
+                      <a:pPr marL="0" marR="0" lvl="0" indent="0" algn="l" defTabSz="914400" rtl="0" eaLnBrk="1" fontAlgn="auto" latinLnBrk="0" hangingPunct="1">
+                        <a:lnSpc>
+                          <a:spcPct val="100000"/>
+                        </a:lnSpc>
+                        <a:spcBef>
+                          <a:spcPts val="0"/>
+                        </a:spcBef>
+                        <a:spcAft>
+                          <a:spcPts val="0"/>
+                        </a:spcAft>
+                        <a:buClr>
+                          <a:srgbClr val="000000"/>
+                        </a:buClr>
+                        <a:buSzTx/>
+                        <a:buFont typeface="Arial"/>
+                        <a:buNone/>
+                        <a:tabLst/>
+                        <a:defRPr/>
+                      </a:pPr>
+                      <a:r>
+                        <a:rPr lang="es-PE" sz="800" b="0" u="none" strike="noStrike" cap="none" dirty="0">
+                          <a:solidFill>
+                            <a:srgbClr val="000000"/>
+                          </a:solidFill>
+                          <a:sym typeface="Arial"/>
+                        </a:rPr>
+                        <a:t>MEJORAMIENTO DE LOS SERVICIOS EDUCATIVOS INICIALES DE 10 INSTITUCIONES EDUCATIVAS DEL, DISTRITO DE TALAVERA - ANDAHUAYLAS - APURIMAC</a:t>
+                      </a:r>
+                      <a:endParaRPr lang="es-PE" sz="800" b="0" i="0" u="none" strike="noStrike" cap="none" dirty="0">
+                        <a:solidFill>
+                          <a:srgbClr val="000000"/>
+                        </a:solidFill>
+                        <a:latin typeface="Arial"/>
+                        <a:cs typeface="Arial"/>
+                        <a:sym typeface="Arial"/>
+                      </a:endParaRPr>
+                    </a:p>
+                  </a:txBody>
+                  <a:tcPr/>
+                </a:tc>
+                <a:tc>
+                  <a:txBody>
+                    <a:bodyPr/>
+                    <a:lstStyle/>
+                    <a:p>
+                      <a:pPr marL="0" marR="0" lvl="0" indent="0" algn="l" defTabSz="914400" rtl="0" eaLnBrk="1" fontAlgn="auto" latinLnBrk="0" hangingPunct="1">
+                        <a:lnSpc>
+                          <a:spcPct val="100000"/>
+                        </a:lnSpc>
+                        <a:spcBef>
+                          <a:spcPts val="0"/>
+                        </a:spcBef>
+                        <a:spcAft>
+                          <a:spcPts val="0"/>
+                        </a:spcAft>
+                        <a:buClr>
+                          <a:srgbClr val="000000"/>
+                        </a:buClr>
+                        <a:buSzTx/>
+                        <a:buFont typeface="Arial"/>
+                        <a:buNone/>
+                        <a:tabLst/>
+                        <a:defRPr/>
+                      </a:pPr>
+                      <a:endParaRPr lang="es-PE" sz="800" b="0" i="0" u="none" strike="noStrike" cap="none" dirty="0">
+                        <a:solidFill>
+                          <a:srgbClr val="000000"/>
+                        </a:solidFill>
+                        <a:latin typeface="Arial"/>
+                        <a:cs typeface="Arial"/>
+                        <a:sym typeface="Arial"/>
+                      </a:endParaRPr>
+                    </a:p>
+                  </a:txBody>
+                  <a:tcPr/>
+                </a:tc>
+                <a:tc>
+                  <a:txBody>
+                    <a:bodyPr/>
+                    <a:lstStyle/>
+                    <a:p>
+                      <a:pPr marL="0" marR="0" lvl="0" indent="0" algn="l" defTabSz="914400" rtl="0" eaLnBrk="1" fontAlgn="auto" latinLnBrk="0" hangingPunct="1">
+                        <a:lnSpc>
+                          <a:spcPct val="100000"/>
+                        </a:lnSpc>
+                        <a:spcBef>
+                          <a:spcPts val="0"/>
+                        </a:spcBef>
+                        <a:spcAft>
+                          <a:spcPts val="0"/>
+                        </a:spcAft>
+                        <a:buClr>
+                          <a:srgbClr val="000000"/>
+                        </a:buClr>
+                        <a:buSzTx/>
+                        <a:buFont typeface="Arial"/>
+                        <a:buNone/>
+                        <a:tabLst/>
+                        <a:defRPr/>
+                      </a:pPr>
+                      <a:endParaRPr lang="es-PE" sz="800" b="0" i="0" u="none" strike="noStrike" cap="none" dirty="0">
+                        <a:solidFill>
+                          <a:srgbClr val="FF0000"/>
+                        </a:solidFill>
+                        <a:latin typeface="Arial"/>
+                        <a:cs typeface="Arial"/>
+                        <a:sym typeface="Arial"/>
+                      </a:endParaRPr>
+                    </a:p>
+                  </a:txBody>
+                  <a:tcPr/>
+                </a:tc>
+                <a:tc>
+                  <a:txBody>
+                    <a:bodyPr/>
+                    <a:lstStyle/>
+                    <a:p>
+                      <a:pPr marL="171450" marR="0" lvl="0" indent="-171450" algn="l" defTabSz="914400" rtl="0" eaLnBrk="1" fontAlgn="auto" latinLnBrk="0" hangingPunct="1">
+                        <a:lnSpc>
+                          <a:spcPct val="100000"/>
+                        </a:lnSpc>
+                        <a:spcBef>
+                          <a:spcPts val="0"/>
+                        </a:spcBef>
+                        <a:spcAft>
+                          <a:spcPts val="0"/>
+                        </a:spcAft>
+                        <a:buClr>
+                          <a:srgbClr val="000000"/>
+                        </a:buClr>
+                        <a:buSzTx/>
+                        <a:buFont typeface="Arial" panose="020B0604020202020204" pitchFamily="34" charset="0"/>
+                        <a:buChar char="•"/>
+                        <a:tabLst/>
+                        <a:defRPr/>
+                      </a:pPr>
+                      <a:endParaRPr lang="es-PE" sz="800" b="0" i="0" u="none" strike="noStrike" cap="none" dirty="0">
+                        <a:solidFill>
+                          <a:srgbClr val="000000"/>
+                        </a:solidFill>
+                        <a:latin typeface="Arial"/>
+                        <a:cs typeface="Arial"/>
+                        <a:sym typeface="Arial"/>
+                      </a:endParaRPr>
+                    </a:p>
+                  </a:txBody>
+                  <a:tcPr/>
+                </a:tc>
+                <a:tc>
+                  <a:txBody>
+                    <a:bodyPr/>
+                    <a:lstStyle/>
+                    <a:p>
+                      <a:endParaRPr lang="es-PE" sz="800" b="0" i="0" u="none" strike="noStrike" cap="none" dirty="0">
+                        <a:solidFill>
+                          <a:srgbClr val="000000"/>
+                        </a:solidFill>
+                        <a:latin typeface="+mn-lt"/>
+                        <a:cs typeface="Arial"/>
+                        <a:sym typeface="Arial"/>
+                      </a:endParaRPr>
+                    </a:p>
+                  </a:txBody>
+                  <a:tcPr/>
+                </a:tc>
+                <a:extLst>
+                  <a:ext uri="{0D108BD9-81ED-4DB2-BD59-A6C34878D82A}">
+                    <a16:rowId xmlns:a16="http://schemas.microsoft.com/office/drawing/2014/main" val="2214220417"/>
+                  </a:ext>
+                </a:extLst>
+              </a:tr>
+              <a:tr h="278553">
+                <a:tc>
+                  <a:txBody>
+                    <a:bodyPr/>
+                    <a:lstStyle/>
+                    <a:p>
+                      <a:pPr marR="0" algn="ctr" rtl="0">
+                        <a:lnSpc>
+                          <a:spcPct val="100000"/>
+                        </a:lnSpc>
+                        <a:spcBef>
+                          <a:spcPts val="0"/>
+                        </a:spcBef>
+                        <a:spcAft>
+                          <a:spcPts val="0"/>
+                        </a:spcAft>
+                        <a:buClr>
+                          <a:srgbClr val="000000"/>
+                        </a:buClr>
+                        <a:buFont typeface="Arial"/>
+                      </a:pPr>
+                      <a:endParaRPr lang="es-PE" sz="800" b="0" i="0" u="none" strike="noStrike" cap="none" dirty="0">
+                        <a:solidFill>
+                          <a:srgbClr val="000000"/>
+                        </a:solidFill>
+                        <a:latin typeface="Arial"/>
+                        <a:cs typeface="Arial"/>
+                        <a:sym typeface="Arial"/>
+                      </a:endParaRPr>
+                    </a:p>
+                  </a:txBody>
+                  <a:tcPr/>
+                </a:tc>
+                <a:tc>
+                  <a:txBody>
+                    <a:bodyPr/>
+                    <a:lstStyle/>
+                    <a:p>
+                      <a:r>
+                        <a:rPr lang="es-PE" sz="800" b="0" u="none" strike="noStrike" cap="none" dirty="0">
+                          <a:solidFill>
+                            <a:srgbClr val="000000"/>
+                          </a:solidFill>
+                          <a:sym typeface="Arial"/>
+                        </a:rPr>
+                        <a:t>MEJORAMIENTO DEL INSTITUTO DE EDUCACIÓN SUPERIOR TECNOLÓGICO ALFREDO SARMIENTO PALOMINO, DISTRITO DE HUANCARAMA - PROVINCIA DE ANDAHUAYLAS - DEPARTAMENTO DE APURIMAC</a:t>
+                      </a:r>
+                      <a:endParaRPr lang="es-PE" sz="800" b="0" i="0" u="none" strike="noStrike" cap="none" dirty="0">
+                        <a:solidFill>
+                          <a:srgbClr val="000000"/>
+                        </a:solidFill>
+                        <a:latin typeface="Arial"/>
+                        <a:cs typeface="Arial"/>
+                        <a:sym typeface="Arial"/>
+                      </a:endParaRPr>
+                    </a:p>
+                  </a:txBody>
+                  <a:tcPr/>
+                </a:tc>
+                <a:tc>
+                  <a:txBody>
+                    <a:bodyPr/>
+                    <a:lstStyle/>
+                    <a:p>
+                      <a:endParaRPr lang="es-PE" sz="800" b="0" i="0" u="none" strike="noStrike" cap="none" dirty="0">
+                        <a:solidFill>
+                          <a:srgbClr val="000000"/>
+                        </a:solidFill>
+                        <a:latin typeface="Arial"/>
+                        <a:cs typeface="Arial"/>
+                        <a:sym typeface="Arial"/>
+                      </a:endParaRPr>
+                    </a:p>
+                  </a:txBody>
+                  <a:tcPr/>
+                </a:tc>
+                <a:tc>
+                  <a:txBody>
+                    <a:bodyPr/>
+                    <a:lstStyle/>
+                    <a:p>
+                      <a:endParaRPr lang="es-PE" sz="800" b="0" i="0" u="none" strike="noStrike" cap="none" dirty="0">
+                        <a:solidFill>
+                          <a:srgbClr val="FF0000"/>
+                        </a:solidFill>
+                        <a:latin typeface="Arial"/>
+                        <a:cs typeface="Arial"/>
+                        <a:sym typeface="Arial"/>
+                      </a:endParaRPr>
+                    </a:p>
+                  </a:txBody>
+                  <a:tcPr/>
+                </a:tc>
+                <a:tc>
+                  <a:txBody>
+                    <a:bodyPr/>
+                    <a:lstStyle/>
+                    <a:p>
+                      <a:pPr marL="171450" indent="-171450">
+                        <a:buFont typeface="Arial" panose="020B0604020202020204" pitchFamily="34" charset="0"/>
+                        <a:buChar char="•"/>
+                      </a:pPr>
+                      <a:endParaRPr lang="es-PE" sz="800" b="0" i="0" u="none" strike="noStrike" cap="none" dirty="0">
+                        <a:solidFill>
+                          <a:srgbClr val="000000"/>
+                        </a:solidFill>
+                        <a:latin typeface="Arial"/>
+                        <a:cs typeface="Arial"/>
+                        <a:sym typeface="Arial"/>
+                      </a:endParaRPr>
+                    </a:p>
+                  </a:txBody>
+                  <a:tcPr/>
+                </a:tc>
+                <a:tc>
+                  <a:txBody>
+                    <a:bodyPr/>
+                    <a:lstStyle/>
+                    <a:p>
+                      <a:endParaRPr lang="es-PE" sz="800" b="0" i="0" u="none" strike="noStrike" cap="none" dirty="0">
+                        <a:solidFill>
+                          <a:srgbClr val="000000"/>
+                        </a:solidFill>
+                        <a:latin typeface="Arial"/>
+                        <a:cs typeface="Arial"/>
+                        <a:sym typeface="Arial"/>
+                      </a:endParaRPr>
+                    </a:p>
+                  </a:txBody>
+                  <a:tcPr/>
+                </a:tc>
+                <a:extLst>
+                  <a:ext uri="{0D108BD9-81ED-4DB2-BD59-A6C34878D82A}">
+                    <a16:rowId xmlns:a16="http://schemas.microsoft.com/office/drawing/2014/main" val="1767663526"/>
+                  </a:ext>
+                </a:extLst>
+              </a:tr>
+              <a:tr h="250331">
+                <a:tc>
+                  <a:txBody>
+                    <a:bodyPr/>
+                    <a:lstStyle/>
+                    <a:p>
+                      <a:pPr marR="0" algn="ctr" rtl="0">
+                        <a:lnSpc>
+                          <a:spcPct val="100000"/>
+                        </a:lnSpc>
+                        <a:spcBef>
+                          <a:spcPts val="0"/>
+                        </a:spcBef>
+                        <a:spcAft>
+                          <a:spcPts val="0"/>
+                        </a:spcAft>
+                        <a:buClr>
+                          <a:srgbClr val="000000"/>
+                        </a:buClr>
+                        <a:buFont typeface="Arial"/>
+                      </a:pPr>
+                      <a:endParaRPr lang="es-PE" sz="800" b="0" i="0" u="none" strike="noStrike" cap="none" dirty="0">
+                        <a:solidFill>
+                          <a:srgbClr val="000000"/>
+                        </a:solidFill>
+                        <a:latin typeface="Arial"/>
+                        <a:cs typeface="Arial"/>
+                        <a:sym typeface="Arial"/>
+                      </a:endParaRPr>
+                    </a:p>
+                  </a:txBody>
+                  <a:tcPr/>
+                </a:tc>
+                <a:tc>
+                  <a:txBody>
+                    <a:bodyPr/>
+                    <a:lstStyle/>
+                    <a:p>
+                      <a:r>
+                        <a:rPr lang="es-PE" sz="800" b="0" u="none" strike="noStrike" cap="none" dirty="0">
+                          <a:solidFill>
+                            <a:srgbClr val="000000"/>
+                          </a:solidFill>
+                          <a:sym typeface="Arial"/>
+                        </a:rPr>
+                        <a:t>MEJORAMIENTO DEL SERVICIO EDUCATIVO DEL NIVEL INICIAL N°1135 SANGABRIEL, N°171 PICHIUPATA, N° 39 HUANCARAMA, N° 938 HUACCAYHURA, DISTRITO DE HUANCARAMA PROVINCIA DE ANDAHUAYLAS, REGION APURIMAC</a:t>
+                      </a:r>
+                      <a:endParaRPr lang="es-PE" sz="800" b="0" i="0" u="none" strike="noStrike" cap="none" dirty="0">
+                        <a:solidFill>
+                          <a:srgbClr val="000000"/>
+                        </a:solidFill>
+                        <a:latin typeface="Arial"/>
+                        <a:cs typeface="Arial"/>
+                        <a:sym typeface="Arial"/>
+                      </a:endParaRPr>
+                    </a:p>
+                  </a:txBody>
+                  <a:tcPr/>
+                </a:tc>
+                <a:tc>
+                  <a:txBody>
+                    <a:bodyPr/>
+                    <a:lstStyle/>
+                    <a:p>
+                      <a:endParaRPr lang="es-PE" sz="800" b="0" i="0" u="none" strike="noStrike" cap="none" dirty="0">
+                        <a:solidFill>
+                          <a:srgbClr val="000000"/>
+                        </a:solidFill>
+                        <a:latin typeface="Arial"/>
+                        <a:cs typeface="Arial"/>
+                        <a:sym typeface="Arial"/>
+                      </a:endParaRPr>
+                    </a:p>
+                  </a:txBody>
+                  <a:tcPr/>
+                </a:tc>
+                <a:tc>
+                  <a:txBody>
+                    <a:bodyPr/>
+                    <a:lstStyle/>
+                    <a:p>
+                      <a:endParaRPr lang="es-PE" sz="800" b="0" i="0" u="none" strike="noStrike" cap="none" dirty="0">
+                        <a:solidFill>
+                          <a:srgbClr val="FF0000"/>
+                        </a:solidFill>
+                        <a:latin typeface="Arial"/>
+                        <a:cs typeface="Arial"/>
+                        <a:sym typeface="Arial"/>
+                      </a:endParaRPr>
+                    </a:p>
+                  </a:txBody>
+                  <a:tcPr/>
+                </a:tc>
+                <a:tc>
+                  <a:txBody>
+                    <a:bodyPr/>
+                    <a:lstStyle/>
+                    <a:p>
+                      <a:pPr marL="171450" marR="0" lvl="0" indent="-171450" algn="l" defTabSz="914400" rtl="0" eaLnBrk="1" fontAlgn="auto" latinLnBrk="0" hangingPunct="1">
+                        <a:lnSpc>
+                          <a:spcPct val="100000"/>
+                        </a:lnSpc>
+                        <a:spcBef>
+                          <a:spcPts val="0"/>
+                        </a:spcBef>
+                        <a:spcAft>
+                          <a:spcPts val="0"/>
+                        </a:spcAft>
+                        <a:buClr>
+                          <a:srgbClr val="000000"/>
+                        </a:buClr>
+                        <a:buSzTx/>
+                        <a:buFont typeface="Arial" panose="020B0604020202020204" pitchFamily="34" charset="0"/>
+                        <a:buChar char="•"/>
+                        <a:tabLst/>
+                        <a:defRPr/>
+                      </a:pPr>
+                      <a:endParaRPr lang="es-PE" sz="800" b="0" dirty="0"/>
+                    </a:p>
+                  </a:txBody>
+                  <a:tcPr/>
+                </a:tc>
+                <a:tc>
+                  <a:txBody>
+                    <a:bodyPr/>
+                    <a:lstStyle/>
+                    <a:p>
+                      <a:pPr marL="0" marR="0" lvl="0" indent="0" algn="l" defTabSz="914400" rtl="0" eaLnBrk="1" fontAlgn="auto" latinLnBrk="0" hangingPunct="1">
+                        <a:lnSpc>
+                          <a:spcPct val="100000"/>
+                        </a:lnSpc>
+                        <a:spcBef>
+                          <a:spcPts val="0"/>
+                        </a:spcBef>
+                        <a:spcAft>
+                          <a:spcPts val="0"/>
+                        </a:spcAft>
+                        <a:buClr>
+                          <a:srgbClr val="000000"/>
+                        </a:buClr>
+                        <a:buSzTx/>
+                        <a:buFont typeface="Arial" panose="020B0604020202020204" pitchFamily="34" charset="0"/>
+                        <a:buNone/>
+                        <a:tabLst/>
+                        <a:defRPr/>
+                      </a:pPr>
+                      <a:endParaRPr lang="es-PE" sz="800" b="0" dirty="0"/>
+                    </a:p>
+                  </a:txBody>
+                  <a:tcPr/>
+                </a:tc>
+                <a:extLst>
+                  <a:ext uri="{0D108BD9-81ED-4DB2-BD59-A6C34878D82A}">
+                    <a16:rowId xmlns:a16="http://schemas.microsoft.com/office/drawing/2014/main" val="3674388361"/>
+                  </a:ext>
+                </a:extLst>
+              </a:tr>
+              <a:tr h="370840">
+                <a:tc>
+                  <a:txBody>
+                    <a:bodyPr/>
+                    <a:lstStyle/>
+                    <a:p>
+                      <a:pPr marR="0" algn="ctr" rtl="0">
+                        <a:lnSpc>
+                          <a:spcPct val="100000"/>
+                        </a:lnSpc>
+                        <a:spcBef>
+                          <a:spcPts val="0"/>
+                        </a:spcBef>
+                        <a:spcAft>
+                          <a:spcPts val="0"/>
+                        </a:spcAft>
+                        <a:buClr>
+                          <a:srgbClr val="000000"/>
+                        </a:buClr>
+                        <a:buFont typeface="Arial"/>
+                      </a:pPr>
+                      <a:endParaRPr lang="es-PE" sz="800" b="0" i="0" u="none" strike="noStrike" cap="none" dirty="0">
+                        <a:solidFill>
+                          <a:srgbClr val="000000"/>
+                        </a:solidFill>
+                        <a:latin typeface="Arial"/>
+                        <a:cs typeface="Arial"/>
+                        <a:sym typeface="Arial"/>
+                      </a:endParaRPr>
+                    </a:p>
+                  </a:txBody>
+                  <a:tcPr/>
+                </a:tc>
+                <a:tc>
+                  <a:txBody>
+                    <a:bodyPr/>
+                    <a:lstStyle/>
+                    <a:p>
+                      <a:r>
+                        <a:rPr lang="es-PE" sz="800" b="0" u="none" strike="noStrike" cap="none" dirty="0">
+                          <a:solidFill>
+                            <a:srgbClr val="000000"/>
+                          </a:solidFill>
+                          <a:sym typeface="Arial"/>
+                        </a:rPr>
+                        <a:t>MEJORAMIENTO DEL SERVICIO EDUCATIVO DEL NIVEL INICIAL N°1005 BARRIO CENTRO DE COTABAMBAS, N°1024 CHECCHECALLA DE TAMBOBAMBA,N°716 DIVINO NIÑO JESUS DE HAQUIRA Y N°1008 CHOCHOCA DE COYLLURQUI, PROVINCIA DE COTABAMBAS, REGION APURIMAC</a:t>
+                      </a:r>
+                      <a:endParaRPr lang="es-PE" sz="800" b="0" i="0" u="none" strike="noStrike" cap="none" dirty="0">
+                        <a:solidFill>
+                          <a:srgbClr val="000000"/>
+                        </a:solidFill>
+                        <a:latin typeface="Arial"/>
+                        <a:cs typeface="Arial"/>
+                        <a:sym typeface="Arial"/>
+                      </a:endParaRPr>
+                    </a:p>
+                  </a:txBody>
+                  <a:tcPr/>
+                </a:tc>
+                <a:tc>
+                  <a:txBody>
+                    <a:bodyPr/>
+                    <a:lstStyle/>
+                    <a:p>
+                      <a:endParaRPr lang="es-PE" sz="800" b="0" i="0" u="none" strike="noStrike" cap="none" dirty="0">
+                        <a:solidFill>
+                          <a:srgbClr val="000000"/>
+                        </a:solidFill>
+                        <a:latin typeface="Arial"/>
+                        <a:cs typeface="Arial"/>
+                        <a:sym typeface="Arial"/>
+                      </a:endParaRPr>
+                    </a:p>
+                  </a:txBody>
+                  <a:tcPr/>
+                </a:tc>
+                <a:tc>
+                  <a:txBody>
+                    <a:bodyPr/>
+                    <a:lstStyle/>
+                    <a:p>
+                      <a:endParaRPr lang="es-PE" sz="800" b="0" i="0" u="none" strike="noStrike" cap="none" dirty="0">
+                        <a:solidFill>
+                          <a:srgbClr val="FF0000"/>
+                        </a:solidFill>
+                        <a:latin typeface="Arial"/>
+                        <a:cs typeface="Arial"/>
+                        <a:sym typeface="Arial"/>
+                      </a:endParaRPr>
+                    </a:p>
+                  </a:txBody>
+                  <a:tcPr/>
+                </a:tc>
+                <a:tc>
+                  <a:txBody>
+                    <a:bodyPr/>
+                    <a:lstStyle/>
+                    <a:p>
+                      <a:endParaRPr lang="es-PE" sz="800" b="0" i="0" u="none" strike="noStrike" cap="none" dirty="0">
+                        <a:solidFill>
+                          <a:srgbClr val="000000"/>
+                        </a:solidFill>
+                        <a:latin typeface="Arial"/>
+                        <a:cs typeface="Arial"/>
+                        <a:sym typeface="Arial"/>
+                      </a:endParaRPr>
+                    </a:p>
+                  </a:txBody>
+                  <a:tcPr/>
+                </a:tc>
+                <a:tc>
+                  <a:txBody>
+                    <a:bodyPr/>
+                    <a:lstStyle/>
+                    <a:p>
+                      <a:endParaRPr lang="es-PE" sz="800" b="0" i="0" u="none" strike="noStrike" cap="none" dirty="0">
+                        <a:solidFill>
+                          <a:srgbClr val="000000"/>
+                        </a:solidFill>
+                        <a:latin typeface="Arial"/>
+                        <a:cs typeface="Arial"/>
+                        <a:sym typeface="Arial"/>
+                      </a:endParaRPr>
+                    </a:p>
+                  </a:txBody>
+                  <a:tcPr/>
+                </a:tc>
+                <a:extLst>
+                  <a:ext uri="{0D108BD9-81ED-4DB2-BD59-A6C34878D82A}">
+                    <a16:rowId xmlns:a16="http://schemas.microsoft.com/office/drawing/2014/main" val="3935221123"/>
+                  </a:ext>
+                </a:extLst>
+              </a:tr>
+            </a:tbl>
+          </a:graphicData>
+        </a:graphic>
+      </p:graphicFrame>
+      <p:sp>
+        <p:nvSpPr>
+          <p:cNvPr id="5" name="Google Shape;95;p13">
+            <a:extLst>
+              <a:ext uri="{FF2B5EF4-FFF2-40B4-BE49-F238E27FC236}">
+                <a16:creationId xmlns:a16="http://schemas.microsoft.com/office/drawing/2014/main" id="{7DB9BA98-6BEB-4F68-8F37-ADE0EF83B1E6}"/>
+              </a:ext>
+            </a:extLst>
+          </p:cNvPr>
+          <p:cNvSpPr txBox="1">
+            <a:spLocks/>
+          </p:cNvSpPr>
+          <p:nvPr/>
+        </p:nvSpPr>
+        <p:spPr>
+          <a:xfrm>
+            <a:off x="481149" y="361244"/>
+            <a:ext cx="7922056" cy="451505"/>
+          </a:xfrm>
+          <a:prstGeom prst="rect">
+            <a:avLst/>
+          </a:prstGeom>
+          <a:noFill/>
+          <a:ln>
+            <a:noFill/>
+          </a:ln>
+        </p:spPr>
+        <p:txBody>
+          <a:bodyPr spcFirstLastPara="1" wrap="square" lIns="0" tIns="0" rIns="0" bIns="0" anchor="b" anchorCtr="0">
+            <a:noAutofit/>
+          </a:bodyPr>
+          <a:lstStyle>
+            <a:defPPr marR="0" lvl="0" algn="l" rtl="0">
+              <a:lnSpc>
+                <a:spcPct val="100000"/>
+              </a:lnSpc>
+              <a:spcBef>
+                <a:spcPts val="0"/>
+              </a:spcBef>
+              <a:spcAft>
+                <a:spcPts val="0"/>
+              </a:spcAft>
+            </a:defPPr>
+            <a:lvl1pPr marR="0" lvl="0" algn="l" rtl="0">
+              <a:lnSpc>
+                <a:spcPct val="100000"/>
+              </a:lnSpc>
+              <a:spcBef>
+                <a:spcPts val="0"/>
+              </a:spcBef>
+              <a:spcAft>
+                <a:spcPts val="0"/>
+              </a:spcAft>
+              <a:buClr>
+                <a:schemeClr val="dk1"/>
+              </a:buClr>
+              <a:buSzPts val="5400"/>
+              <a:buFont typeface="Lato Black"/>
+              <a:buNone/>
+              <a:defRPr sz="5400" b="0" i="0" u="none" strike="noStrike" cap="none">
+                <a:solidFill>
+                  <a:schemeClr val="dk1"/>
+                </a:solidFill>
+                <a:latin typeface="Lato Black"/>
+                <a:ea typeface="Lato Black"/>
+                <a:cs typeface="Lato Black"/>
+                <a:sym typeface="Lato Black"/>
+              </a:defRPr>
+            </a:lvl1pPr>
+            <a:lvl2pPr marR="0" lvl="1" algn="l" rtl="0">
+              <a:lnSpc>
+                <a:spcPct val="100000"/>
+              </a:lnSpc>
+              <a:spcBef>
+                <a:spcPts val="0"/>
+              </a:spcBef>
+              <a:spcAft>
+                <a:spcPts val="0"/>
+              </a:spcAft>
+              <a:buClr>
+                <a:schemeClr val="dk1"/>
+              </a:buClr>
+              <a:buSzPts val="5400"/>
+              <a:buFont typeface="Lato Black"/>
+              <a:buNone/>
+              <a:defRPr sz="5400" b="0" i="0" u="none" strike="noStrike" cap="none">
+                <a:solidFill>
+                  <a:schemeClr val="dk1"/>
+                </a:solidFill>
+                <a:latin typeface="Lato Black"/>
+                <a:ea typeface="Lato Black"/>
+                <a:cs typeface="Lato Black"/>
+                <a:sym typeface="Lato Black"/>
+              </a:defRPr>
+            </a:lvl2pPr>
+            <a:lvl3pPr marR="0" lvl="2" algn="l" rtl="0">
+              <a:lnSpc>
+                <a:spcPct val="100000"/>
+              </a:lnSpc>
+              <a:spcBef>
+                <a:spcPts val="0"/>
+              </a:spcBef>
+              <a:spcAft>
+                <a:spcPts val="0"/>
+              </a:spcAft>
+              <a:buClr>
+                <a:schemeClr val="dk1"/>
+              </a:buClr>
+              <a:buSzPts val="5400"/>
+              <a:buFont typeface="Lato Black"/>
+              <a:buNone/>
+              <a:defRPr sz="5400" b="0" i="0" u="none" strike="noStrike" cap="none">
+                <a:solidFill>
+                  <a:schemeClr val="dk1"/>
+                </a:solidFill>
+                <a:latin typeface="Lato Black"/>
+                <a:ea typeface="Lato Black"/>
+                <a:cs typeface="Lato Black"/>
+                <a:sym typeface="Lato Black"/>
+              </a:defRPr>
+            </a:lvl3pPr>
+            <a:lvl4pPr marR="0" lvl="3" algn="l" rtl="0">
+              <a:lnSpc>
+                <a:spcPct val="100000"/>
+              </a:lnSpc>
+              <a:spcBef>
+                <a:spcPts val="0"/>
+              </a:spcBef>
+              <a:spcAft>
+                <a:spcPts val="0"/>
+              </a:spcAft>
+              <a:buClr>
+                <a:schemeClr val="dk1"/>
+              </a:buClr>
+              <a:buSzPts val="5400"/>
+              <a:buFont typeface="Lato Black"/>
+              <a:buNone/>
+              <a:defRPr sz="5400" b="0" i="0" u="none" strike="noStrike" cap="none">
+                <a:solidFill>
+                  <a:schemeClr val="dk1"/>
+                </a:solidFill>
+                <a:latin typeface="Lato Black"/>
+                <a:ea typeface="Lato Black"/>
+                <a:cs typeface="Lato Black"/>
+                <a:sym typeface="Lato Black"/>
+              </a:defRPr>
+            </a:lvl4pPr>
+            <a:lvl5pPr marR="0" lvl="4" algn="l" rtl="0">
+              <a:lnSpc>
+                <a:spcPct val="100000"/>
+              </a:lnSpc>
+              <a:spcBef>
+                <a:spcPts val="0"/>
+              </a:spcBef>
+              <a:spcAft>
+                <a:spcPts val="0"/>
+              </a:spcAft>
+              <a:buClr>
+                <a:schemeClr val="dk1"/>
+              </a:buClr>
+              <a:buSzPts val="5400"/>
+              <a:buFont typeface="Lato Black"/>
+              <a:buNone/>
+              <a:defRPr sz="5400" b="0" i="0" u="none" strike="noStrike" cap="none">
+                <a:solidFill>
+                  <a:schemeClr val="dk1"/>
+                </a:solidFill>
+                <a:latin typeface="Lato Black"/>
+                <a:ea typeface="Lato Black"/>
+                <a:cs typeface="Lato Black"/>
+                <a:sym typeface="Lato Black"/>
+              </a:defRPr>
+            </a:lvl5pPr>
+            <a:lvl6pPr marR="0" lvl="5" algn="l" rtl="0">
+              <a:lnSpc>
+                <a:spcPct val="100000"/>
+              </a:lnSpc>
+              <a:spcBef>
+                <a:spcPts val="0"/>
+              </a:spcBef>
+              <a:spcAft>
+                <a:spcPts val="0"/>
+              </a:spcAft>
+              <a:buClr>
+                <a:schemeClr val="dk1"/>
+              </a:buClr>
+              <a:buSzPts val="5400"/>
+              <a:buFont typeface="Lato Black"/>
+              <a:buNone/>
+              <a:defRPr sz="5400" b="0" i="0" u="none" strike="noStrike" cap="none">
+                <a:solidFill>
+                  <a:schemeClr val="dk1"/>
+                </a:solidFill>
+                <a:latin typeface="Lato Black"/>
+                <a:ea typeface="Lato Black"/>
+                <a:cs typeface="Lato Black"/>
+                <a:sym typeface="Lato Black"/>
+              </a:defRPr>
+            </a:lvl6pPr>
+            <a:lvl7pPr marR="0" lvl="6" algn="l" rtl="0">
+              <a:lnSpc>
+                <a:spcPct val="100000"/>
+              </a:lnSpc>
+              <a:spcBef>
+                <a:spcPts val="0"/>
+              </a:spcBef>
+              <a:spcAft>
+                <a:spcPts val="0"/>
+              </a:spcAft>
+              <a:buClr>
+                <a:schemeClr val="dk1"/>
+              </a:buClr>
+              <a:buSzPts val="5400"/>
+              <a:buFont typeface="Lato Black"/>
+              <a:buNone/>
+              <a:defRPr sz="5400" b="0" i="0" u="none" strike="noStrike" cap="none">
+                <a:solidFill>
+                  <a:schemeClr val="dk1"/>
+                </a:solidFill>
+                <a:latin typeface="Lato Black"/>
+                <a:ea typeface="Lato Black"/>
+                <a:cs typeface="Lato Black"/>
+                <a:sym typeface="Lato Black"/>
+              </a:defRPr>
+            </a:lvl7pPr>
+            <a:lvl8pPr marR="0" lvl="7" algn="l" rtl="0">
+              <a:lnSpc>
+                <a:spcPct val="100000"/>
+              </a:lnSpc>
+              <a:spcBef>
+                <a:spcPts val="0"/>
+              </a:spcBef>
+              <a:spcAft>
+                <a:spcPts val="0"/>
+              </a:spcAft>
+              <a:buClr>
+                <a:schemeClr val="dk1"/>
+              </a:buClr>
+              <a:buSzPts val="5400"/>
+              <a:buFont typeface="Lato Black"/>
+              <a:buNone/>
+              <a:defRPr sz="5400" b="0" i="0" u="none" strike="noStrike" cap="none">
+                <a:solidFill>
+                  <a:schemeClr val="dk1"/>
+                </a:solidFill>
+                <a:latin typeface="Lato Black"/>
+                <a:ea typeface="Lato Black"/>
+                <a:cs typeface="Lato Black"/>
+                <a:sym typeface="Lato Black"/>
+              </a:defRPr>
+            </a:lvl8pPr>
+            <a:lvl9pPr marR="0" lvl="8" algn="l" rtl="0">
+              <a:lnSpc>
+                <a:spcPct val="100000"/>
+              </a:lnSpc>
+              <a:spcBef>
+                <a:spcPts val="0"/>
+              </a:spcBef>
+              <a:spcAft>
+                <a:spcPts val="0"/>
+              </a:spcAft>
+              <a:buClr>
+                <a:schemeClr val="dk1"/>
+              </a:buClr>
+              <a:buSzPts val="5400"/>
+              <a:buFont typeface="Lato Black"/>
+              <a:buNone/>
+              <a:defRPr sz="5400" b="0" i="0" u="none" strike="noStrike" cap="none">
+                <a:solidFill>
+                  <a:schemeClr val="dk1"/>
+                </a:solidFill>
+                <a:latin typeface="Lato Black"/>
+                <a:ea typeface="Lato Black"/>
+                <a:cs typeface="Lato Black"/>
+                <a:sym typeface="Lato Black"/>
+              </a:defRPr>
+            </a:lvl9pPr>
+          </a:lstStyle>
+          <a:p>
+            <a:pPr algn="ctr"/>
+            <a:r>
+              <a:rPr lang="es-MX" sz="2800" dirty="0">
+                <a:effectLst>
+                  <a:outerShdw blurRad="38100" dist="38100" dir="2700000" algn="tl">
+                    <a:srgbClr val="000000">
+                      <a:alpha val="43137"/>
+                    </a:srgbClr>
+                  </a:outerShdw>
+                </a:effectLst>
+              </a:rPr>
+              <a:t>Proyectos de Inversión Formulados-2019</a:t>
+            </a:r>
+          </a:p>
+        </p:txBody>
+      </p:sp>
+    </p:spTree>
+    <p:extLst>
+      <p:ext uri="{BB962C8B-B14F-4D97-AF65-F5344CB8AC3E}">
+        <p14:creationId xmlns:p14="http://schemas.microsoft.com/office/powerpoint/2010/main" val="2737772133"/>
+      </p:ext>
+    </p:extLst>
+  </p:cSld>
+  <p:clrMapOvr>
+    <a:masterClrMapping/>
+  </p:clrMapOvr>
+</p:sld>
+</file>
+
+<file path=ppt/slides/slide4.xml><?xml version="1.0" encoding="utf-8"?>
 <p:sld xmlns:a="http://schemas.openxmlformats.org/drawingml/2006/main" xmlns:r="http://schemas.openxmlformats.org/officeDocument/2006/relationships" xmlns:p="http://schemas.openxmlformats.org/presentationml/2006/main">
   <p:cSld>
     <p:spTree>
@@ -5241,8 +6306,8 @@
         </p:nvSpPr>
         <p:spPr>
           <a:xfrm>
-            <a:off x="737850" y="324975"/>
-            <a:ext cx="7922056" cy="936850"/>
+            <a:off x="594038" y="304801"/>
+            <a:ext cx="7922056" cy="880482"/>
           </a:xfrm>
           <a:prstGeom prst="rect">
             <a:avLst/>
@@ -5264,10 +6329,26 @@
               <a:buNone/>
             </a:pPr>
             <a:r>
-              <a:rPr lang="en" dirty="0"/>
-              <a:t>Proyectos de Inversion programados en la PMI 2021-2023</a:t>
+              <a:rPr lang="en" dirty="0">
+                <a:effectLst>
+                  <a:outerShdw blurRad="38100" dist="38100" dir="2700000" algn="tl">
+                    <a:srgbClr val="000000">
+                      <a:alpha val="43137"/>
+                    </a:srgbClr>
+                  </a:outerShdw>
+                </a:effectLst>
+              </a:rPr>
+              <a:t>Proyectos de Inversion Programados para su Formulacion -2020</a:t>
             </a:r>
-            <a:endParaRPr dirty="0"/>
+            <a:endParaRPr dirty="0">
+              <a:effectLst>
+                <a:outerShdw blurRad="38100" dist="38100" dir="2700000" algn="tl">
+                  <a:srgbClr val="000000">
+                    <a:alpha val="43137"/>
+                  </a:srgbClr>
+                </a:outerShdw>
+              </a:effectLst>
+            </a:endParaRPr>
           </a:p>
         </p:txBody>
       </p:sp>
@@ -5307,7 +6388,7 @@
             </a:pPr>
             <a:fld id="{00000000-1234-1234-1234-123412341234}" type="slidenum">
               <a:rPr lang="en"/>
-              <a:t>3</a:t>
+              <a:t>4</a:t>
             </a:fld>
             <a:endParaRPr/>
           </a:p>
@@ -5328,38 +6409,73 @@
           <p:nvPr>
             <p:extLst>
               <p:ext uri="{D42A27DB-BD31-4B8C-83A1-F6EECF244321}">
-                <p14:modId xmlns:p14="http://schemas.microsoft.com/office/powerpoint/2010/main" val="1274789394"/>
+                <p14:modId xmlns:p14="http://schemas.microsoft.com/office/powerpoint/2010/main" val="3008956458"/>
               </p:ext>
             </p:extLst>
           </p:nvPr>
         </p:nvGraphicFramePr>
         <p:xfrm>
-          <a:off x="286869" y="1333500"/>
-          <a:ext cx="8310283" cy="2636520"/>
+          <a:off x="191910" y="1413087"/>
+          <a:ext cx="8837374" cy="3474720"/>
         </p:xfrm>
         <a:graphic>
           <a:graphicData uri="http://schemas.openxmlformats.org/drawingml/2006/table">
             <a:tbl>
               <a:tblPr firstRow="1" bandRow="1">
-                <a:tableStyleId>{B296C3B7-51D5-40FC-B7EA-EAF5845D4BE8}</a:tableStyleId>
+                <a:tableStyleId>{5A111915-BE36-4E01-A7E5-04B1672EAD32}</a:tableStyleId>
               </a:tblPr>
               <a:tblGrid>
-                <a:gridCol w="562166">
+                <a:gridCol w="407193">
                   <a:extLst>
                     <a:ext uri="{9D8B030D-6E8A-4147-A177-3AD203B41FA5}">
                       <a16:colId xmlns:a16="http://schemas.microsoft.com/office/drawing/2014/main" val="3565300996"/>
                     </a:ext>
                   </a:extLst>
                 </a:gridCol>
-                <a:gridCol w="7748117">
+                <a:gridCol w="3788558">
                   <a:extLst>
                     <a:ext uri="{9D8B030D-6E8A-4147-A177-3AD203B41FA5}">
                       <a16:colId xmlns:a16="http://schemas.microsoft.com/office/drawing/2014/main" val="1429739352"/>
                     </a:ext>
                   </a:extLst>
                 </a:gridCol>
+                <a:gridCol w="924970">
+                  <a:extLst>
+                    <a:ext uri="{9D8B030D-6E8A-4147-A177-3AD203B41FA5}">
+                      <a16:colId xmlns:a16="http://schemas.microsoft.com/office/drawing/2014/main" val="1073880851"/>
+                    </a:ext>
+                  </a:extLst>
+                </a:gridCol>
+                <a:gridCol w="932112">
+                  <a:extLst>
+                    <a:ext uri="{9D8B030D-6E8A-4147-A177-3AD203B41FA5}">
+                      <a16:colId xmlns:a16="http://schemas.microsoft.com/office/drawing/2014/main" val="4239792826"/>
+                    </a:ext>
+                  </a:extLst>
+                </a:gridCol>
+                <a:gridCol w="743331">
+                  <a:extLst>
+                    <a:ext uri="{9D8B030D-6E8A-4147-A177-3AD203B41FA5}">
+                      <a16:colId xmlns:a16="http://schemas.microsoft.com/office/drawing/2014/main" val="2844200124"/>
+                    </a:ext>
+                  </a:extLst>
+                </a:gridCol>
+                <a:gridCol w="1218948">
+                  <a:extLst>
+                    <a:ext uri="{9D8B030D-6E8A-4147-A177-3AD203B41FA5}">
+                      <a16:colId xmlns:a16="http://schemas.microsoft.com/office/drawing/2014/main" val="3466243991"/>
+                    </a:ext>
+                  </a:extLst>
+                </a:gridCol>
+                <a:gridCol w="822262">
+                  <a:extLst>
+                    <a:ext uri="{9D8B030D-6E8A-4147-A177-3AD203B41FA5}">
+                      <a16:colId xmlns:a16="http://schemas.microsoft.com/office/drawing/2014/main" val="1146080519"/>
+                    </a:ext>
+                  </a:extLst>
+                </a:gridCol>
               </a:tblGrid>
-              <a:tr h="325414">
+              <a:tr h="246944">
                 <a:tc>
                   <a:txBody>
                     <a:bodyPr/>
@@ -5367,8 +6483,8 @@
                     <a:p>
                       <a:pPr algn="ctr"/>
                       <a:r>
-                        <a:rPr lang="es-PE" dirty="0"/>
-                        <a:t>1</a:t>
+                        <a:rPr lang="es-PE" sz="800" dirty="0"/>
+                        <a:t>N°</a:t>
                       </a:r>
                     </a:p>
                   </a:txBody>
@@ -5399,58 +6515,8 @@
                         <a:defRPr/>
                       </a:pPr>
                       <a:r>
-                        <a:rPr lang="es-PE" sz="1100" b="0" dirty="0"/>
-                        <a:t>MEJORAMIENTO DEL SERVICIO EDUCATIVO DEL NIVEL INICIAL </a:t>
-                      </a:r>
-                      <a:r>
-                        <a:rPr lang="es-PE" sz="1100" b="0" dirty="0" err="1"/>
-                        <a:t>N°</a:t>
-                      </a:r>
-                      <a:r>
-                        <a:rPr lang="es-PE" sz="1100" b="0" dirty="0"/>
-                        <a:t> 1105, N°92 - REYNA DE LOS ANGELES, N°1106, 812 SAN JUAN DE DIOS Y N°79 CRISTO REDENTOR EN LOS DISTRITOS DE ABANCAY , CURAHUASI Y SAN PEDRO DE CACHORA DE LA PROVINCIA DE ABANCAY - DEPARTAMENTO DE APURIMAC</a:t>
-                      </a:r>
-                    </a:p>
-                  </a:txBody>
-                  <a:tcPr/>
-                </a:tc>
-                <a:extLst>
-                  <a:ext uri="{0D108BD9-81ED-4DB2-BD59-A6C34878D82A}">
-                    <a16:rowId xmlns:a16="http://schemas.microsoft.com/office/drawing/2014/main" val="746979308"/>
-                  </a:ext>
-                </a:extLst>
-              </a:tr>
-              <a:tr h="370840">
-                <a:tc>
-                  <a:txBody>
-                    <a:bodyPr/>
-                    <a:lstStyle/>
-                    <a:p>
-                      <a:pPr marR="0" algn="ctr" rtl="0">
-                        <a:lnSpc>
-                          <a:spcPct val="100000"/>
-                        </a:lnSpc>
-                        <a:spcBef>
-                          <a:spcPts val="0"/>
-                        </a:spcBef>
-                        <a:spcAft>
-                          <a:spcPts val="0"/>
-                        </a:spcAft>
-                        <a:buClr>
-                          <a:srgbClr val="000000"/>
-                        </a:buClr>
-                        <a:buFont typeface="Arial"/>
-                      </a:pPr>
-                      <a:r>
-                        <a:rPr lang="es-PE" sz="1400" b="0" i="0" u="none" strike="noStrike" cap="none" dirty="0">
-                          <a:solidFill>
-                            <a:srgbClr val="000000"/>
-                          </a:solidFill>
-                          <a:latin typeface="Arial"/>
-                          <a:cs typeface="Arial"/>
-                          <a:sym typeface="Arial"/>
-                        </a:rPr>
-                        <a:t>2</a:t>
+                        <a:rPr lang="es-PE" sz="800" b="1" dirty="0"/>
+                        <a:t>Proyectos</a:t>
                       </a:r>
                     </a:p>
                   </a:txBody>
@@ -5481,15 +6547,136 @@
                         <a:defRPr/>
                       </a:pPr>
                       <a:r>
-                        <a:rPr lang="es-PE" sz="1100" b="0" i="0" u="none" strike="noStrike" cap="none" dirty="0">
-                          <a:solidFill>
-                            <a:srgbClr val="000000"/>
-                          </a:solidFill>
-                          <a:latin typeface="Arial"/>
-                          <a:cs typeface="Arial"/>
-                          <a:sym typeface="Arial"/>
-                        </a:rPr>
-                        <a:t>MEJORAMIENTO DE LOS SERVICIOS EDUCATIVOS INICIALES DE 10 INSTITUCIONES EDUCATIVAS DEL, DISTRITO DE TALAVERA - ANDAHUAYLAS - APURIMAC</a:t>
+                        <a:rPr lang="es-PE" sz="800" b="1" dirty="0"/>
+                        <a:t>Inversión Estimada S/</a:t>
+                      </a:r>
+                    </a:p>
+                  </a:txBody>
+                  <a:tcPr/>
+                </a:tc>
+                <a:tc>
+                  <a:txBody>
+                    <a:bodyPr/>
+                    <a:lstStyle/>
+                    <a:p>
+                      <a:pPr marL="0" marR="0" lvl="0" indent="0" algn="l" defTabSz="914400" rtl="0" eaLnBrk="1" fontAlgn="auto" latinLnBrk="0" hangingPunct="1">
+                        <a:lnSpc>
+                          <a:spcPct val="100000"/>
+                        </a:lnSpc>
+                        <a:spcBef>
+                          <a:spcPts val="0"/>
+                        </a:spcBef>
+                        <a:spcAft>
+                          <a:spcPts val="0"/>
+                        </a:spcAft>
+                        <a:buClr>
+                          <a:srgbClr val="000000"/>
+                        </a:buClr>
+                        <a:buSzTx/>
+                        <a:buFont typeface="Arial"/>
+                        <a:buNone/>
+                        <a:tabLst/>
+                        <a:defRPr/>
+                      </a:pPr>
+                      <a:r>
+                        <a:rPr lang="es-PE" sz="800" b="1" dirty="0"/>
+                        <a:t>Estado situacional </a:t>
+                      </a:r>
+                    </a:p>
+                  </a:txBody>
+                  <a:tcPr/>
+                </a:tc>
+                <a:tc>
+                  <a:txBody>
+                    <a:bodyPr/>
+                    <a:lstStyle/>
+                    <a:p>
+                      <a:pPr marL="0" marR="0" lvl="0" indent="0" algn="l" defTabSz="914400" rtl="0" eaLnBrk="1" fontAlgn="auto" latinLnBrk="0" hangingPunct="1">
+                        <a:lnSpc>
+                          <a:spcPct val="100000"/>
+                        </a:lnSpc>
+                        <a:spcBef>
+                          <a:spcPts val="0"/>
+                        </a:spcBef>
+                        <a:spcAft>
+                          <a:spcPts val="0"/>
+                        </a:spcAft>
+                        <a:buClr>
+                          <a:srgbClr val="000000"/>
+                        </a:buClr>
+                        <a:buSzTx/>
+                        <a:buFont typeface="Arial"/>
+                        <a:buNone/>
+                        <a:tabLst/>
+                        <a:defRPr/>
+                      </a:pPr>
+                      <a:r>
+                        <a:rPr lang="es-PE" sz="800" b="1" dirty="0"/>
+                        <a:t>Duración Formulación</a:t>
+                      </a:r>
+                    </a:p>
+                  </a:txBody>
+                  <a:tcPr/>
+                </a:tc>
+                <a:tc>
+                  <a:txBody>
+                    <a:bodyPr/>
+                    <a:lstStyle/>
+                    <a:p>
+                      <a:pPr marL="0" marR="0" lvl="0" indent="0" algn="l" defTabSz="914400" rtl="0" eaLnBrk="1" fontAlgn="auto" latinLnBrk="0" hangingPunct="1">
+                        <a:lnSpc>
+                          <a:spcPct val="100000"/>
+                        </a:lnSpc>
+                        <a:spcBef>
+                          <a:spcPts val="0"/>
+                        </a:spcBef>
+                        <a:spcAft>
+                          <a:spcPts val="0"/>
+                        </a:spcAft>
+                        <a:buClr>
+                          <a:srgbClr val="000000"/>
+                        </a:buClr>
+                        <a:buSzTx/>
+                        <a:buFont typeface="Arial"/>
+                        <a:buNone/>
+                        <a:tabLst/>
+                        <a:defRPr/>
+                      </a:pPr>
+                      <a:r>
+                        <a:rPr lang="es-PE" sz="800" b="1" dirty="0"/>
+                        <a:t>Alcance</a:t>
+                      </a:r>
+                    </a:p>
+                  </a:txBody>
+                  <a:tcPr/>
+                </a:tc>
+                <a:tc>
+                  <a:txBody>
+                    <a:bodyPr/>
+                    <a:lstStyle/>
+                    <a:p>
+                      <a:pPr marL="0" marR="0" lvl="0" indent="0" algn="l" defTabSz="914400" rtl="0" eaLnBrk="1" fontAlgn="auto" latinLnBrk="0" hangingPunct="1">
+                        <a:lnSpc>
+                          <a:spcPct val="100000"/>
+                        </a:lnSpc>
+                        <a:spcBef>
+                          <a:spcPts val="0"/>
+                        </a:spcBef>
+                        <a:spcAft>
+                          <a:spcPts val="0"/>
+                        </a:spcAft>
+                        <a:buClr>
+                          <a:srgbClr val="000000"/>
+                        </a:buClr>
+                        <a:buSzTx/>
+                        <a:buFont typeface="Arial"/>
+                        <a:buNone/>
+                        <a:tabLst/>
+                        <a:defRPr/>
+                      </a:pPr>
+                      <a:r>
+                        <a:rPr lang="es-PE" sz="800" b="1" dirty="0"/>
+                        <a:t>Modalidad de la Formulación</a:t>
                       </a:r>
                     </a:p>
                   </a:txBody>
@@ -5497,11 +6684,324 @@
                 </a:tc>
                 <a:extLst>
                   <a:ext uri="{0D108BD9-81ED-4DB2-BD59-A6C34878D82A}">
-                    <a16:rowId xmlns:a16="http://schemas.microsoft.com/office/drawing/2014/main" val="2214220417"/>
+                    <a16:rowId xmlns:a16="http://schemas.microsoft.com/office/drawing/2014/main" val="746979308"/>
                   </a:ext>
                 </a:extLst>
               </a:tr>
-              <a:tr h="370840">
+              <a:tr h="0">
+                <a:tc>
+                  <a:txBody>
+                    <a:bodyPr/>
+                    <a:lstStyle/>
+                    <a:p>
+                      <a:pPr marL="0" marR="0" lvl="0" indent="0" algn="ctr" defTabSz="914400" rtl="0" eaLnBrk="1" fontAlgn="auto" latinLnBrk="0" hangingPunct="1">
+                        <a:lnSpc>
+                          <a:spcPct val="100000"/>
+                        </a:lnSpc>
+                        <a:spcBef>
+                          <a:spcPts val="0"/>
+                        </a:spcBef>
+                        <a:spcAft>
+                          <a:spcPts val="0"/>
+                        </a:spcAft>
+                        <a:buClr>
+                          <a:srgbClr val="000000"/>
+                        </a:buClr>
+                        <a:buSzTx/>
+                        <a:buFont typeface="Arial"/>
+                        <a:buNone/>
+                        <a:tabLst/>
+                        <a:defRPr/>
+                      </a:pPr>
+                      <a:r>
+                        <a:rPr lang="es-PE" sz="800" dirty="0"/>
+                        <a:t>1</a:t>
+                      </a:r>
+                    </a:p>
+                    <a:p>
+                      <a:pPr algn="ctr"/>
+                      <a:endParaRPr lang="es-PE" sz="800" dirty="0"/>
+                    </a:p>
+                  </a:txBody>
+                  <a:tcPr/>
+                </a:tc>
+                <a:tc>
+                  <a:txBody>
+                    <a:bodyPr/>
+                    <a:lstStyle/>
+                    <a:p>
+                      <a:pPr marL="0" marR="0" lvl="0" indent="0" algn="l" defTabSz="914400" rtl="0" eaLnBrk="1" fontAlgn="auto" latinLnBrk="0" hangingPunct="1">
+                        <a:lnSpc>
+                          <a:spcPct val="100000"/>
+                        </a:lnSpc>
+                        <a:spcBef>
+                          <a:spcPts val="0"/>
+                        </a:spcBef>
+                        <a:spcAft>
+                          <a:spcPts val="0"/>
+                        </a:spcAft>
+                        <a:buClr>
+                          <a:srgbClr val="000000"/>
+                        </a:buClr>
+                        <a:buSzTx/>
+                        <a:buFont typeface="Arial"/>
+                        <a:buNone/>
+                        <a:tabLst/>
+                        <a:defRPr/>
+                      </a:pPr>
+                      <a:r>
+                        <a:rPr lang="es-PE" sz="800" b="0" dirty="0"/>
+                        <a:t>MEJORAMIENTO DEL SERVICIO EDUCATIVO DEL NIVEL INICIAL N° 1105, N°92 - REYNA DE LOS ANGELES, N°1106, 812 SAN JUAN DE DIOS Y N°79 CRISTO REDENTOR EN LOS DISTRITOS DE ABANCAY , CURAHUASI Y SAN PEDRO DE CACHORA DE LA PROVINCIA DE ABANCAY - DEPARTAMENTO DE APURIMAC</a:t>
+                      </a:r>
+                    </a:p>
+                  </a:txBody>
+                  <a:tcPr/>
+                </a:tc>
+                <a:tc>
+                  <a:txBody>
+                    <a:bodyPr/>
+                    <a:lstStyle/>
+                    <a:p>
+                      <a:pPr marL="0" marR="0" lvl="0" indent="0" algn="l" defTabSz="914400" rtl="0" eaLnBrk="1" fontAlgn="auto" latinLnBrk="0" hangingPunct="1">
+                        <a:lnSpc>
+                          <a:spcPct val="100000"/>
+                        </a:lnSpc>
+                        <a:spcBef>
+                          <a:spcPts val="0"/>
+                        </a:spcBef>
+                        <a:spcAft>
+                          <a:spcPts val="0"/>
+                        </a:spcAft>
+                        <a:buClr>
+                          <a:srgbClr val="000000"/>
+                        </a:buClr>
+                        <a:buSzTx/>
+                        <a:buFont typeface="Arial"/>
+                        <a:buNone/>
+                        <a:tabLst/>
+                        <a:defRPr/>
+                      </a:pPr>
+                      <a:r>
+                        <a:rPr lang="es-PE" sz="800" b="1" i="0" u="none" strike="noStrike" cap="none" dirty="0">
+                          <a:solidFill>
+                            <a:schemeClr val="tx1"/>
+                          </a:solidFill>
+                          <a:latin typeface="+mn-lt"/>
+                          <a:ea typeface="+mn-ea"/>
+                          <a:cs typeface="+mn-cs"/>
+                          <a:sym typeface="Arial"/>
+                        </a:rPr>
+                        <a:t>6,870,000.00</a:t>
+                      </a:r>
+                      <a:endParaRPr lang="es-PE" sz="800" b="0" dirty="0"/>
+                    </a:p>
+                  </a:txBody>
+                  <a:tcPr/>
+                </a:tc>
+                <a:tc>
+                  <a:txBody>
+                    <a:bodyPr/>
+                    <a:lstStyle/>
+                    <a:p>
+                      <a:pPr marL="0" marR="0" lvl="0" indent="0" algn="l" defTabSz="914400" rtl="0" eaLnBrk="1" fontAlgn="auto" latinLnBrk="0" hangingPunct="1">
+                        <a:lnSpc>
+                          <a:spcPct val="100000"/>
+                        </a:lnSpc>
+                        <a:spcBef>
+                          <a:spcPts val="0"/>
+                        </a:spcBef>
+                        <a:spcAft>
+                          <a:spcPts val="0"/>
+                        </a:spcAft>
+                        <a:buClr>
+                          <a:srgbClr val="000000"/>
+                        </a:buClr>
+                        <a:buSzTx/>
+                        <a:buFont typeface="Arial"/>
+                        <a:buNone/>
+                        <a:tabLst/>
+                        <a:defRPr/>
+                      </a:pPr>
+                      <a:r>
+                        <a:rPr lang="es-PE" sz="800" b="0" dirty="0"/>
+                        <a:t>Idea</a:t>
+                      </a:r>
+                    </a:p>
+                  </a:txBody>
+                  <a:tcPr/>
+                </a:tc>
+                <a:tc>
+                  <a:txBody>
+                    <a:bodyPr/>
+                    <a:lstStyle/>
+                    <a:p>
+                      <a:pPr marL="0" marR="0" lvl="0" indent="0" algn="l" defTabSz="914400" rtl="0" eaLnBrk="1" fontAlgn="auto" latinLnBrk="0" hangingPunct="1">
+                        <a:lnSpc>
+                          <a:spcPct val="100000"/>
+                        </a:lnSpc>
+                        <a:spcBef>
+                          <a:spcPts val="0"/>
+                        </a:spcBef>
+                        <a:spcAft>
+                          <a:spcPts val="0"/>
+                        </a:spcAft>
+                        <a:buClr>
+                          <a:srgbClr val="000000"/>
+                        </a:buClr>
+                        <a:buSzTx/>
+                        <a:buFont typeface="Arial"/>
+                        <a:buNone/>
+                        <a:tabLst/>
+                        <a:defRPr/>
+                      </a:pPr>
+                      <a:r>
+                        <a:rPr lang="es-PE" sz="800" b="0" dirty="0"/>
+                        <a:t>03 meses</a:t>
+                      </a:r>
+                    </a:p>
+                    <a:p>
+                      <a:pPr marL="0" marR="0" lvl="0" indent="0" algn="l" defTabSz="914400" rtl="0" eaLnBrk="1" fontAlgn="auto" latinLnBrk="0" hangingPunct="1">
+                        <a:lnSpc>
+                          <a:spcPct val="100000"/>
+                        </a:lnSpc>
+                        <a:spcBef>
+                          <a:spcPts val="0"/>
+                        </a:spcBef>
+                        <a:spcAft>
+                          <a:spcPts val="0"/>
+                        </a:spcAft>
+                        <a:buClr>
+                          <a:srgbClr val="000000"/>
+                        </a:buClr>
+                        <a:buSzTx/>
+                        <a:buFont typeface="Arial"/>
+                        <a:buNone/>
+                        <a:tabLst/>
+                        <a:defRPr/>
+                      </a:pPr>
+                      <a:endParaRPr lang="es-PE" sz="800" b="0" dirty="0"/>
+                    </a:p>
+                  </a:txBody>
+                  <a:tcPr/>
+                </a:tc>
+                <a:tc>
+                  <a:txBody>
+                    <a:bodyPr/>
+                    <a:lstStyle/>
+                    <a:p>
+                      <a:pPr marL="171450" marR="0" lvl="0" indent="-171450" algn="l" defTabSz="914400" rtl="0" eaLnBrk="1" fontAlgn="auto" latinLnBrk="0" hangingPunct="1">
+                        <a:lnSpc>
+                          <a:spcPct val="100000"/>
+                        </a:lnSpc>
+                        <a:spcBef>
+                          <a:spcPts val="0"/>
+                        </a:spcBef>
+                        <a:spcAft>
+                          <a:spcPts val="0"/>
+                        </a:spcAft>
+                        <a:buClr>
+                          <a:srgbClr val="000000"/>
+                        </a:buClr>
+                        <a:buSzTx/>
+                        <a:buFont typeface="Arial" panose="020B0604020202020204" pitchFamily="34" charset="0"/>
+                        <a:buChar char="•"/>
+                        <a:tabLst/>
+                        <a:defRPr/>
+                      </a:pPr>
+                      <a:r>
+                        <a:rPr lang="es-PE" sz="800" b="0" dirty="0"/>
+                        <a:t>05 II.EE. 270 Alum</a:t>
+                      </a:r>
+                    </a:p>
+                    <a:p>
+                      <a:pPr marL="171450" marR="0" lvl="0" indent="-171450" algn="l" defTabSz="914400" rtl="0" eaLnBrk="1" fontAlgn="auto" latinLnBrk="0" hangingPunct="1">
+                        <a:lnSpc>
+                          <a:spcPct val="100000"/>
+                        </a:lnSpc>
+                        <a:spcBef>
+                          <a:spcPts val="0"/>
+                        </a:spcBef>
+                        <a:spcAft>
+                          <a:spcPts val="0"/>
+                        </a:spcAft>
+                        <a:buClr>
+                          <a:srgbClr val="000000"/>
+                        </a:buClr>
+                        <a:buSzTx/>
+                        <a:buFont typeface="Arial" panose="020B0604020202020204" pitchFamily="34" charset="0"/>
+                        <a:buChar char="•"/>
+                        <a:tabLst/>
+                        <a:defRPr/>
+                      </a:pPr>
+                      <a:endParaRPr lang="es-PE" sz="800" b="0" dirty="0"/>
+                    </a:p>
+                    <a:p>
+                      <a:pPr marL="171450" marR="0" lvl="0" indent="-171450" algn="l" defTabSz="914400" rtl="0" eaLnBrk="1" fontAlgn="auto" latinLnBrk="0" hangingPunct="1">
+                        <a:lnSpc>
+                          <a:spcPct val="100000"/>
+                        </a:lnSpc>
+                        <a:spcBef>
+                          <a:spcPts val="0"/>
+                        </a:spcBef>
+                        <a:spcAft>
+                          <a:spcPts val="0"/>
+                        </a:spcAft>
+                        <a:buClr>
+                          <a:srgbClr val="000000"/>
+                        </a:buClr>
+                        <a:buSzTx/>
+                        <a:buFont typeface="Arial" panose="020B0604020202020204" pitchFamily="34" charset="0"/>
+                        <a:buChar char="•"/>
+                        <a:tabLst/>
+                        <a:defRPr/>
+                      </a:pPr>
+                      <a:r>
+                        <a:rPr lang="es-PE" sz="800" b="0" dirty="0"/>
+                        <a:t>TDR en revisión</a:t>
+                      </a:r>
+                    </a:p>
+                  </a:txBody>
+                  <a:tcPr/>
+                </a:tc>
+                <a:tc>
+                  <a:txBody>
+                    <a:bodyPr/>
+                    <a:lstStyle/>
+                    <a:p>
+                      <a:pPr marL="0" marR="0" lvl="0" indent="0" algn="l" defTabSz="914400" rtl="0" eaLnBrk="1" fontAlgn="auto" latinLnBrk="0" hangingPunct="1">
+                        <a:lnSpc>
+                          <a:spcPct val="100000"/>
+                        </a:lnSpc>
+                        <a:spcBef>
+                          <a:spcPts val="0"/>
+                        </a:spcBef>
+                        <a:spcAft>
+                          <a:spcPts val="0"/>
+                        </a:spcAft>
+                        <a:buClr>
+                          <a:srgbClr val="000000"/>
+                        </a:buClr>
+                        <a:buSzTx/>
+                        <a:buFont typeface="Arial" panose="020B0604020202020204" pitchFamily="34" charset="0"/>
+                        <a:buNone/>
+                        <a:tabLst/>
+                        <a:defRPr/>
+                      </a:pPr>
+                      <a:r>
+                        <a:rPr lang="es-PE" sz="800" b="0" dirty="0"/>
+                        <a:t>Contrata</a:t>
+                      </a:r>
+                    </a:p>
+                  </a:txBody>
+                  <a:tcPr/>
+                </a:tc>
+                <a:extLst>
+                  <a:ext uri="{0D108BD9-81ED-4DB2-BD59-A6C34878D82A}">
+                    <a16:rowId xmlns:a16="http://schemas.microsoft.com/office/drawing/2014/main" val="2748467623"/>
+                  </a:ext>
+                </a:extLst>
+              </a:tr>
+              <a:tr h="324838">
                 <a:tc>
                   <a:txBody>
                     <a:bodyPr/>
@@ -5523,35 +7023,256 @@
                         <a:buFont typeface="Arial"/>
                       </a:pPr>
                       <a:r>
-                        <a:rPr lang="es-PE" sz="1400" b="0" i="0" u="none" strike="noStrike" cap="none" dirty="0">
+                        <a:rPr lang="es-PE" sz="800" b="0" u="none" strike="noStrike" cap="none" dirty="0">
                           <a:solidFill>
                             <a:srgbClr val="000000"/>
                           </a:solidFill>
-                          <a:latin typeface="Arial"/>
+                          <a:sym typeface="Arial"/>
+                        </a:rPr>
+                        <a:t>2</a:t>
+                      </a:r>
+                      <a:endParaRPr lang="es-PE" sz="800" b="0" i="0" u="none" strike="noStrike" cap="none" dirty="0">
+                        <a:solidFill>
+                          <a:srgbClr val="000000"/>
+                        </a:solidFill>
+                        <a:latin typeface="Arial"/>
+                        <a:cs typeface="Arial"/>
+                        <a:sym typeface="Arial"/>
+                      </a:endParaRPr>
+                    </a:p>
+                  </a:txBody>
+                  <a:tcPr/>
+                </a:tc>
+                <a:tc>
+                  <a:txBody>
+                    <a:bodyPr/>
+                    <a:lstStyle/>
+                    <a:p>
+                      <a:pPr marL="0" marR="0" lvl="0" indent="0" algn="l" defTabSz="914400" rtl="0" eaLnBrk="1" fontAlgn="auto" latinLnBrk="0" hangingPunct="1">
+                        <a:lnSpc>
+                          <a:spcPct val="100000"/>
+                        </a:lnSpc>
+                        <a:spcBef>
+                          <a:spcPts val="0"/>
+                        </a:spcBef>
+                        <a:spcAft>
+                          <a:spcPts val="0"/>
+                        </a:spcAft>
+                        <a:buClr>
+                          <a:srgbClr val="000000"/>
+                        </a:buClr>
+                        <a:buSzTx/>
+                        <a:buFont typeface="Arial"/>
+                        <a:buNone/>
+                        <a:tabLst/>
+                        <a:defRPr/>
+                      </a:pPr>
+                      <a:r>
+                        <a:rPr lang="es-PE" sz="800" b="0" u="none" strike="noStrike" cap="none" dirty="0">
+                          <a:solidFill>
+                            <a:srgbClr val="000000"/>
+                          </a:solidFill>
+                          <a:sym typeface="Arial"/>
+                        </a:rPr>
+                        <a:t>MEJORAMIENTO DE LOS SERVICIOS EDUCATIVOS INICIALES DE 10 INSTITUCIONES EDUCATIVAS DEL, DISTRITO DE TALAVERA - ANDAHUAYLAS - APURIMAC</a:t>
+                      </a:r>
+                      <a:endParaRPr lang="es-PE" sz="800" b="0" i="0" u="none" strike="noStrike" cap="none" dirty="0">
+                        <a:solidFill>
+                          <a:srgbClr val="000000"/>
+                        </a:solidFill>
+                        <a:latin typeface="Arial"/>
+                        <a:cs typeface="Arial"/>
+                        <a:sym typeface="Arial"/>
+                      </a:endParaRPr>
+                    </a:p>
+                  </a:txBody>
+                  <a:tcPr/>
+                </a:tc>
+                <a:tc>
+                  <a:txBody>
+                    <a:bodyPr/>
+                    <a:lstStyle/>
+                    <a:p>
+                      <a:pPr marL="0" marR="0" lvl="0" indent="0" algn="l" defTabSz="914400" rtl="0" eaLnBrk="1" fontAlgn="auto" latinLnBrk="0" hangingPunct="1">
+                        <a:lnSpc>
+                          <a:spcPct val="100000"/>
+                        </a:lnSpc>
+                        <a:spcBef>
+                          <a:spcPts val="0"/>
+                        </a:spcBef>
+                        <a:spcAft>
+                          <a:spcPts val="0"/>
+                        </a:spcAft>
+                        <a:buClr>
+                          <a:srgbClr val="000000"/>
+                        </a:buClr>
+                        <a:buSzTx/>
+                        <a:buFont typeface="Arial"/>
+                        <a:buNone/>
+                        <a:tabLst/>
+                        <a:defRPr/>
+                      </a:pPr>
+                      <a:endParaRPr lang="es-PE" sz="800" b="0" i="0" u="none" strike="noStrike" cap="none" dirty="0">
+                        <a:solidFill>
+                          <a:srgbClr val="000000"/>
+                        </a:solidFill>
+                        <a:latin typeface="Arial"/>
+                        <a:cs typeface="Arial"/>
+                        <a:sym typeface="Arial"/>
+                      </a:endParaRPr>
+                    </a:p>
+                  </a:txBody>
+                  <a:tcPr/>
+                </a:tc>
+                <a:tc>
+                  <a:txBody>
+                    <a:bodyPr/>
+                    <a:lstStyle/>
+                    <a:p>
+                      <a:pPr marL="0" marR="0" lvl="0" indent="0" algn="l" defTabSz="914400" rtl="0" eaLnBrk="1" fontAlgn="auto" latinLnBrk="0" hangingPunct="1">
+                        <a:lnSpc>
+                          <a:spcPct val="100000"/>
+                        </a:lnSpc>
+                        <a:spcBef>
+                          <a:spcPts val="0"/>
+                        </a:spcBef>
+                        <a:spcAft>
+                          <a:spcPts val="0"/>
+                        </a:spcAft>
+                        <a:buClr>
+                          <a:srgbClr val="000000"/>
+                        </a:buClr>
+                        <a:buSzTx/>
+                        <a:buFont typeface="Arial"/>
+                        <a:buNone/>
+                        <a:tabLst/>
+                        <a:defRPr/>
+                      </a:pPr>
+                      <a:r>
+                        <a:rPr lang="es-PE" sz="800" b="0" u="none" strike="noStrike" cap="none" dirty="0">
+                          <a:solidFill>
+                            <a:srgbClr val="000000"/>
+                          </a:solidFill>
+                          <a:sym typeface="Arial"/>
+                        </a:rPr>
+                        <a:t>(desactivado temporalmente)</a:t>
+                      </a:r>
+                      <a:endParaRPr lang="es-PE" sz="800" b="0" i="0" u="none" strike="noStrike" cap="none" dirty="0">
+                        <a:solidFill>
+                          <a:srgbClr val="000000"/>
+                        </a:solidFill>
+                        <a:latin typeface="Arial"/>
+                        <a:cs typeface="Arial"/>
+                        <a:sym typeface="Arial"/>
+                      </a:endParaRPr>
+                    </a:p>
+                  </a:txBody>
+                  <a:tcPr/>
+                </a:tc>
+                <a:tc>
+                  <a:txBody>
+                    <a:bodyPr/>
+                    <a:lstStyle/>
+                    <a:p>
+                      <a:pPr marL="0" marR="0" lvl="0" indent="0" algn="l" defTabSz="914400" rtl="0" eaLnBrk="1" fontAlgn="auto" latinLnBrk="0" hangingPunct="1">
+                        <a:lnSpc>
+                          <a:spcPct val="100000"/>
+                        </a:lnSpc>
+                        <a:spcBef>
+                          <a:spcPts val="0"/>
+                        </a:spcBef>
+                        <a:spcAft>
+                          <a:spcPts val="0"/>
+                        </a:spcAft>
+                        <a:buClr>
+                          <a:srgbClr val="000000"/>
+                        </a:buClr>
+                        <a:buSzTx/>
+                        <a:buFont typeface="Arial"/>
+                        <a:buNone/>
+                        <a:tabLst/>
+                        <a:defRPr/>
+                      </a:pPr>
+                      <a:endParaRPr lang="es-PE" sz="800" b="0" i="0" u="none" strike="noStrike" cap="none" dirty="0">
+                        <a:solidFill>
+                          <a:srgbClr val="000000"/>
+                        </a:solidFill>
+                        <a:latin typeface="Arial"/>
+                        <a:cs typeface="Arial"/>
+                        <a:sym typeface="Arial"/>
+                      </a:endParaRPr>
+                    </a:p>
+                  </a:txBody>
+                  <a:tcPr/>
+                </a:tc>
+                <a:tc>
+                  <a:txBody>
+                    <a:bodyPr/>
+                    <a:lstStyle/>
+                    <a:p>
+                      <a:pPr marL="171450" marR="0" lvl="0" indent="-171450" algn="l" defTabSz="914400" rtl="0" eaLnBrk="1" fontAlgn="auto" latinLnBrk="0" hangingPunct="1">
+                        <a:lnSpc>
+                          <a:spcPct val="100000"/>
+                        </a:lnSpc>
+                        <a:spcBef>
+                          <a:spcPts val="0"/>
+                        </a:spcBef>
+                        <a:spcAft>
+                          <a:spcPts val="0"/>
+                        </a:spcAft>
+                        <a:buClr>
+                          <a:srgbClr val="000000"/>
+                        </a:buClr>
+                        <a:buSzTx/>
+                        <a:buFont typeface="Arial" panose="020B0604020202020204" pitchFamily="34" charset="0"/>
+                        <a:buChar char="•"/>
+                        <a:tabLst/>
+                        <a:defRPr/>
+                      </a:pPr>
+                      <a:r>
+                        <a:rPr lang="es-PE" sz="800" b="0" u="none" strike="noStrike" dirty="0">
+                          <a:effectLst/>
+                        </a:rPr>
+                        <a:t> 10 II.EE. De nivel Inicial </a:t>
+                      </a:r>
+                      <a:endParaRPr lang="es-PE" sz="800" b="0" i="0" u="none" strike="noStrike" cap="none" dirty="0">
+                        <a:solidFill>
+                          <a:srgbClr val="000000"/>
+                        </a:solidFill>
+                        <a:latin typeface="Arial"/>
+                        <a:cs typeface="Arial"/>
+                        <a:sym typeface="Arial"/>
+                      </a:endParaRPr>
+                    </a:p>
+                  </a:txBody>
+                  <a:tcPr/>
+                </a:tc>
+                <a:tc>
+                  <a:txBody>
+                    <a:bodyPr/>
+                    <a:lstStyle/>
+                    <a:p>
+                      <a:r>
+                        <a:rPr lang="es-PE" sz="800" b="0" i="0" u="none" strike="noStrike" cap="none" dirty="0" err="1">
+                          <a:solidFill>
+                            <a:srgbClr val="000000"/>
+                          </a:solidFill>
+                          <a:latin typeface="+mn-lt"/>
                           <a:cs typeface="Arial"/>
                           <a:sym typeface="Arial"/>
                         </a:rPr>
-                        <a:t>3</a:t>
-                      </a:r>
-                    </a:p>
-                  </a:txBody>
-                  <a:tcPr/>
-                </a:tc>
-                <a:tc>
-                  <a:txBody>
-                    <a:bodyPr/>
-                    <a:lstStyle/>
-                    <a:p>
-                      <a:r>
-                        <a:rPr lang="es-PE" sz="1100" b="0" i="0" u="none" strike="noStrike" cap="none" dirty="0">
+                        <a:t>Adm</a:t>
+                      </a:r>
+                      <a:r>
+                        <a:rPr lang="es-PE" sz="800" b="0" i="0" u="none" strike="noStrike" cap="none" dirty="0">
                           <a:solidFill>
                             <a:srgbClr val="000000"/>
                           </a:solidFill>
-                          <a:latin typeface="Arial"/>
+                          <a:latin typeface="+mn-lt"/>
                           <a:cs typeface="Arial"/>
                           <a:sym typeface="Arial"/>
                         </a:rPr>
-                        <a:t>MEJORAMIENTO DEL INSTITUTO DE EDUCACIÓN SUPERIOR TECNOLÓGICO ALFREDO SARMIENTO PALOMINO, DISTRITO DE HUANCARAMA - PROVINCIA DE ANDAHUAYLAS - DEPARTAMENTO DE APURIMAC</a:t>
+                        <a:t>. Directa</a:t>
                       </a:r>
                     </a:p>
                   </a:txBody>
@@ -5559,11 +7280,11 @@
                 </a:tc>
                 <a:extLst>
                   <a:ext uri="{0D108BD9-81ED-4DB2-BD59-A6C34878D82A}">
-                    <a16:rowId xmlns:a16="http://schemas.microsoft.com/office/drawing/2014/main" val="1767663526"/>
+                    <a16:rowId xmlns:a16="http://schemas.microsoft.com/office/drawing/2014/main" val="2214220417"/>
                   </a:ext>
                 </a:extLst>
               </a:tr>
-              <a:tr h="370840">
+              <a:tr h="278553">
                 <a:tc>
                   <a:txBody>
                     <a:bodyPr/>
@@ -5585,7 +7306,169 @@
                         <a:buFont typeface="Arial"/>
                       </a:pPr>
                       <a:r>
-                        <a:rPr lang="es-PE" sz="1400" b="0" i="0" u="none" strike="noStrike" cap="none" dirty="0">
+                        <a:rPr lang="es-PE" sz="800" b="0" u="none" strike="noStrike" cap="none" dirty="0">
+                          <a:solidFill>
+                            <a:srgbClr val="000000"/>
+                          </a:solidFill>
+                          <a:sym typeface="Arial"/>
+                        </a:rPr>
+                        <a:t>3</a:t>
+                      </a:r>
+                      <a:endParaRPr lang="es-PE" sz="800" b="0" i="0" u="none" strike="noStrike" cap="none" dirty="0">
+                        <a:solidFill>
+                          <a:srgbClr val="000000"/>
+                        </a:solidFill>
+                        <a:latin typeface="Arial"/>
+                        <a:cs typeface="Arial"/>
+                        <a:sym typeface="Arial"/>
+                      </a:endParaRPr>
+                    </a:p>
+                  </a:txBody>
+                  <a:tcPr/>
+                </a:tc>
+                <a:tc>
+                  <a:txBody>
+                    <a:bodyPr/>
+                    <a:lstStyle/>
+                    <a:p>
+                      <a:r>
+                        <a:rPr lang="es-PE" sz="800" b="0" u="none" strike="noStrike" cap="none" dirty="0">
+                          <a:solidFill>
+                            <a:srgbClr val="000000"/>
+                          </a:solidFill>
+                          <a:sym typeface="Arial"/>
+                        </a:rPr>
+                        <a:t>MEJORAMIENTO DEL INSTITUTO DE EDUCACIÓN SUPERIOR TECNOLÓGICO ALFREDO SARMIENTO PALOMINO, DISTRITO DE HUANCARAMA - PROVINCIA DE ANDAHUAYLAS - DEPARTAMENTO DE APURIMAC</a:t>
+                      </a:r>
+                      <a:endParaRPr lang="es-PE" sz="800" b="0" i="0" u="none" strike="noStrike" cap="none" dirty="0">
+                        <a:solidFill>
+                          <a:srgbClr val="000000"/>
+                        </a:solidFill>
+                        <a:latin typeface="Arial"/>
+                        <a:cs typeface="Arial"/>
+                        <a:sym typeface="Arial"/>
+                      </a:endParaRPr>
+                    </a:p>
+                  </a:txBody>
+                  <a:tcPr/>
+                </a:tc>
+                <a:tc>
+                  <a:txBody>
+                    <a:bodyPr/>
+                    <a:lstStyle/>
+                    <a:p>
+                      <a:endParaRPr lang="es-PE" sz="800" b="0" i="0" u="none" strike="noStrike" cap="none" dirty="0">
+                        <a:solidFill>
+                          <a:srgbClr val="000000"/>
+                        </a:solidFill>
+                        <a:latin typeface="Arial"/>
+                        <a:cs typeface="Arial"/>
+                        <a:sym typeface="Arial"/>
+                      </a:endParaRPr>
+                    </a:p>
+                  </a:txBody>
+                  <a:tcPr/>
+                </a:tc>
+                <a:tc>
+                  <a:txBody>
+                    <a:bodyPr/>
+                    <a:lstStyle/>
+                    <a:p>
+                      <a:r>
+                        <a:rPr lang="es-PE" sz="800" b="0" u="none" strike="noStrike" cap="none" dirty="0">
+                          <a:solidFill>
+                            <a:srgbClr val="000000"/>
+                          </a:solidFill>
+                          <a:sym typeface="Arial"/>
+                        </a:rPr>
+                        <a:t>En Formulación</a:t>
+                      </a:r>
+                      <a:endParaRPr lang="es-PE" sz="800" b="0" i="0" u="none" strike="noStrike" cap="none" dirty="0">
+                        <a:solidFill>
+                          <a:srgbClr val="000000"/>
+                        </a:solidFill>
+                        <a:latin typeface="Arial"/>
+                        <a:cs typeface="Arial"/>
+                        <a:sym typeface="Arial"/>
+                      </a:endParaRPr>
+                    </a:p>
+                  </a:txBody>
+                  <a:tcPr/>
+                </a:tc>
+                <a:tc>
+                  <a:txBody>
+                    <a:bodyPr/>
+                    <a:lstStyle/>
+                    <a:p>
+                      <a:r>
+                        <a:rPr lang="es-PE" sz="800" b="0" u="none" strike="noStrike" cap="none" dirty="0">
+                          <a:solidFill>
+                            <a:srgbClr val="000000"/>
+                          </a:solidFill>
+                          <a:sym typeface="Arial"/>
+                        </a:rPr>
+                        <a:t>18/06/2020</a:t>
+                      </a:r>
+                    </a:p>
+                    <a:p>
+                      <a:r>
+                        <a:rPr lang="es-PE" sz="800" b="0" u="none" strike="noStrike" cap="none" dirty="0">
+                          <a:solidFill>
+                            <a:srgbClr val="000000"/>
+                          </a:solidFill>
+                          <a:sym typeface="Arial"/>
+                        </a:rPr>
+                        <a:t>31/08/2020</a:t>
+                      </a:r>
+                      <a:endParaRPr lang="es-PE" sz="800" b="0" i="0" u="none" strike="noStrike" cap="none" dirty="0">
+                        <a:solidFill>
+                          <a:srgbClr val="000000"/>
+                        </a:solidFill>
+                        <a:latin typeface="Arial"/>
+                        <a:cs typeface="Arial"/>
+                        <a:sym typeface="Arial"/>
+                      </a:endParaRPr>
+                    </a:p>
+                  </a:txBody>
+                  <a:tcPr/>
+                </a:tc>
+                <a:tc>
+                  <a:txBody>
+                    <a:bodyPr/>
+                    <a:lstStyle/>
+                    <a:p>
+                      <a:pPr marL="171450" indent="-171450">
+                        <a:buFont typeface="Arial" panose="020B0604020202020204" pitchFamily="34" charset="0"/>
+                        <a:buChar char="•"/>
+                      </a:pPr>
+                      <a:r>
+                        <a:rPr lang="es-PE" sz="800" b="0" u="none" strike="noStrike" cap="none" dirty="0">
+                          <a:solidFill>
+                            <a:srgbClr val="000000"/>
+                          </a:solidFill>
+                          <a:sym typeface="Arial"/>
+                        </a:rPr>
+                        <a:t>(Avance 40%)</a:t>
+                      </a:r>
+                      <a:endParaRPr lang="es-PE" sz="800" b="0" i="0" u="none" strike="noStrike" cap="none" dirty="0">
+                        <a:solidFill>
+                          <a:srgbClr val="000000"/>
+                        </a:solidFill>
+                        <a:latin typeface="Arial"/>
+                        <a:cs typeface="Arial"/>
+                        <a:sym typeface="Arial"/>
+                      </a:endParaRPr>
+                    </a:p>
+                  </a:txBody>
+                  <a:tcPr/>
+                </a:tc>
+                <a:tc>
+                  <a:txBody>
+                    <a:bodyPr/>
+                    <a:lstStyle/>
+                    <a:p>
+                      <a:r>
+                        <a:rPr lang="es-PE" sz="800" b="0" i="0" u="none" strike="noStrike" cap="none" dirty="0" err="1">
                           <a:solidFill>
                             <a:srgbClr val="000000"/>
                           </a:solidFill>
@@ -5593,19 +7476,10 @@
                           <a:cs typeface="Arial"/>
                           <a:sym typeface="Arial"/>
                         </a:rPr>
-                        <a:t>4</a:t>
-                      </a:r>
-                    </a:p>
-                  </a:txBody>
-                  <a:tcPr/>
-                </a:tc>
-                <a:tc>
-                  <a:txBody>
-                    <a:bodyPr/>
-                    <a:lstStyle/>
-                    <a:p>
-                      <a:r>
-                        <a:rPr lang="es-PE" sz="1100" b="0" i="0" u="none" strike="noStrike" cap="none" dirty="0">
+                        <a:t>Adm</a:t>
+                      </a:r>
+                      <a:r>
+                        <a:rPr lang="es-PE" sz="800" b="0" i="0" u="none" strike="noStrike" cap="none" dirty="0">
                           <a:solidFill>
                             <a:srgbClr val="000000"/>
                           </a:solidFill>
@@ -5613,51 +7487,7 @@
                           <a:cs typeface="Arial"/>
                           <a:sym typeface="Arial"/>
                         </a:rPr>
-                        <a:t>MEJORAMIENTO DEL SERVICIO EDUCATIVO DEL NIVEL INICIAL N°1135 SANGABRIEL, N°171 PICHIUPATA, </a:t>
-                      </a:r>
-                      <a:r>
-                        <a:rPr lang="es-PE" sz="1100" b="0" i="0" u="none" strike="noStrike" cap="none" dirty="0" err="1">
-                          <a:solidFill>
-                            <a:srgbClr val="000000"/>
-                          </a:solidFill>
-                          <a:latin typeface="Arial"/>
-                          <a:cs typeface="Arial"/>
-                          <a:sym typeface="Arial"/>
-                        </a:rPr>
-                        <a:t>N°</a:t>
-                      </a:r>
-                      <a:r>
-                        <a:rPr lang="es-PE" sz="1100" b="0" i="0" u="none" strike="noStrike" cap="none" dirty="0">
-                          <a:solidFill>
-                            <a:srgbClr val="000000"/>
-                          </a:solidFill>
-                          <a:latin typeface="Arial"/>
-                          <a:cs typeface="Arial"/>
-                          <a:sym typeface="Arial"/>
-                        </a:rPr>
-                        <a:t> 39 HUANCARAMA, </a:t>
-                      </a:r>
-                      <a:r>
-                        <a:rPr lang="es-PE" sz="1100" b="0" i="0" u="none" strike="noStrike" cap="none" dirty="0" err="1">
-                          <a:solidFill>
-                            <a:srgbClr val="000000"/>
-                          </a:solidFill>
-                          <a:latin typeface="Arial"/>
-                          <a:cs typeface="Arial"/>
-                          <a:sym typeface="Arial"/>
-                        </a:rPr>
-                        <a:t>N°</a:t>
-                      </a:r>
-                      <a:r>
-                        <a:rPr lang="es-PE" sz="1100" b="0" i="0" u="none" strike="noStrike" cap="none" dirty="0">
-                          <a:solidFill>
-                            <a:srgbClr val="000000"/>
-                          </a:solidFill>
-                          <a:latin typeface="Arial"/>
-                          <a:cs typeface="Arial"/>
-                          <a:sym typeface="Arial"/>
-                        </a:rPr>
-                        <a:t> 938 HUACCAYHURA, DISTRITO DE HUANCARAMA PROVINCIA DE ANDAHUAYLAS, REGION APURIMAC</a:t>
+                        <a:t>. Directa</a:t>
                       </a:r>
                     </a:p>
                   </a:txBody>
@@ -5665,11 +7495,11 @@
                 </a:tc>
                 <a:extLst>
                   <a:ext uri="{0D108BD9-81ED-4DB2-BD59-A6C34878D82A}">
-                    <a16:rowId xmlns:a16="http://schemas.microsoft.com/office/drawing/2014/main" val="3674388361"/>
+                    <a16:rowId xmlns:a16="http://schemas.microsoft.com/office/drawing/2014/main" val="1767663526"/>
                   </a:ext>
                 </a:extLst>
               </a:tr>
-              <a:tr h="370840">
+              <a:tr h="250331">
                 <a:tc>
                   <a:txBody>
                     <a:bodyPr/>
@@ -5691,16 +7521,267 @@
                         <a:buFont typeface="Arial"/>
                       </a:pPr>
                       <a:r>
-                        <a:rPr lang="es-PE" sz="1400" b="0" i="0" u="none" strike="noStrike" cap="none" dirty="0">
+                        <a:rPr lang="es-PE" sz="800" b="0" u="none" strike="noStrike" cap="none" dirty="0">
                           <a:solidFill>
                             <a:srgbClr val="000000"/>
                           </a:solidFill>
-                          <a:latin typeface="Arial"/>
-                          <a:cs typeface="Arial"/>
+                          <a:sym typeface="Arial"/>
+                        </a:rPr>
+                        <a:t>4</a:t>
+                      </a:r>
+                      <a:endParaRPr lang="es-PE" sz="800" b="0" i="0" u="none" strike="noStrike" cap="none" dirty="0">
+                        <a:solidFill>
+                          <a:srgbClr val="000000"/>
+                        </a:solidFill>
+                        <a:latin typeface="Arial"/>
+                        <a:cs typeface="Arial"/>
+                        <a:sym typeface="Arial"/>
+                      </a:endParaRPr>
+                    </a:p>
+                  </a:txBody>
+                  <a:tcPr/>
+                </a:tc>
+                <a:tc>
+                  <a:txBody>
+                    <a:bodyPr/>
+                    <a:lstStyle/>
+                    <a:p>
+                      <a:r>
+                        <a:rPr lang="es-PE" sz="800" b="0" u="none" strike="noStrike" cap="none" dirty="0">
+                          <a:solidFill>
+                            <a:srgbClr val="000000"/>
+                          </a:solidFill>
+                          <a:sym typeface="Arial"/>
+                        </a:rPr>
+                        <a:t>MEJORAMIENTO DEL SERVICIO EDUCATIVO DEL NIVEL INICIAL N°1135 SANGABRIEL, N°171 PICHIUPATA, N° 39 HUANCARAMA, N° 938 HUACCAYHURA, DISTRITO DE HUANCARAMA PROVINCIA DE ANDAHUAYLAS, REGION APURIMAC</a:t>
+                      </a:r>
+                      <a:endParaRPr lang="es-PE" sz="800" b="0" i="0" u="none" strike="noStrike" cap="none" dirty="0">
+                        <a:solidFill>
+                          <a:srgbClr val="000000"/>
+                        </a:solidFill>
+                        <a:latin typeface="Arial"/>
+                        <a:cs typeface="Arial"/>
+                        <a:sym typeface="Arial"/>
+                      </a:endParaRPr>
+                    </a:p>
+                  </a:txBody>
+                  <a:tcPr/>
+                </a:tc>
+                <a:tc>
+                  <a:txBody>
+                    <a:bodyPr/>
+                    <a:lstStyle/>
+                    <a:p>
+                      <a:endParaRPr lang="es-PE" sz="800" b="0" i="0" u="none" strike="noStrike" cap="none" dirty="0">
+                        <a:solidFill>
+                          <a:srgbClr val="000000"/>
+                        </a:solidFill>
+                        <a:latin typeface="Arial"/>
+                        <a:cs typeface="Arial"/>
+                        <a:sym typeface="Arial"/>
+                      </a:endParaRPr>
+                    </a:p>
+                  </a:txBody>
+                  <a:tcPr/>
+                </a:tc>
+                <a:tc>
+                  <a:txBody>
+                    <a:bodyPr/>
+                    <a:lstStyle/>
+                    <a:p>
+                      <a:r>
+                        <a:rPr lang="es-PE" sz="800" b="0" u="none" strike="noStrike" cap="none" dirty="0">
+                          <a:solidFill>
+                            <a:srgbClr val="000000"/>
+                          </a:solidFill>
+                          <a:sym typeface="Arial"/>
+                        </a:rPr>
+                        <a:t>Idea</a:t>
+                      </a:r>
+                      <a:endParaRPr lang="es-PE" sz="800" b="0" i="0" u="none" strike="noStrike" cap="none" dirty="0">
+                        <a:solidFill>
+                          <a:srgbClr val="000000"/>
+                        </a:solidFill>
+                        <a:latin typeface="Arial"/>
+                        <a:cs typeface="Arial"/>
+                        <a:sym typeface="Arial"/>
+                      </a:endParaRPr>
+                    </a:p>
+                  </a:txBody>
+                  <a:tcPr/>
+                </a:tc>
+                <a:tc>
+                  <a:txBody>
+                    <a:bodyPr/>
+                    <a:lstStyle/>
+                    <a:p>
+                      <a:endParaRPr lang="es-PE" sz="800" b="0" i="0" u="none" strike="noStrike" cap="none" dirty="0">
+                        <a:solidFill>
+                          <a:srgbClr val="000000"/>
+                        </a:solidFill>
+                        <a:latin typeface="Arial"/>
+                        <a:cs typeface="Arial"/>
+                        <a:sym typeface="Arial"/>
+                      </a:endParaRPr>
+                    </a:p>
+                  </a:txBody>
+                  <a:tcPr/>
+                </a:tc>
+                <a:tc>
+                  <a:txBody>
+                    <a:bodyPr/>
+                    <a:lstStyle/>
+                    <a:p>
+                      <a:pPr marL="171450" marR="0" lvl="0" indent="-171450" algn="l" defTabSz="914400" rtl="0" eaLnBrk="1" fontAlgn="auto" latinLnBrk="0" hangingPunct="1">
+                        <a:lnSpc>
+                          <a:spcPct val="100000"/>
+                        </a:lnSpc>
+                        <a:spcBef>
+                          <a:spcPts val="0"/>
+                        </a:spcBef>
+                        <a:spcAft>
+                          <a:spcPts val="0"/>
+                        </a:spcAft>
+                        <a:buClr>
+                          <a:srgbClr val="000000"/>
+                        </a:buClr>
+                        <a:buSzTx/>
+                        <a:buFont typeface="Arial" panose="020B0604020202020204" pitchFamily="34" charset="0"/>
+                        <a:buChar char="•"/>
+                        <a:tabLst/>
+                        <a:defRPr/>
+                      </a:pPr>
+                      <a:r>
+                        <a:rPr lang="es-PE" sz="800" b="0" dirty="0"/>
+                        <a:t>04 II.EE.</a:t>
+                      </a:r>
+                    </a:p>
+                    <a:p>
+                      <a:pPr marL="171450" marR="0" lvl="0" indent="-171450" algn="l" defTabSz="914400" rtl="0" eaLnBrk="1" fontAlgn="auto" latinLnBrk="0" hangingPunct="1">
+                        <a:lnSpc>
+                          <a:spcPct val="100000"/>
+                        </a:lnSpc>
+                        <a:spcBef>
+                          <a:spcPts val="0"/>
+                        </a:spcBef>
+                        <a:spcAft>
+                          <a:spcPts val="0"/>
+                        </a:spcAft>
+                        <a:buClr>
+                          <a:srgbClr val="000000"/>
+                        </a:buClr>
+                        <a:buSzTx/>
+                        <a:buFont typeface="Arial" panose="020B0604020202020204" pitchFamily="34" charset="0"/>
+                        <a:buChar char="•"/>
+                        <a:tabLst/>
+                        <a:defRPr/>
+                      </a:pPr>
+                      <a:endParaRPr lang="es-PE" sz="800" b="0" dirty="0"/>
+                    </a:p>
+                    <a:p>
+                      <a:pPr marL="171450" marR="0" lvl="0" indent="-171450" algn="l" defTabSz="914400" rtl="0" eaLnBrk="1" fontAlgn="auto" latinLnBrk="0" hangingPunct="1">
+                        <a:lnSpc>
+                          <a:spcPct val="100000"/>
+                        </a:lnSpc>
+                        <a:spcBef>
+                          <a:spcPts val="0"/>
+                        </a:spcBef>
+                        <a:spcAft>
+                          <a:spcPts val="0"/>
+                        </a:spcAft>
+                        <a:buClr>
+                          <a:srgbClr val="000000"/>
+                        </a:buClr>
+                        <a:buSzTx/>
+                        <a:buFont typeface="Arial" panose="020B0604020202020204" pitchFamily="34" charset="0"/>
+                        <a:buChar char="•"/>
+                        <a:tabLst/>
+                        <a:defRPr/>
+                      </a:pPr>
+                      <a:r>
+                        <a:rPr lang="es-PE" sz="800" b="0" dirty="0"/>
+                        <a:t>TDR en revisión</a:t>
+                      </a:r>
+                    </a:p>
+                  </a:txBody>
+                  <a:tcPr/>
+                </a:tc>
+                <a:tc>
+                  <a:txBody>
+                    <a:bodyPr/>
+                    <a:lstStyle/>
+                    <a:p>
+                      <a:pPr marL="0" marR="0" lvl="0" indent="0" algn="l" defTabSz="914400" rtl="0" eaLnBrk="1" fontAlgn="auto" latinLnBrk="0" hangingPunct="1">
+                        <a:lnSpc>
+                          <a:spcPct val="100000"/>
+                        </a:lnSpc>
+                        <a:spcBef>
+                          <a:spcPts val="0"/>
+                        </a:spcBef>
+                        <a:spcAft>
+                          <a:spcPts val="0"/>
+                        </a:spcAft>
+                        <a:buClr>
+                          <a:srgbClr val="000000"/>
+                        </a:buClr>
+                        <a:buSzTx/>
+                        <a:buFont typeface="Arial" panose="020B0604020202020204" pitchFamily="34" charset="0"/>
+                        <a:buNone/>
+                        <a:tabLst/>
+                        <a:defRPr/>
+                      </a:pPr>
+                      <a:r>
+                        <a:rPr lang="es-PE" sz="800" b="0" dirty="0"/>
+                        <a:t>Contrata</a:t>
+                      </a:r>
+                    </a:p>
+                  </a:txBody>
+                  <a:tcPr/>
+                </a:tc>
+                <a:extLst>
+                  <a:ext uri="{0D108BD9-81ED-4DB2-BD59-A6C34878D82A}">
+                    <a16:rowId xmlns:a16="http://schemas.microsoft.com/office/drawing/2014/main" val="3674388361"/>
+                  </a:ext>
+                </a:extLst>
+              </a:tr>
+              <a:tr h="370840">
+                <a:tc>
+                  <a:txBody>
+                    <a:bodyPr/>
+                    <a:lstStyle/>
+                    <a:p>
+                      <a:pPr marR="0" algn="ctr" rtl="0">
+                        <a:lnSpc>
+                          <a:spcPct val="100000"/>
+                        </a:lnSpc>
+                        <a:spcBef>
+                          <a:spcPts val="0"/>
+                        </a:spcBef>
+                        <a:spcAft>
+                          <a:spcPts val="0"/>
+                        </a:spcAft>
+                        <a:buClr>
+                          <a:srgbClr val="000000"/>
+                        </a:buClr>
+                        <a:buFont typeface="Arial"/>
+                      </a:pPr>
+                      <a:r>
+                        <a:rPr lang="es-PE" sz="800" b="0" u="none" strike="noStrike" cap="none" dirty="0">
+                          <a:solidFill>
+                            <a:srgbClr val="000000"/>
+                          </a:solidFill>
                           <a:sym typeface="Arial"/>
                         </a:rPr>
                         <a:t>5</a:t>
                       </a:r>
+                      <a:endParaRPr lang="es-PE" sz="800" b="0" i="0" u="none" strike="noStrike" cap="none" dirty="0">
+                        <a:solidFill>
+                          <a:srgbClr val="000000"/>
+                        </a:solidFill>
+                        <a:latin typeface="Arial"/>
+                        <a:cs typeface="Arial"/>
+                        <a:sym typeface="Arial"/>
+                      </a:endParaRPr>
                     </a:p>
                   </a:txBody>
                   <a:tcPr/>
@@ -5711,16 +7792,192 @@
                     <a:lstStyle/>
                     <a:p>
                       <a:r>
-                        <a:rPr lang="es-PE" sz="1100" b="0" i="0" u="none" strike="noStrike" cap="none" dirty="0">
+                        <a:rPr lang="es-PE" sz="800" b="0" u="none" strike="noStrike" cap="none" dirty="0">
                           <a:solidFill>
                             <a:srgbClr val="000000"/>
                           </a:solidFill>
-                          <a:latin typeface="Arial"/>
-                          <a:cs typeface="Arial"/>
                           <a:sym typeface="Arial"/>
                         </a:rPr>
                         <a:t>MEJORAMIENTO DEL SERVICIO EDUCATIVO DEL NIVEL INICIAL N°1005 BARRIO CENTRO DE COTABAMBAS, N°1024 CHECCHECALLA DE TAMBOBAMBA,N°716 DIVINO NIÑO JESUS DE HAQUIRA Y N°1008 CHOCHOCA DE COYLLURQUI, PROVINCIA DE COTABAMBAS, REGION APURIMAC</a:t>
                       </a:r>
+                      <a:endParaRPr lang="es-PE" sz="800" b="0" i="0" u="none" strike="noStrike" cap="none" dirty="0">
+                        <a:solidFill>
+                          <a:srgbClr val="000000"/>
+                        </a:solidFill>
+                        <a:latin typeface="Arial"/>
+                        <a:cs typeface="Arial"/>
+                        <a:sym typeface="Arial"/>
+                      </a:endParaRPr>
+                    </a:p>
+                  </a:txBody>
+                  <a:tcPr/>
+                </a:tc>
+                <a:tc>
+                  <a:txBody>
+                    <a:bodyPr/>
+                    <a:lstStyle/>
+                    <a:p>
+                      <a:endParaRPr lang="es-PE" sz="800" b="0" i="0" u="none" strike="noStrike" cap="none" dirty="0">
+                        <a:solidFill>
+                          <a:srgbClr val="000000"/>
+                        </a:solidFill>
+                        <a:latin typeface="Arial"/>
+                        <a:cs typeface="Arial"/>
+                        <a:sym typeface="Arial"/>
+                      </a:endParaRPr>
+                    </a:p>
+                  </a:txBody>
+                  <a:tcPr/>
+                </a:tc>
+                <a:tc>
+                  <a:txBody>
+                    <a:bodyPr/>
+                    <a:lstStyle/>
+                    <a:p>
+                      <a:r>
+                        <a:rPr lang="es-PE" sz="800" b="0" u="none" strike="noStrike" cap="none" dirty="0">
+                          <a:solidFill>
+                            <a:srgbClr val="000000"/>
+                          </a:solidFill>
+                          <a:sym typeface="Arial"/>
+                        </a:rPr>
+                        <a:t>Idea</a:t>
+                      </a:r>
+                      <a:endParaRPr lang="es-PE" sz="800" b="0" i="0" u="none" strike="noStrike" cap="none" dirty="0">
+                        <a:solidFill>
+                          <a:srgbClr val="000000"/>
+                        </a:solidFill>
+                        <a:latin typeface="Arial"/>
+                        <a:cs typeface="Arial"/>
+                        <a:sym typeface="Arial"/>
+                      </a:endParaRPr>
+                    </a:p>
+                  </a:txBody>
+                  <a:tcPr/>
+                </a:tc>
+                <a:tc>
+                  <a:txBody>
+                    <a:bodyPr/>
+                    <a:lstStyle/>
+                    <a:p>
+                      <a:endParaRPr lang="es-PE" sz="800" b="0" i="0" u="none" strike="noStrike" cap="none" dirty="0">
+                        <a:solidFill>
+                          <a:srgbClr val="000000"/>
+                        </a:solidFill>
+                        <a:latin typeface="Arial"/>
+                        <a:cs typeface="Arial"/>
+                        <a:sym typeface="Arial"/>
+                      </a:endParaRPr>
+                    </a:p>
+                  </a:txBody>
+                  <a:tcPr/>
+                </a:tc>
+                <a:tc>
+                  <a:txBody>
+                    <a:bodyPr/>
+                    <a:lstStyle/>
+                    <a:p>
+                      <a:pPr marL="171450" marR="0" lvl="0" indent="-171450" algn="l" defTabSz="914400" rtl="0" eaLnBrk="1" fontAlgn="auto" latinLnBrk="0" hangingPunct="1">
+                        <a:lnSpc>
+                          <a:spcPct val="100000"/>
+                        </a:lnSpc>
+                        <a:spcBef>
+                          <a:spcPts val="0"/>
+                        </a:spcBef>
+                        <a:spcAft>
+                          <a:spcPts val="0"/>
+                        </a:spcAft>
+                        <a:buClr>
+                          <a:srgbClr val="000000"/>
+                        </a:buClr>
+                        <a:buSzTx/>
+                        <a:buFont typeface="Arial" panose="020B0604020202020204" pitchFamily="34" charset="0"/>
+                        <a:buChar char="•"/>
+                        <a:tabLst/>
+                        <a:defRPr/>
+                      </a:pPr>
+                      <a:r>
+                        <a:rPr lang="es-PE" sz="800" b="0" dirty="0"/>
+                        <a:t>04 II.EE.</a:t>
+                      </a:r>
+                    </a:p>
+                    <a:p>
+                      <a:pPr marL="171450" marR="0" lvl="0" indent="-171450" algn="l" defTabSz="914400" rtl="0" eaLnBrk="1" fontAlgn="auto" latinLnBrk="0" hangingPunct="1">
+                        <a:lnSpc>
+                          <a:spcPct val="100000"/>
+                        </a:lnSpc>
+                        <a:spcBef>
+                          <a:spcPts val="0"/>
+                        </a:spcBef>
+                        <a:spcAft>
+                          <a:spcPts val="0"/>
+                        </a:spcAft>
+                        <a:buClr>
+                          <a:srgbClr val="000000"/>
+                        </a:buClr>
+                        <a:buSzTx/>
+                        <a:buFont typeface="Arial" panose="020B0604020202020204" pitchFamily="34" charset="0"/>
+                        <a:buChar char="•"/>
+                        <a:tabLst/>
+                        <a:defRPr/>
+                      </a:pPr>
+                      <a:endParaRPr lang="es-PE" sz="800" b="0" dirty="0"/>
+                    </a:p>
+                    <a:p>
+                      <a:pPr marL="171450" marR="0" lvl="0" indent="-171450" algn="l" defTabSz="914400" rtl="0" eaLnBrk="1" fontAlgn="auto" latinLnBrk="0" hangingPunct="1">
+                        <a:lnSpc>
+                          <a:spcPct val="100000"/>
+                        </a:lnSpc>
+                        <a:spcBef>
+                          <a:spcPts val="0"/>
+                        </a:spcBef>
+                        <a:spcAft>
+                          <a:spcPts val="0"/>
+                        </a:spcAft>
+                        <a:buClr>
+                          <a:srgbClr val="000000"/>
+                        </a:buClr>
+                        <a:buSzTx/>
+                        <a:buFont typeface="Arial" panose="020B0604020202020204" pitchFamily="34" charset="0"/>
+                        <a:buChar char="•"/>
+                        <a:tabLst/>
+                        <a:defRPr/>
+                      </a:pPr>
+                      <a:r>
+                        <a:rPr lang="es-PE" sz="800" b="0" dirty="0"/>
+                        <a:t>TDR en revisión</a:t>
+                      </a:r>
+                    </a:p>
+                    <a:p>
+                      <a:endParaRPr lang="es-PE" sz="800" b="0" i="0" u="none" strike="noStrike" cap="none" dirty="0">
+                        <a:solidFill>
+                          <a:srgbClr val="000000"/>
+                        </a:solidFill>
+                        <a:latin typeface="Arial"/>
+                        <a:cs typeface="Arial"/>
+                        <a:sym typeface="Arial"/>
+                      </a:endParaRPr>
+                    </a:p>
+                  </a:txBody>
+                  <a:tcPr/>
+                </a:tc>
+                <a:tc>
+                  <a:txBody>
+                    <a:bodyPr/>
+                    <a:lstStyle/>
+                    <a:p>
+                      <a:r>
+                        <a:rPr lang="es-PE" sz="800" b="0" dirty="0"/>
+                        <a:t>Contrata</a:t>
+                      </a:r>
+                      <a:endParaRPr lang="es-PE" sz="800" b="0" i="0" u="none" strike="noStrike" cap="none" dirty="0">
+                        <a:solidFill>
+                          <a:srgbClr val="000000"/>
+                        </a:solidFill>
+                        <a:latin typeface="Arial"/>
+                        <a:cs typeface="Arial"/>
+                        <a:sym typeface="Arial"/>
+                      </a:endParaRPr>
                     </a:p>
                   </a:txBody>
                   <a:tcPr/>
@@ -5743,7 +8000,7 @@
 </p:sld>
 </file>
 
-<file path=ppt/slides/slide4.xml><?xml version="1.0" encoding="utf-8"?>
+<file path=ppt/slides/slide5.xml><?xml version="1.0" encoding="utf-8"?>
 <p:sld xmlns:a="http://schemas.openxmlformats.org/drawingml/2006/main" xmlns:r="http://schemas.openxmlformats.org/officeDocument/2006/relationships" xmlns:p="http://schemas.openxmlformats.org/presentationml/2006/main">
   <p:cSld>
     <p:spTree>
@@ -7958,7 +10215,7 @@
 </p:sld>
 </file>
 
-<file path=ppt/slides/slide5.xml><?xml version="1.0" encoding="utf-8"?>
+<file path=ppt/slides/slide6.xml><?xml version="1.0" encoding="utf-8"?>
 <p:sld xmlns:a="http://schemas.openxmlformats.org/drawingml/2006/main" xmlns:r="http://schemas.openxmlformats.org/officeDocument/2006/relationships" xmlns:p="http://schemas.openxmlformats.org/presentationml/2006/main">
   <p:cSld>
     <p:spTree>
@@ -10586,7 +12843,7 @@
 </p:sld>
 </file>
 
-<file path=ppt/slides/slide6.xml><?xml version="1.0" encoding="utf-8"?>
+<file path=ppt/slides/slide7.xml><?xml version="1.0" encoding="utf-8"?>
 <p:sld xmlns:a="http://schemas.openxmlformats.org/drawingml/2006/main" xmlns:r="http://schemas.openxmlformats.org/officeDocument/2006/relationships" xmlns:p="http://schemas.openxmlformats.org/presentationml/2006/main">
   <p:cSld>
     <p:spTree>
@@ -12382,7 +14639,7 @@
 </p:sld>
 </file>
 
-<file path=ppt/slides/slide7.xml><?xml version="1.0" encoding="utf-8"?>
+<file path=ppt/slides/slide8.xml><?xml version="1.0" encoding="utf-8"?>
 <p:sld xmlns:a="http://schemas.openxmlformats.org/drawingml/2006/main" xmlns:r="http://schemas.openxmlformats.org/officeDocument/2006/relationships" xmlns:p="http://schemas.openxmlformats.org/presentationml/2006/main">
   <p:cSld>
     <p:spTree>
@@ -14468,7 +16725,7 @@
 </p:sld>
 </file>
 
-<file path=ppt/slides/slide8.xml><?xml version="1.0" encoding="utf-8"?>
+<file path=ppt/slides/slide9.xml><?xml version="1.0" encoding="utf-8"?>
 <p:sld xmlns:a="http://schemas.openxmlformats.org/drawingml/2006/main" xmlns:r="http://schemas.openxmlformats.org/officeDocument/2006/relationships" xmlns:p="http://schemas.openxmlformats.org/presentationml/2006/main">
   <p:cSld>
     <p:spTree>

--- a/Proyectos Funcion Educacion.pptx
+++ b/Proyectos Funcion Educacion.pptx
@@ -36,12 +36,12 @@
       <p:boldItalic r:id="rId19"/>
     </p:embeddedFont>
     <p:embeddedFont>
-      <p:font typeface="Lato Black" panose="020B0604020202020204" charset="0"/>
+      <p:font typeface="Lato Black" panose="020F0A02020204030203" pitchFamily="34" charset="0"/>
       <p:bold r:id="rId20"/>
       <p:boldItalic r:id="rId21"/>
     </p:embeddedFont>
     <p:embeddedFont>
-      <p:font typeface="Lato Light" panose="020B0604020202020204" charset="0"/>
+      <p:font typeface="Lato Light" panose="020F0402020204030203" pitchFamily="34" charset="0"/>
       <p:regular r:id="rId22"/>
       <p:bold r:id="rId23"/>
       <p:italic r:id="rId24"/>
@@ -6409,7 +6409,7 @@
           <p:nvPr>
             <p:extLst>
               <p:ext uri="{D42A27DB-BD31-4B8C-83A1-F6EECF244321}">
-                <p14:modId xmlns:p14="http://schemas.microsoft.com/office/powerpoint/2010/main" val="3008956458"/>
+                <p14:modId xmlns:p14="http://schemas.microsoft.com/office/powerpoint/2010/main" val="3953571924"/>
               </p:ext>
             </p:extLst>
           </p:nvPr>
@@ -6750,9 +6750,12 @@
                         <a:defRPr/>
                       </a:pPr>
                       <a:r>
-                        <a:rPr lang="es-PE" sz="800" b="0" dirty="0"/>
+                        <a:rPr lang="es-PE" sz="800" b="0" dirty="0">
+                          <a:hlinkClick r:id="rId3" action="ppaction://hlinksldjump"/>
+                        </a:rPr>
                         <a:t>MEJORAMIENTO DEL SERVICIO EDUCATIVO DEL NIVEL INICIAL N° 1105, N°92 - REYNA DE LOS ANGELES, N°1106, 812 SAN JUAN DE DIOS Y N°79 CRISTO REDENTOR EN LOS DISTRITOS DE ABANCAY , CURAHUASI Y SAN PEDRO DE CACHORA DE LA PROVINCIA DE ABANCAY - DEPARTAMENTO DE APURIMAC</a:t>
                       </a:r>
+                      <a:endParaRPr lang="es-PE" sz="800" b="0" dirty="0"/>
                     </a:p>
                   </a:txBody>
                   <a:tcPr/>
@@ -7073,6 +7076,7 @@
                             <a:srgbClr val="000000"/>
                           </a:solidFill>
                           <a:sym typeface="Arial"/>
+                          <a:hlinkClick r:id="rId4" action="ppaction://hlinksldjump"/>
                         </a:rPr>
                         <a:t>MEJORAMIENTO DE LOS SERVICIOS EDUCATIVOS INICIALES DE 10 INSTITUCIONES EDUCATIVAS DEL, DISTRITO DE TALAVERA - ANDAHUAYLAS - APURIMAC</a:t>
                       </a:r>
@@ -7337,6 +7341,7 @@
                             <a:srgbClr val="000000"/>
                           </a:solidFill>
                           <a:sym typeface="Arial"/>
+                          <a:hlinkClick r:id="rId5" action="ppaction://hlinksldjump"/>
                         </a:rPr>
                         <a:t>MEJORAMIENTO DEL INSTITUTO DE EDUCACIÓN SUPERIOR TECNOLÓGICO ALFREDO SARMIENTO PALOMINO, DISTRITO DE HUANCARAMA - PROVINCIA DE ANDAHUAYLAS - DEPARTAMENTO DE APURIMAC</a:t>
                       </a:r>
@@ -7552,6 +7557,7 @@
                             <a:srgbClr val="000000"/>
                           </a:solidFill>
                           <a:sym typeface="Arial"/>
+                          <a:hlinkClick r:id="rId6" action="ppaction://hlinksldjump"/>
                         </a:rPr>
                         <a:t>MEJORAMIENTO DEL SERVICIO EDUCATIVO DEL NIVEL INICIAL N°1135 SANGABRIEL, N°171 PICHIUPATA, N° 39 HUANCARAMA, N° 938 HUACCAYHURA, DISTRITO DE HUANCARAMA PROVINCIA DE ANDAHUAYLAS, REGION APURIMAC</a:t>
                       </a:r>
@@ -7797,6 +7803,7 @@
                             <a:srgbClr val="000000"/>
                           </a:solidFill>
                           <a:sym typeface="Arial"/>
+                          <a:hlinkClick r:id="rId7" action="ppaction://hlinksldjump"/>
                         </a:rPr>
                         <a:t>MEJORAMIENTO DEL SERVICIO EDUCATIVO DEL NIVEL INICIAL N°1005 BARRIO CENTRO DE COTABAMBAS, N°1024 CHECCHECALLA DE TAMBOBAMBA,N°716 DIVINO NIÑO JESUS DE HAQUIRA Y N°1008 CHOCHOCA DE COYLLURQUI, PROVINCIA DE COTABAMBAS, REGION APURIMAC</a:t>
                       </a:r>

--- a/Proyectos Funcion Educacion.pptx
+++ b/Proyectos Funcion Educacion.pptx
@@ -36,12 +36,12 @@
       <p:boldItalic r:id="rId19"/>
     </p:embeddedFont>
     <p:embeddedFont>
-      <p:font typeface="Lato Black" panose="020F0A02020204030203" pitchFamily="34" charset="0"/>
+      <p:font typeface="Lato Black" panose="020B0604020202020204" charset="0"/>
       <p:bold r:id="rId20"/>
       <p:boldItalic r:id="rId21"/>
     </p:embeddedFont>
     <p:embeddedFont>
-      <p:font typeface="Lato Light" panose="020F0402020204030203" pitchFamily="34" charset="0"/>
+      <p:font typeface="Lato Light" panose="020B0604020202020204" charset="0"/>
       <p:regular r:id="rId22"/>
       <p:bold r:id="rId23"/>
       <p:italic r:id="rId24"/>
@@ -4915,14 +4915,14 @@
           <p:nvPr>
             <p:extLst>
               <p:ext uri="{D42A27DB-BD31-4B8C-83A1-F6EECF244321}">
-                <p14:modId xmlns:p14="http://schemas.microsoft.com/office/powerpoint/2010/main" val="4004313341"/>
+                <p14:modId xmlns:p14="http://schemas.microsoft.com/office/powerpoint/2010/main" val="3614809410"/>
               </p:ext>
             </p:extLst>
           </p:nvPr>
         </p:nvGraphicFramePr>
         <p:xfrm>
-          <a:off x="191910" y="1413087"/>
-          <a:ext cx="8049139" cy="3474720"/>
+          <a:off x="260796" y="812749"/>
+          <a:ext cx="8622408" cy="4145280"/>
         </p:xfrm>
         <a:graphic>
           <a:graphicData uri="http://schemas.openxmlformats.org/drawingml/2006/table">
@@ -4931,42 +4931,42 @@
                 <a:tableStyleId>{5A111915-BE36-4E01-A7E5-04B1672EAD32}</a:tableStyleId>
               </a:tblPr>
               <a:tblGrid>
-                <a:gridCol w="407193">
+                <a:gridCol w="603681">
                   <a:extLst>
                     <a:ext uri="{9D8B030D-6E8A-4147-A177-3AD203B41FA5}">
                       <a16:colId xmlns:a16="http://schemas.microsoft.com/office/drawing/2014/main" val="3565300996"/>
                     </a:ext>
                   </a:extLst>
                 </a:gridCol>
-                <a:gridCol w="3788558">
+                <a:gridCol w="4098140">
                   <a:extLst>
                     <a:ext uri="{9D8B030D-6E8A-4147-A177-3AD203B41FA5}">
                       <a16:colId xmlns:a16="http://schemas.microsoft.com/office/drawing/2014/main" val="1429739352"/>
                     </a:ext>
                   </a:extLst>
                 </a:gridCol>
-                <a:gridCol w="924970">
+                <a:gridCol w="905523">
                   <a:extLst>
                     <a:ext uri="{9D8B030D-6E8A-4147-A177-3AD203B41FA5}">
                       <a16:colId xmlns:a16="http://schemas.microsoft.com/office/drawing/2014/main" val="1073880851"/>
                     </a:ext>
                   </a:extLst>
                 </a:gridCol>
-                <a:gridCol w="932112">
+                <a:gridCol w="905522">
                   <a:extLst>
                     <a:ext uri="{9D8B030D-6E8A-4147-A177-3AD203B41FA5}">
                       <a16:colId xmlns:a16="http://schemas.microsoft.com/office/drawing/2014/main" val="4239792826"/>
                     </a:ext>
                   </a:extLst>
                 </a:gridCol>
-                <a:gridCol w="1174044">
+                <a:gridCol w="1206398">
                   <a:extLst>
                     <a:ext uri="{9D8B030D-6E8A-4147-A177-3AD203B41FA5}">
                       <a16:colId xmlns:a16="http://schemas.microsoft.com/office/drawing/2014/main" val="3466243991"/>
                     </a:ext>
                   </a:extLst>
                 </a:gridCol>
-                <a:gridCol w="822262">
+                <a:gridCol w="903144">
                   <a:extLst>
                     <a:ext uri="{9D8B030D-6E8A-4147-A177-3AD203B41FA5}">
                       <a16:colId xmlns:a16="http://schemas.microsoft.com/office/drawing/2014/main" val="1146080519"/>
@@ -5162,7 +5162,10 @@
                     <a:lstStyle/>
                     <a:p>
                       <a:pPr algn="ctr"/>
-                      <a:endParaRPr lang="es-PE" sz="800" dirty="0"/>
+                      <a:r>
+                        <a:rPr lang="es-PE" sz="800" dirty="0"/>
+                        <a:t>2469801</a:t>
+                      </a:r>
                     </a:p>
                   </a:txBody>
                   <a:tcPr/>
@@ -5193,7 +5196,7 @@
                       </a:pPr>
                       <a:r>
                         <a:rPr lang="es-PE" sz="800" b="0" dirty="0"/>
-                        <a:t>MEJORAMIENTO DEL SERVICIO EDUCATIVO DEL NIVEL INICIAL N° 1105, N°92 - REYNA DE LOS ANGELES, N°1106, 812 SAN JUAN DE DIOS Y N°79 CRISTO REDENTOR EN LOS DISTRITOS DE ABANCAY , CURAHUASI Y SAN PEDRO DE CACHORA DE LA PROVINCIA DE ABANCAY - DEPARTAMENTO DE APURIMAC</a:t>
+                        <a:t>MEJORAMIENTO DEL SERVICIO EDUCATIVO DEL NIVEL PRIMARIA DE LAS I.E. 55007, I.E. 54255 EN LAS LOCALIDADES DE ANTABAMBA Y CHUÑOHUACHO DEL DISTRITO DE ANTABAMBA - PROVINCIA DE ANTABAMBA - DEPARTAMENTO DE APURIMAC</a:t>
                       </a:r>
                     </a:p>
                   </a:txBody>
@@ -5223,10 +5226,204 @@
                         <a:tabLst/>
                         <a:defRPr/>
                       </a:pPr>
-                      <a:endParaRPr lang="es-PE" sz="800" b="0" dirty="0">
+                      <a:r>
+                        <a:rPr lang="es-PE" sz="800" b="0" dirty="0">
+                          <a:solidFill>
+                            <a:schemeClr val="tx1"/>
+                          </a:solidFill>
+                        </a:rPr>
+                        <a:t>12,850,304.96</a:t>
+                      </a:r>
+                    </a:p>
+                  </a:txBody>
+                  <a:tcPr/>
+                </a:tc>
+                <a:tc>
+                  <a:txBody>
+                    <a:bodyPr/>
+                    <a:lstStyle/>
+                    <a:p>
+                      <a:pPr marL="0" marR="0" lvl="0" indent="0" algn="ctr" defTabSz="914400" rtl="0" eaLnBrk="1" fontAlgn="auto" latinLnBrk="0" hangingPunct="1">
+                        <a:lnSpc>
+                          <a:spcPct val="100000"/>
+                        </a:lnSpc>
+                        <a:spcBef>
+                          <a:spcPts val="0"/>
+                        </a:spcBef>
+                        <a:spcAft>
+                          <a:spcPts val="0"/>
+                        </a:spcAft>
+                        <a:buClr>
+                          <a:srgbClr val="000000"/>
+                        </a:buClr>
+                        <a:buSzTx/>
+                        <a:buFont typeface="Arial"/>
+                        <a:buNone/>
+                        <a:tabLst/>
+                        <a:defRPr/>
+                      </a:pPr>
+                      <a:r>
+                        <a:rPr lang="es-PE" sz="800" b="0" dirty="0">
+                          <a:solidFill>
+                            <a:schemeClr val="tx1"/>
+                          </a:solidFill>
+                        </a:rPr>
+                        <a:t>Viable</a:t>
+                      </a:r>
+                    </a:p>
+                  </a:txBody>
+                  <a:tcPr/>
+                </a:tc>
+                <a:tc>
+                  <a:txBody>
+                    <a:bodyPr/>
+                    <a:lstStyle/>
+                    <a:p>
+                      <a:pPr marL="171450" marR="0" lvl="0" indent="-171450" algn="l" defTabSz="914400" rtl="0" eaLnBrk="1" fontAlgn="auto" latinLnBrk="0" hangingPunct="1">
+                        <a:lnSpc>
+                          <a:spcPct val="100000"/>
+                        </a:lnSpc>
+                        <a:spcBef>
+                          <a:spcPts val="0"/>
+                        </a:spcBef>
+                        <a:spcAft>
+                          <a:spcPts val="0"/>
+                        </a:spcAft>
+                        <a:buClr>
+                          <a:srgbClr val="000000"/>
+                        </a:buClr>
+                        <a:buSzTx/>
+                        <a:buFont typeface="Arial" panose="020B0604020202020204" pitchFamily="34" charset="0"/>
+                        <a:buChar char="•"/>
+                        <a:tabLst/>
+                        <a:defRPr/>
+                      </a:pPr>
+                      <a:r>
+                        <a:rPr lang="es-PE" sz="800" b="0" i="0" u="none" strike="noStrike" cap="none" dirty="0">
+                          <a:solidFill>
+                            <a:schemeClr val="tx1"/>
+                          </a:solidFill>
+                          <a:latin typeface="+mn-lt"/>
+                          <a:ea typeface="+mn-ea"/>
+                          <a:cs typeface="+mn-cs"/>
+                          <a:sym typeface="Arial"/>
+                        </a:rPr>
+                        <a:t>02 IEI </a:t>
+                      </a:r>
+                    </a:p>
+                    <a:p>
+                      <a:pPr marL="171450" marR="0" lvl="0" indent="-171450" algn="l" defTabSz="914400" rtl="0" eaLnBrk="1" fontAlgn="auto" latinLnBrk="0" hangingPunct="1">
+                        <a:lnSpc>
+                          <a:spcPct val="100000"/>
+                        </a:lnSpc>
+                        <a:spcBef>
+                          <a:spcPts val="0"/>
+                        </a:spcBef>
+                        <a:spcAft>
+                          <a:spcPts val="0"/>
+                        </a:spcAft>
+                        <a:buClr>
+                          <a:srgbClr val="000000"/>
+                        </a:buClr>
+                        <a:buSzTx/>
+                        <a:buFont typeface="Arial" panose="020B0604020202020204" pitchFamily="34" charset="0"/>
+                        <a:buChar char="•"/>
+                        <a:tabLst/>
+                        <a:defRPr/>
+                      </a:pPr>
+                      <a:r>
+                        <a:rPr lang="es-PE" sz="800" b="0" i="0" u="none" strike="noStrike" cap="none" dirty="0">
+                          <a:solidFill>
+                            <a:schemeClr val="tx1"/>
+                          </a:solidFill>
+                          <a:latin typeface="+mn-lt"/>
+                          <a:ea typeface="+mn-ea"/>
+                          <a:cs typeface="+mn-cs"/>
+                          <a:sym typeface="Arial"/>
+                        </a:rPr>
+                        <a:t>209 alumnos</a:t>
+                      </a:r>
+                    </a:p>
+                  </a:txBody>
+                  <a:tcPr/>
+                </a:tc>
+                <a:tc>
+                  <a:txBody>
+                    <a:bodyPr/>
+                    <a:lstStyle/>
+                    <a:p>
+                      <a:pPr marL="0" marR="0" lvl="0" indent="0" algn="l" defTabSz="914400" rtl="0" eaLnBrk="1" fontAlgn="auto" latinLnBrk="0" hangingPunct="1">
+                        <a:lnSpc>
+                          <a:spcPct val="100000"/>
+                        </a:lnSpc>
+                        <a:spcBef>
+                          <a:spcPts val="0"/>
+                        </a:spcBef>
+                        <a:spcAft>
+                          <a:spcPts val="0"/>
+                        </a:spcAft>
+                        <a:buClr>
+                          <a:srgbClr val="000000"/>
+                        </a:buClr>
+                        <a:buSzTx/>
+                        <a:buFont typeface="Arial" panose="020B0604020202020204" pitchFamily="34" charset="0"/>
+                        <a:buNone/>
+                        <a:tabLst/>
+                        <a:defRPr/>
+                      </a:pPr>
+                      <a:r>
+                        <a:rPr lang="es-PE" sz="800" b="0" dirty="0"/>
+                        <a:t>2021</a:t>
+                      </a:r>
+                    </a:p>
+                  </a:txBody>
+                  <a:tcPr/>
+                </a:tc>
+                <a:extLst>
+                  <a:ext uri="{0D108BD9-81ED-4DB2-BD59-A6C34878D82A}">
+                    <a16:rowId xmlns:a16="http://schemas.microsoft.com/office/drawing/2014/main" val="2748467623"/>
+                  </a:ext>
+                </a:extLst>
+              </a:tr>
+              <a:tr h="324838">
+                <a:tc>
+                  <a:txBody>
+                    <a:bodyPr/>
+                    <a:lstStyle/>
+                    <a:p>
+                      <a:pPr marR="0" algn="ctr" rtl="0">
+                        <a:lnSpc>
+                          <a:spcPct val="100000"/>
+                        </a:lnSpc>
+                        <a:spcBef>
+                          <a:spcPts val="0"/>
+                        </a:spcBef>
+                        <a:spcAft>
+                          <a:spcPts val="0"/>
+                        </a:spcAft>
+                        <a:buClr>
+                          <a:srgbClr val="000000"/>
+                        </a:buClr>
+                        <a:buFont typeface="Arial"/>
+                      </a:pPr>
+                      <a:r>
+                        <a:rPr lang="es-PE" sz="800" b="0" i="0" u="none" strike="noStrike" cap="none" dirty="0">
+                          <a:solidFill>
+                            <a:srgbClr val="000000"/>
+                          </a:solidFill>
+                          <a:latin typeface="+mn-lt"/>
+                          <a:cs typeface="Arial"/>
+                          <a:sym typeface="Arial"/>
+                        </a:rPr>
+                        <a:t>2462393</a:t>
+                      </a:r>
+                      <a:endParaRPr lang="es-PE" sz="800" b="0" i="0" u="none" strike="noStrike" cap="none" dirty="0">
                         <a:solidFill>
-                          <a:srgbClr val="FF0000"/>
+                          <a:srgbClr val="000000"/>
                         </a:solidFill>
+                        <a:latin typeface="Arial"/>
+                        <a:cs typeface="Arial"/>
+                        <a:sym typeface="Arial"/>
                       </a:endParaRPr>
                     </a:p>
                   </a:txBody>
@@ -5256,100 +5453,17 @@
                         <a:tabLst/>
                         <a:defRPr/>
                       </a:pPr>
-                      <a:endParaRPr lang="es-PE" sz="800" b="0" dirty="0">
-                        <a:solidFill>
-                          <a:srgbClr val="FF0000"/>
-                        </a:solidFill>
-                      </a:endParaRPr>
-                    </a:p>
-                  </a:txBody>
-                  <a:tcPr/>
-                </a:tc>
-                <a:tc>
-                  <a:txBody>
-                    <a:bodyPr/>
-                    <a:lstStyle/>
-                    <a:p>
-                      <a:pPr marL="171450" marR="0" lvl="0" indent="-171450" algn="l" defTabSz="914400" rtl="0" eaLnBrk="1" fontAlgn="auto" latinLnBrk="0" hangingPunct="1">
-                        <a:lnSpc>
-                          <a:spcPct val="100000"/>
-                        </a:lnSpc>
-                        <a:spcBef>
-                          <a:spcPts val="0"/>
-                        </a:spcBef>
-                        <a:spcAft>
-                          <a:spcPts val="0"/>
-                        </a:spcAft>
-                        <a:buClr>
-                          <a:srgbClr val="000000"/>
-                        </a:buClr>
-                        <a:buSzTx/>
-                        <a:buFont typeface="Arial" panose="020B0604020202020204" pitchFamily="34" charset="0"/>
-                        <a:buChar char="•"/>
-                        <a:tabLst/>
-                        <a:defRPr/>
-                      </a:pPr>
-                      <a:endParaRPr lang="es-PE" sz="800" b="0" dirty="0"/>
-                    </a:p>
-                  </a:txBody>
-                  <a:tcPr/>
-                </a:tc>
-                <a:tc>
-                  <a:txBody>
-                    <a:bodyPr/>
-                    <a:lstStyle/>
-                    <a:p>
-                      <a:pPr marL="0" marR="0" lvl="0" indent="0" algn="l" defTabSz="914400" rtl="0" eaLnBrk="1" fontAlgn="auto" latinLnBrk="0" hangingPunct="1">
-                        <a:lnSpc>
-                          <a:spcPct val="100000"/>
-                        </a:lnSpc>
-                        <a:spcBef>
-                          <a:spcPts val="0"/>
-                        </a:spcBef>
-                        <a:spcAft>
-                          <a:spcPts val="0"/>
-                        </a:spcAft>
-                        <a:buClr>
-                          <a:srgbClr val="000000"/>
-                        </a:buClr>
-                        <a:buSzTx/>
-                        <a:buFont typeface="Arial" panose="020B0604020202020204" pitchFamily="34" charset="0"/>
-                        <a:buNone/>
-                        <a:tabLst/>
-                        <a:defRPr/>
-                      </a:pPr>
-                      <a:endParaRPr lang="es-PE" sz="800" b="0" dirty="0"/>
-                    </a:p>
-                  </a:txBody>
-                  <a:tcPr/>
-                </a:tc>
-                <a:extLst>
-                  <a:ext uri="{0D108BD9-81ED-4DB2-BD59-A6C34878D82A}">
-                    <a16:rowId xmlns:a16="http://schemas.microsoft.com/office/drawing/2014/main" val="2748467623"/>
-                  </a:ext>
-                </a:extLst>
-              </a:tr>
-              <a:tr h="324838">
-                <a:tc>
-                  <a:txBody>
-                    <a:bodyPr/>
-                    <a:lstStyle/>
-                    <a:p>
-                      <a:pPr marR="0" algn="ctr" rtl="0">
-                        <a:lnSpc>
-                          <a:spcPct val="100000"/>
-                        </a:lnSpc>
-                        <a:spcBef>
-                          <a:spcPts val="0"/>
-                        </a:spcBef>
-                        <a:spcAft>
-                          <a:spcPts val="0"/>
-                        </a:spcAft>
-                        <a:buClr>
-                          <a:srgbClr val="000000"/>
-                        </a:buClr>
-                        <a:buFont typeface="Arial"/>
-                      </a:pPr>
+                      <a:r>
+                        <a:rPr lang="es-PE" sz="800" b="0" i="0" u="none" strike="noStrike" cap="none" dirty="0">
+                          <a:solidFill>
+                            <a:srgbClr val="000000"/>
+                          </a:solidFill>
+                          <a:latin typeface="+mn-lt"/>
+                          <a:cs typeface="Arial"/>
+                          <a:sym typeface="Arial"/>
+                        </a:rPr>
+                        <a:t>MEJORAMIENTO DEL SERVICIO EDUCATIVO DEL NIVEL INICIAL CUNA - N°01 Y 02 ANGELITOS DE JESÚS DISTRITO DE ABANCAY - PROVINCIA DE ABANCAY - DEPARTAMENTO DE APURIMAC</a:t>
+                      </a:r>
                       <a:endParaRPr lang="es-PE" sz="800" b="0" i="0" u="none" strike="noStrike" cap="none" dirty="0">
                         <a:solidFill>
                           <a:srgbClr val="000000"/>
@@ -5387,13 +5501,15 @@
                         <a:defRPr/>
                       </a:pPr>
                       <a:r>
-                        <a:rPr lang="es-PE" sz="800" b="0" u="none" strike="noStrike" cap="none" dirty="0">
+                        <a:rPr lang="es-PE" sz="800" b="0" i="0" u="none" strike="noStrike" cap="none" dirty="0">
                           <a:solidFill>
                             <a:srgbClr val="000000"/>
                           </a:solidFill>
+                          <a:latin typeface="+mn-lt"/>
+                          <a:cs typeface="Arial"/>
                           <a:sym typeface="Arial"/>
                         </a:rPr>
-                        <a:t>MEJORAMIENTO DE LOS SERVICIOS EDUCATIVOS INICIALES DE 10 INSTITUCIONES EDUCATIVAS DEL, DISTRITO DE TALAVERA - ANDAHUAYLAS - APURIMAC</a:t>
+                        <a:t>11,115,996.34</a:t>
                       </a:r>
                       <a:endParaRPr lang="es-PE" sz="800" b="0" i="0" u="none" strike="noStrike" cap="none" dirty="0">
                         <a:solidFill>
@@ -5412,7 +5528,7 @@
                     <a:bodyPr/>
                     <a:lstStyle/>
                     <a:p>
-                      <a:pPr marL="0" marR="0" lvl="0" indent="0" algn="l" defTabSz="914400" rtl="0" eaLnBrk="1" fontAlgn="auto" latinLnBrk="0" hangingPunct="1">
+                      <a:pPr marL="0" marR="0" lvl="0" indent="0" algn="ctr" defTabSz="914400" rtl="0" eaLnBrk="1" fontAlgn="auto" latinLnBrk="0" hangingPunct="1">
                         <a:lnSpc>
                           <a:spcPct val="100000"/>
                         </a:lnSpc>
@@ -5431,24 +5547,17 @@
                         <a:tabLst/>
                         <a:defRPr/>
                       </a:pPr>
-                      <a:endParaRPr lang="es-PE" sz="800" b="0" i="0" u="none" strike="noStrike" cap="none" dirty="0">
-                        <a:solidFill>
-                          <a:srgbClr val="000000"/>
-                        </a:solidFill>
-                        <a:latin typeface="Arial"/>
-                        <a:cs typeface="Arial"/>
-                        <a:sym typeface="Arial"/>
-                      </a:endParaRPr>
-                    </a:p>
-                  </a:txBody>
-                  <a:tcPr/>
-                </a:tc>
-                <a:tc>
-                  <a:txBody>
-                    <a:bodyPr/>
-                    <a:lstStyle/>
-                    <a:p>
-                      <a:pPr marL="0" marR="0" lvl="0" indent="0" algn="l" defTabSz="914400" rtl="0" eaLnBrk="1" fontAlgn="auto" latinLnBrk="0" hangingPunct="1">
+                      <a:r>
+                        <a:rPr lang="es-PE" sz="800" b="0" dirty="0">
+                          <a:solidFill>
+                            <a:schemeClr val="tx1"/>
+                          </a:solidFill>
+                        </a:rPr>
+                        <a:t>Viable</a:t>
+                      </a:r>
+                    </a:p>
+                    <a:p>
+                      <a:pPr marL="0" marR="0" lvl="0" indent="0" algn="ctr" defTabSz="914400" rtl="0" eaLnBrk="1" fontAlgn="auto" latinLnBrk="0" hangingPunct="1">
                         <a:lnSpc>
                           <a:spcPct val="100000"/>
                         </a:lnSpc>
@@ -5503,6 +5612,133 @@
                         <a:tabLst/>
                         <a:defRPr/>
                       </a:pPr>
+                      <a:r>
+                        <a:rPr lang="es-PE" sz="800" b="0" i="0" u="none" strike="noStrike" cap="none" dirty="0">
+                          <a:solidFill>
+                            <a:srgbClr val="000000"/>
+                          </a:solidFill>
+                          <a:latin typeface="Arial"/>
+                          <a:cs typeface="Arial"/>
+                          <a:sym typeface="Arial"/>
+                        </a:rPr>
+                        <a:t>02 IEI </a:t>
+                      </a:r>
+                    </a:p>
+                    <a:p>
+                      <a:pPr marL="171450" marR="0" lvl="0" indent="-171450" algn="l" defTabSz="914400" rtl="0" eaLnBrk="1" fontAlgn="auto" latinLnBrk="0" hangingPunct="1">
+                        <a:lnSpc>
+                          <a:spcPct val="100000"/>
+                        </a:lnSpc>
+                        <a:spcBef>
+                          <a:spcPts val="0"/>
+                        </a:spcBef>
+                        <a:spcAft>
+                          <a:spcPts val="0"/>
+                        </a:spcAft>
+                        <a:buClr>
+                          <a:srgbClr val="000000"/>
+                        </a:buClr>
+                        <a:buSzTx/>
+                        <a:buFont typeface="Arial" panose="020B0604020202020204" pitchFamily="34" charset="0"/>
+                        <a:buChar char="•"/>
+                        <a:tabLst/>
+                        <a:defRPr/>
+                      </a:pPr>
+                      <a:r>
+                        <a:rPr lang="es-PE" sz="800" b="0" i="0" u="none" strike="noStrike" cap="none" dirty="0">
+                          <a:solidFill>
+                            <a:srgbClr val="000000"/>
+                          </a:solidFill>
+                          <a:latin typeface="Arial"/>
+                          <a:cs typeface="Arial"/>
+                          <a:sym typeface="Arial"/>
+                        </a:rPr>
+                        <a:t>109 alumnos</a:t>
+                      </a:r>
+                    </a:p>
+                  </a:txBody>
+                  <a:tcPr/>
+                </a:tc>
+                <a:tc>
+                  <a:txBody>
+                    <a:bodyPr/>
+                    <a:lstStyle/>
+                    <a:p>
+                      <a:pPr marL="0" marR="0" lvl="0" indent="0" algn="l" defTabSz="914400" rtl="0" eaLnBrk="1" fontAlgn="auto" latinLnBrk="0" hangingPunct="1">
+                        <a:lnSpc>
+                          <a:spcPct val="100000"/>
+                        </a:lnSpc>
+                        <a:spcBef>
+                          <a:spcPts val="0"/>
+                        </a:spcBef>
+                        <a:spcAft>
+                          <a:spcPts val="0"/>
+                        </a:spcAft>
+                        <a:buClr>
+                          <a:srgbClr val="000000"/>
+                        </a:buClr>
+                        <a:buSzTx/>
+                        <a:buFont typeface="Arial"/>
+                        <a:buNone/>
+                        <a:tabLst/>
+                        <a:defRPr/>
+                      </a:pPr>
+                      <a:r>
+                        <a:rPr lang="es-PE" sz="800" b="0" dirty="0"/>
+                        <a:t>2021</a:t>
+                      </a:r>
+                    </a:p>
+                    <a:p>
+                      <a:endParaRPr lang="es-PE" sz="800" b="0" i="0" u="none" strike="noStrike" cap="none" dirty="0">
+                        <a:solidFill>
+                          <a:srgbClr val="000000"/>
+                        </a:solidFill>
+                        <a:latin typeface="+mn-lt"/>
+                        <a:cs typeface="Arial"/>
+                        <a:sym typeface="Arial"/>
+                      </a:endParaRPr>
+                    </a:p>
+                  </a:txBody>
+                  <a:tcPr/>
+                </a:tc>
+                <a:extLst>
+                  <a:ext uri="{0D108BD9-81ED-4DB2-BD59-A6C34878D82A}">
+                    <a16:rowId xmlns:a16="http://schemas.microsoft.com/office/drawing/2014/main" val="2214220417"/>
+                  </a:ext>
+                </a:extLst>
+              </a:tr>
+              <a:tr h="278553">
+                <a:tc>
+                  <a:txBody>
+                    <a:bodyPr/>
+                    <a:lstStyle/>
+                    <a:p>
+                      <a:pPr marR="0" algn="ctr" rtl="0">
+                        <a:lnSpc>
+                          <a:spcPct val="100000"/>
+                        </a:lnSpc>
+                        <a:spcBef>
+                          <a:spcPts val="0"/>
+                        </a:spcBef>
+                        <a:spcAft>
+                          <a:spcPts val="0"/>
+                        </a:spcAft>
+                        <a:buClr>
+                          <a:srgbClr val="000000"/>
+                        </a:buClr>
+                        <a:buFont typeface="Arial"/>
+                      </a:pPr>
+                      <a:r>
+                        <a:rPr lang="es-PE" sz="800" b="0" i="0" u="none" strike="noStrike" cap="none" dirty="0">
+                          <a:solidFill>
+                            <a:srgbClr val="000000"/>
+                          </a:solidFill>
+                          <a:latin typeface="+mn-lt"/>
+                          <a:cs typeface="Arial"/>
+                          <a:sym typeface="Arial"/>
+                        </a:rPr>
+                        <a:t>2469625</a:t>
+                      </a:r>
                       <a:endParaRPr lang="es-PE" sz="800" b="0" i="0" u="none" strike="noStrike" cap="none" dirty="0">
                         <a:solidFill>
                           <a:srgbClr val="000000"/>
@@ -5520,11 +5756,22 @@
                     <a:bodyPr/>
                     <a:lstStyle/>
                     <a:p>
+                      <a:r>
+                        <a:rPr lang="es-PE" sz="800" b="0" i="0" u="none" strike="noStrike" cap="none" dirty="0">
+                          <a:solidFill>
+                            <a:srgbClr val="000000"/>
+                          </a:solidFill>
+                          <a:latin typeface="+mn-lt"/>
+                          <a:cs typeface="Arial"/>
+                          <a:sym typeface="Arial"/>
+                        </a:rPr>
+                        <a:t>MEJORAMIENTO DEL SERVICIO EDUCATIVO DE LA EDUCACIÓN BÁSICA ALTERNATIVA EN LAS 7 PROVINCIAS DEL DEPARTAMENTO DE APURIMAC</a:t>
+                      </a:r>
                       <a:endParaRPr lang="es-PE" sz="800" b="0" i="0" u="none" strike="noStrike" cap="none" dirty="0">
                         <a:solidFill>
                           <a:srgbClr val="000000"/>
                         </a:solidFill>
-                        <a:latin typeface="+mn-lt"/>
+                        <a:latin typeface="Arial"/>
                         <a:cs typeface="Arial"/>
                         <a:sym typeface="Arial"/>
                       </a:endParaRPr>
@@ -5532,13 +5779,911 @@
                   </a:txBody>
                   <a:tcPr/>
                 </a:tc>
+                <a:tc>
+                  <a:txBody>
+                    <a:bodyPr/>
+                    <a:lstStyle/>
+                    <a:p>
+                      <a:r>
+                        <a:rPr lang="es-PE" sz="800" b="0" i="0" u="none" strike="noStrike" cap="none" dirty="0">
+                          <a:solidFill>
+                            <a:srgbClr val="000000"/>
+                          </a:solidFill>
+                          <a:latin typeface="+mn-lt"/>
+                          <a:cs typeface="Arial"/>
+                          <a:sym typeface="Arial"/>
+                        </a:rPr>
+                        <a:t>28,336,298.32</a:t>
+                      </a:r>
+                      <a:endParaRPr lang="es-PE" sz="800" b="0" i="0" u="none" strike="noStrike" cap="none" dirty="0">
+                        <a:solidFill>
+                          <a:srgbClr val="000000"/>
+                        </a:solidFill>
+                        <a:latin typeface="Arial"/>
+                        <a:cs typeface="Arial"/>
+                        <a:sym typeface="Arial"/>
+                      </a:endParaRPr>
+                    </a:p>
+                  </a:txBody>
+                  <a:tcPr/>
+                </a:tc>
+                <a:tc>
+                  <a:txBody>
+                    <a:bodyPr/>
+                    <a:lstStyle/>
+                    <a:p>
+                      <a:pPr marL="0" marR="0" lvl="0" indent="0" algn="ctr" defTabSz="914400" rtl="0" eaLnBrk="1" fontAlgn="auto" latinLnBrk="0" hangingPunct="1">
+                        <a:lnSpc>
+                          <a:spcPct val="100000"/>
+                        </a:lnSpc>
+                        <a:spcBef>
+                          <a:spcPts val="0"/>
+                        </a:spcBef>
+                        <a:spcAft>
+                          <a:spcPts val="0"/>
+                        </a:spcAft>
+                        <a:buClr>
+                          <a:srgbClr val="000000"/>
+                        </a:buClr>
+                        <a:buSzTx/>
+                        <a:buFont typeface="Arial"/>
+                        <a:buNone/>
+                        <a:tabLst/>
+                        <a:defRPr/>
+                      </a:pPr>
+                      <a:r>
+                        <a:rPr lang="es-PE" sz="800" b="0" dirty="0">
+                          <a:solidFill>
+                            <a:schemeClr val="tx1"/>
+                          </a:solidFill>
+                        </a:rPr>
+                        <a:t>Viable</a:t>
+                      </a:r>
+                    </a:p>
+                    <a:p>
+                      <a:pPr algn="ctr"/>
+                      <a:endParaRPr lang="es-PE" sz="800" b="0" i="0" u="none" strike="noStrike" cap="none" dirty="0">
+                        <a:solidFill>
+                          <a:srgbClr val="FF0000"/>
+                        </a:solidFill>
+                        <a:latin typeface="Arial"/>
+                        <a:cs typeface="Arial"/>
+                        <a:sym typeface="Arial"/>
+                      </a:endParaRPr>
+                    </a:p>
+                  </a:txBody>
+                  <a:tcPr/>
+                </a:tc>
+                <a:tc>
+                  <a:txBody>
+                    <a:bodyPr/>
+                    <a:lstStyle/>
+                    <a:p>
+                      <a:pPr marL="171450" indent="-171450">
+                        <a:buFont typeface="Arial" panose="020B0604020202020204" pitchFamily="34" charset="0"/>
+                        <a:buChar char="•"/>
+                      </a:pPr>
+                      <a:r>
+                        <a:rPr lang="es-PE" sz="800" b="0" i="0" u="none" strike="noStrike" cap="none" dirty="0">
+                          <a:solidFill>
+                            <a:srgbClr val="000000"/>
+                          </a:solidFill>
+                          <a:latin typeface="Arial"/>
+                          <a:cs typeface="Arial"/>
+                          <a:sym typeface="Arial"/>
+                        </a:rPr>
+                        <a:t>23 CEBA</a:t>
+                      </a:r>
+                    </a:p>
+                    <a:p>
+                      <a:pPr marL="171450" indent="-171450">
+                        <a:buFont typeface="Arial" panose="020B0604020202020204" pitchFamily="34" charset="0"/>
+                        <a:buChar char="•"/>
+                      </a:pPr>
+                      <a:r>
+                        <a:rPr lang="es-PE" sz="800" b="0" i="0" u="none" strike="noStrike" cap="none" dirty="0">
+                          <a:solidFill>
+                            <a:srgbClr val="000000"/>
+                          </a:solidFill>
+                          <a:latin typeface="Arial"/>
+                          <a:cs typeface="Arial"/>
+                          <a:sym typeface="Arial"/>
+                        </a:rPr>
+                        <a:t>1272 alumnos</a:t>
+                      </a:r>
+                    </a:p>
+                  </a:txBody>
+                  <a:tcPr/>
+                </a:tc>
+                <a:tc>
+                  <a:txBody>
+                    <a:bodyPr/>
+                    <a:lstStyle/>
+                    <a:p>
+                      <a:pPr marL="0" marR="0" lvl="0" indent="0" algn="l" defTabSz="914400" rtl="0" eaLnBrk="1" fontAlgn="auto" latinLnBrk="0" hangingPunct="1">
+                        <a:lnSpc>
+                          <a:spcPct val="100000"/>
+                        </a:lnSpc>
+                        <a:spcBef>
+                          <a:spcPts val="0"/>
+                        </a:spcBef>
+                        <a:spcAft>
+                          <a:spcPts val="0"/>
+                        </a:spcAft>
+                        <a:buClr>
+                          <a:srgbClr val="000000"/>
+                        </a:buClr>
+                        <a:buSzTx/>
+                        <a:buFont typeface="Arial"/>
+                        <a:buNone/>
+                        <a:tabLst/>
+                        <a:defRPr/>
+                      </a:pPr>
+                      <a:r>
+                        <a:rPr lang="es-PE" sz="800" b="0" dirty="0"/>
+                        <a:t>2021</a:t>
+                      </a:r>
+                    </a:p>
+                    <a:p>
+                      <a:endParaRPr lang="es-PE" sz="800" b="0" i="0" u="none" strike="noStrike" cap="none" dirty="0">
+                        <a:solidFill>
+                          <a:srgbClr val="000000"/>
+                        </a:solidFill>
+                        <a:latin typeface="Arial"/>
+                        <a:cs typeface="Arial"/>
+                        <a:sym typeface="Arial"/>
+                      </a:endParaRPr>
+                    </a:p>
+                  </a:txBody>
+                  <a:tcPr/>
+                </a:tc>
                 <a:extLst>
                   <a:ext uri="{0D108BD9-81ED-4DB2-BD59-A6C34878D82A}">
-                    <a16:rowId xmlns:a16="http://schemas.microsoft.com/office/drawing/2014/main" val="2214220417"/>
+                    <a16:rowId xmlns:a16="http://schemas.microsoft.com/office/drawing/2014/main" val="1767663526"/>
                   </a:ext>
                 </a:extLst>
               </a:tr>
-              <a:tr h="278553">
+              <a:tr h="250331">
+                <a:tc>
+                  <a:txBody>
+                    <a:bodyPr/>
+                    <a:lstStyle/>
+                    <a:p>
+                      <a:pPr marR="0" algn="ctr" rtl="0">
+                        <a:lnSpc>
+                          <a:spcPct val="100000"/>
+                        </a:lnSpc>
+                        <a:spcBef>
+                          <a:spcPts val="0"/>
+                        </a:spcBef>
+                        <a:spcAft>
+                          <a:spcPts val="0"/>
+                        </a:spcAft>
+                        <a:buClr>
+                          <a:srgbClr val="000000"/>
+                        </a:buClr>
+                        <a:buFont typeface="Arial"/>
+                      </a:pPr>
+                      <a:r>
+                        <a:rPr lang="es-PE" sz="800" b="0" i="0" u="none" strike="noStrike" cap="none" dirty="0">
+                          <a:solidFill>
+                            <a:srgbClr val="000000"/>
+                          </a:solidFill>
+                          <a:latin typeface="+mn-lt"/>
+                          <a:cs typeface="Arial"/>
+                          <a:sym typeface="Arial"/>
+                        </a:rPr>
+                        <a:t>2462394</a:t>
+                      </a:r>
+                      <a:endParaRPr lang="es-PE" sz="800" b="0" i="0" u="none" strike="noStrike" cap="none" dirty="0">
+                        <a:solidFill>
+                          <a:srgbClr val="000000"/>
+                        </a:solidFill>
+                        <a:latin typeface="Arial"/>
+                        <a:cs typeface="Arial"/>
+                        <a:sym typeface="Arial"/>
+                      </a:endParaRPr>
+                    </a:p>
+                  </a:txBody>
+                  <a:tcPr/>
+                </a:tc>
+                <a:tc>
+                  <a:txBody>
+                    <a:bodyPr/>
+                    <a:lstStyle/>
+                    <a:p>
+                      <a:r>
+                        <a:rPr lang="es-PE" sz="800" b="0" i="0" u="none" strike="noStrike" cap="none" dirty="0">
+                          <a:solidFill>
+                            <a:srgbClr val="000000"/>
+                          </a:solidFill>
+                          <a:latin typeface="+mn-lt"/>
+                          <a:cs typeface="Arial"/>
+                          <a:sym typeface="Arial"/>
+                        </a:rPr>
+                        <a:t>MEJORAMIENTO DEL SERVICIO EDUCATIVO DEL NIVEL SECUNDARIO IES LIBERTADORES DE AMERICA DISTRITO DE CHALHUANCA - PROVINCIA DE AYMARAES - DEPARTAMENTO DE APURIMAC</a:t>
+                      </a:r>
+                      <a:endParaRPr lang="es-PE" sz="800" b="0" i="0" u="none" strike="noStrike" cap="none" dirty="0">
+                        <a:solidFill>
+                          <a:srgbClr val="000000"/>
+                        </a:solidFill>
+                        <a:latin typeface="Arial"/>
+                        <a:cs typeface="Arial"/>
+                        <a:sym typeface="Arial"/>
+                      </a:endParaRPr>
+                    </a:p>
+                  </a:txBody>
+                  <a:tcPr/>
+                </a:tc>
+                <a:tc>
+                  <a:txBody>
+                    <a:bodyPr/>
+                    <a:lstStyle/>
+                    <a:p>
+                      <a:r>
+                        <a:rPr lang="es-PE" sz="800" b="0" i="0" u="none" strike="noStrike" cap="none" dirty="0">
+                          <a:solidFill>
+                            <a:srgbClr val="000000"/>
+                          </a:solidFill>
+                          <a:latin typeface="+mn-lt"/>
+                          <a:cs typeface="Arial"/>
+                          <a:sym typeface="Arial"/>
+                        </a:rPr>
+                        <a:t>31,411,827.35</a:t>
+                      </a:r>
+                      <a:endParaRPr lang="es-PE" sz="800" b="0" i="0" u="none" strike="noStrike" cap="none" dirty="0">
+                        <a:solidFill>
+                          <a:srgbClr val="000000"/>
+                        </a:solidFill>
+                        <a:latin typeface="Arial"/>
+                        <a:cs typeface="Arial"/>
+                        <a:sym typeface="Arial"/>
+                      </a:endParaRPr>
+                    </a:p>
+                  </a:txBody>
+                  <a:tcPr/>
+                </a:tc>
+                <a:tc>
+                  <a:txBody>
+                    <a:bodyPr/>
+                    <a:lstStyle/>
+                    <a:p>
+                      <a:pPr marL="0" marR="0" lvl="0" indent="0" algn="ctr" defTabSz="914400" rtl="0" eaLnBrk="1" fontAlgn="auto" latinLnBrk="0" hangingPunct="1">
+                        <a:lnSpc>
+                          <a:spcPct val="100000"/>
+                        </a:lnSpc>
+                        <a:spcBef>
+                          <a:spcPts val="0"/>
+                        </a:spcBef>
+                        <a:spcAft>
+                          <a:spcPts val="0"/>
+                        </a:spcAft>
+                        <a:buClr>
+                          <a:srgbClr val="000000"/>
+                        </a:buClr>
+                        <a:buSzTx/>
+                        <a:buFont typeface="Arial"/>
+                        <a:buNone/>
+                        <a:tabLst/>
+                        <a:defRPr/>
+                      </a:pPr>
+                      <a:r>
+                        <a:rPr lang="es-PE" sz="800" b="0" dirty="0">
+                          <a:solidFill>
+                            <a:schemeClr val="tx1"/>
+                          </a:solidFill>
+                        </a:rPr>
+                        <a:t>Viable</a:t>
+                      </a:r>
+                    </a:p>
+                    <a:p>
+                      <a:pPr algn="ctr"/>
+                      <a:endParaRPr lang="es-PE" sz="800" b="0" i="0" u="none" strike="noStrike" cap="none" dirty="0">
+                        <a:solidFill>
+                          <a:srgbClr val="FF0000"/>
+                        </a:solidFill>
+                        <a:latin typeface="Arial"/>
+                        <a:cs typeface="Arial"/>
+                        <a:sym typeface="Arial"/>
+                      </a:endParaRPr>
+                    </a:p>
+                  </a:txBody>
+                  <a:tcPr/>
+                </a:tc>
+                <a:tc>
+                  <a:txBody>
+                    <a:bodyPr/>
+                    <a:lstStyle/>
+                    <a:p>
+                      <a:pPr marL="171450" marR="0" lvl="0" indent="-171450" algn="l" defTabSz="914400" rtl="0" eaLnBrk="1" fontAlgn="auto" latinLnBrk="0" hangingPunct="1">
+                        <a:lnSpc>
+                          <a:spcPct val="100000"/>
+                        </a:lnSpc>
+                        <a:spcBef>
+                          <a:spcPts val="0"/>
+                        </a:spcBef>
+                        <a:spcAft>
+                          <a:spcPts val="0"/>
+                        </a:spcAft>
+                        <a:buClr>
+                          <a:srgbClr val="000000"/>
+                        </a:buClr>
+                        <a:buSzTx/>
+                        <a:buFont typeface="Arial" panose="020B0604020202020204" pitchFamily="34" charset="0"/>
+                        <a:buChar char="•"/>
+                        <a:tabLst/>
+                        <a:defRPr/>
+                      </a:pPr>
+                      <a:r>
+                        <a:rPr lang="es-PE" sz="800" b="0" dirty="0"/>
+                        <a:t>01 IES JEC</a:t>
+                      </a:r>
+                    </a:p>
+                    <a:p>
+                      <a:pPr marL="171450" marR="0" lvl="0" indent="-171450" algn="l" defTabSz="914400" rtl="0" eaLnBrk="1" fontAlgn="auto" latinLnBrk="0" hangingPunct="1">
+                        <a:lnSpc>
+                          <a:spcPct val="100000"/>
+                        </a:lnSpc>
+                        <a:spcBef>
+                          <a:spcPts val="0"/>
+                        </a:spcBef>
+                        <a:spcAft>
+                          <a:spcPts val="0"/>
+                        </a:spcAft>
+                        <a:buClr>
+                          <a:srgbClr val="000000"/>
+                        </a:buClr>
+                        <a:buSzTx/>
+                        <a:buFont typeface="Arial" panose="020B0604020202020204" pitchFamily="34" charset="0"/>
+                        <a:buChar char="•"/>
+                        <a:tabLst/>
+                        <a:defRPr/>
+                      </a:pPr>
+                      <a:r>
+                        <a:rPr lang="es-PE" sz="800" b="0" dirty="0"/>
+                        <a:t>253.00 Alumnos</a:t>
+                      </a:r>
+                    </a:p>
+                  </a:txBody>
+                  <a:tcPr/>
+                </a:tc>
+                <a:tc>
+                  <a:txBody>
+                    <a:bodyPr/>
+                    <a:lstStyle/>
+                    <a:p>
+                      <a:pPr marL="0" marR="0" lvl="0" indent="0" algn="l" defTabSz="914400" rtl="0" eaLnBrk="1" fontAlgn="auto" latinLnBrk="0" hangingPunct="1">
+                        <a:lnSpc>
+                          <a:spcPct val="100000"/>
+                        </a:lnSpc>
+                        <a:spcBef>
+                          <a:spcPts val="0"/>
+                        </a:spcBef>
+                        <a:spcAft>
+                          <a:spcPts val="0"/>
+                        </a:spcAft>
+                        <a:buClr>
+                          <a:srgbClr val="000000"/>
+                        </a:buClr>
+                        <a:buSzTx/>
+                        <a:buFont typeface="Arial" panose="020B0604020202020204" pitchFamily="34" charset="0"/>
+                        <a:buNone/>
+                        <a:tabLst/>
+                        <a:defRPr/>
+                      </a:pPr>
+                      <a:r>
+                        <a:rPr lang="es-PE" sz="800" b="0" dirty="0"/>
+                        <a:t>2021</a:t>
+                      </a:r>
+                    </a:p>
+                  </a:txBody>
+                  <a:tcPr/>
+                </a:tc>
+                <a:extLst>
+                  <a:ext uri="{0D108BD9-81ED-4DB2-BD59-A6C34878D82A}">
+                    <a16:rowId xmlns:a16="http://schemas.microsoft.com/office/drawing/2014/main" val="3674388361"/>
+                  </a:ext>
+                </a:extLst>
+              </a:tr>
+              <a:tr h="193040">
+                <a:tc>
+                  <a:txBody>
+                    <a:bodyPr/>
+                    <a:lstStyle/>
+                    <a:p>
+                      <a:pPr marR="0" algn="ctr" rtl="0">
+                        <a:lnSpc>
+                          <a:spcPct val="100000"/>
+                        </a:lnSpc>
+                        <a:spcBef>
+                          <a:spcPts val="0"/>
+                        </a:spcBef>
+                        <a:spcAft>
+                          <a:spcPts val="0"/>
+                        </a:spcAft>
+                        <a:buClr>
+                          <a:srgbClr val="000000"/>
+                        </a:buClr>
+                        <a:buFont typeface="Arial"/>
+                      </a:pPr>
+                      <a:r>
+                        <a:rPr lang="es-PE" sz="800" b="0" i="0" u="none" strike="noStrike" cap="none" dirty="0">
+                          <a:solidFill>
+                            <a:srgbClr val="000000"/>
+                          </a:solidFill>
+                          <a:latin typeface="+mn-lt"/>
+                          <a:cs typeface="Arial"/>
+                          <a:sym typeface="Arial"/>
+                        </a:rPr>
+                        <a:t>	</a:t>
+                      </a:r>
+                    </a:p>
+                    <a:p>
+                      <a:pPr marR="0" algn="ctr" rtl="0">
+                        <a:lnSpc>
+                          <a:spcPct val="100000"/>
+                        </a:lnSpc>
+                        <a:spcBef>
+                          <a:spcPts val="0"/>
+                        </a:spcBef>
+                        <a:spcAft>
+                          <a:spcPts val="0"/>
+                        </a:spcAft>
+                        <a:buClr>
+                          <a:srgbClr val="000000"/>
+                        </a:buClr>
+                        <a:buFont typeface="Arial"/>
+                      </a:pPr>
+                      <a:r>
+                        <a:rPr lang="es-PE" sz="800" b="0" i="0" u="none" strike="noStrike" cap="none" dirty="0">
+                          <a:solidFill>
+                            <a:srgbClr val="000000"/>
+                          </a:solidFill>
+                          <a:latin typeface="+mn-lt"/>
+                          <a:cs typeface="Arial"/>
+                          <a:sym typeface="Arial"/>
+                        </a:rPr>
+                        <a:t>2475965</a:t>
+                      </a:r>
+                      <a:endParaRPr lang="es-PE" sz="800" b="0" i="0" u="none" strike="noStrike" cap="none" dirty="0">
+                        <a:solidFill>
+                          <a:srgbClr val="000000"/>
+                        </a:solidFill>
+                        <a:latin typeface="Arial"/>
+                        <a:cs typeface="Arial"/>
+                        <a:sym typeface="Arial"/>
+                      </a:endParaRPr>
+                    </a:p>
+                  </a:txBody>
+                  <a:tcPr/>
+                </a:tc>
+                <a:tc>
+                  <a:txBody>
+                    <a:bodyPr/>
+                    <a:lstStyle/>
+                    <a:p>
+                      <a:r>
+                        <a:rPr lang="es-PE" sz="800" b="0" i="0" u="none" strike="noStrike" cap="none" dirty="0">
+                          <a:solidFill>
+                            <a:srgbClr val="000000"/>
+                          </a:solidFill>
+                          <a:latin typeface="+mn-lt"/>
+                          <a:cs typeface="Arial"/>
+                          <a:sym typeface="Arial"/>
+                        </a:rPr>
+                        <a:t>MEJORAMIENTO DEL SERVICIO EDUCATIVO DEL INSTITUTO DE EDUCACIÓN SUPERIOR TECNOLÓGICO HERMENEGILDO MIRANDA SEGOVIA Y FILIAL JUAN ESPINOZA MEDRANO, DISTRITO DE ANTABAMBA - PROVINCIA DE ANTABAMBA - DEPARTAMENTO DE APURIMAC</a:t>
+                      </a:r>
+                      <a:endParaRPr lang="es-PE" sz="800" b="0" i="0" u="none" strike="noStrike" cap="none" dirty="0">
+                        <a:solidFill>
+                          <a:srgbClr val="000000"/>
+                        </a:solidFill>
+                        <a:latin typeface="Arial"/>
+                        <a:cs typeface="Arial"/>
+                        <a:sym typeface="Arial"/>
+                      </a:endParaRPr>
+                    </a:p>
+                  </a:txBody>
+                  <a:tcPr/>
+                </a:tc>
+                <a:tc>
+                  <a:txBody>
+                    <a:bodyPr/>
+                    <a:lstStyle/>
+                    <a:p>
+                      <a:r>
+                        <a:rPr lang="es-PE" sz="800" b="0" i="0" u="none" strike="noStrike" cap="none" dirty="0">
+                          <a:solidFill>
+                            <a:srgbClr val="000000"/>
+                          </a:solidFill>
+                          <a:latin typeface="+mn-lt"/>
+                          <a:cs typeface="Arial"/>
+                          <a:sym typeface="Arial"/>
+                        </a:rPr>
+                        <a:t>40,159,160.79</a:t>
+                      </a:r>
+                      <a:endParaRPr lang="es-PE" sz="800" b="0" i="0" u="none" strike="noStrike" cap="none" dirty="0">
+                        <a:solidFill>
+                          <a:srgbClr val="000000"/>
+                        </a:solidFill>
+                        <a:latin typeface="Arial"/>
+                        <a:cs typeface="Arial"/>
+                        <a:sym typeface="Arial"/>
+                      </a:endParaRPr>
+                    </a:p>
+                  </a:txBody>
+                  <a:tcPr/>
+                </a:tc>
+                <a:tc>
+                  <a:txBody>
+                    <a:bodyPr/>
+                    <a:lstStyle/>
+                    <a:p>
+                      <a:pPr marL="0" marR="0" lvl="0" indent="0" algn="ctr" defTabSz="914400" rtl="0" eaLnBrk="1" fontAlgn="auto" latinLnBrk="0" hangingPunct="1">
+                        <a:lnSpc>
+                          <a:spcPct val="100000"/>
+                        </a:lnSpc>
+                        <a:spcBef>
+                          <a:spcPts val="0"/>
+                        </a:spcBef>
+                        <a:spcAft>
+                          <a:spcPts val="0"/>
+                        </a:spcAft>
+                        <a:buClr>
+                          <a:srgbClr val="000000"/>
+                        </a:buClr>
+                        <a:buSzTx/>
+                        <a:buFont typeface="Arial"/>
+                        <a:buNone/>
+                        <a:tabLst/>
+                        <a:defRPr/>
+                      </a:pPr>
+                      <a:r>
+                        <a:rPr lang="es-PE" sz="800" b="0" dirty="0">
+                          <a:solidFill>
+                            <a:schemeClr val="tx1"/>
+                          </a:solidFill>
+                        </a:rPr>
+                        <a:t>Viable</a:t>
+                      </a:r>
+                    </a:p>
+                    <a:p>
+                      <a:pPr algn="ctr"/>
+                      <a:endParaRPr lang="es-PE" sz="800" b="0" i="0" u="none" strike="noStrike" cap="none" dirty="0">
+                        <a:solidFill>
+                          <a:srgbClr val="FF0000"/>
+                        </a:solidFill>
+                        <a:latin typeface="Arial"/>
+                        <a:cs typeface="Arial"/>
+                        <a:sym typeface="Arial"/>
+                      </a:endParaRPr>
+                    </a:p>
+                  </a:txBody>
+                  <a:tcPr/>
+                </a:tc>
+                <a:tc>
+                  <a:txBody>
+                    <a:bodyPr/>
+                    <a:lstStyle/>
+                    <a:p>
+                      <a:pPr marL="171450" marR="0" lvl="0" indent="-171450" algn="l" defTabSz="914400" rtl="0" eaLnBrk="1" fontAlgn="auto" latinLnBrk="0" hangingPunct="1">
+                        <a:lnSpc>
+                          <a:spcPct val="100000"/>
+                        </a:lnSpc>
+                        <a:spcBef>
+                          <a:spcPts val="0"/>
+                        </a:spcBef>
+                        <a:spcAft>
+                          <a:spcPts val="0"/>
+                        </a:spcAft>
+                        <a:buClr>
+                          <a:srgbClr val="000000"/>
+                        </a:buClr>
+                        <a:buSzTx/>
+                        <a:buFont typeface="Arial" panose="020B0604020202020204" pitchFamily="34" charset="0"/>
+                        <a:buChar char="•"/>
+                        <a:tabLst/>
+                        <a:defRPr/>
+                      </a:pPr>
+                      <a:r>
+                        <a:rPr lang="es-PE" sz="800" b="0" i="0" u="none" strike="noStrike" cap="none" dirty="0">
+                          <a:solidFill>
+                            <a:schemeClr val="tx1"/>
+                          </a:solidFill>
+                          <a:latin typeface="+mn-lt"/>
+                          <a:ea typeface="+mn-ea"/>
+                          <a:cs typeface="+mn-cs"/>
+                          <a:sym typeface="Arial"/>
+                        </a:rPr>
+                        <a:t>352 Alumnos </a:t>
+                      </a:r>
+                    </a:p>
+                  </a:txBody>
+                  <a:tcPr/>
+                </a:tc>
+                <a:tc>
+                  <a:txBody>
+                    <a:bodyPr/>
+                    <a:lstStyle/>
+                    <a:p>
+                      <a:pPr marL="0" marR="0" lvl="0" indent="0" algn="l" defTabSz="914400" rtl="0" eaLnBrk="1" fontAlgn="auto" latinLnBrk="0" hangingPunct="1">
+                        <a:lnSpc>
+                          <a:spcPct val="100000"/>
+                        </a:lnSpc>
+                        <a:spcBef>
+                          <a:spcPts val="0"/>
+                        </a:spcBef>
+                        <a:spcAft>
+                          <a:spcPts val="0"/>
+                        </a:spcAft>
+                        <a:buClr>
+                          <a:srgbClr val="000000"/>
+                        </a:buClr>
+                        <a:buSzTx/>
+                        <a:buFont typeface="Arial"/>
+                        <a:buNone/>
+                        <a:tabLst/>
+                        <a:defRPr/>
+                      </a:pPr>
+                      <a:r>
+                        <a:rPr lang="es-PE" sz="800" b="0" dirty="0"/>
+                        <a:t>2021</a:t>
+                      </a:r>
+                    </a:p>
+                    <a:p>
+                      <a:endParaRPr lang="es-PE" sz="800" b="0" i="0" u="none" strike="noStrike" cap="none" dirty="0">
+                        <a:solidFill>
+                          <a:srgbClr val="000000"/>
+                        </a:solidFill>
+                        <a:latin typeface="Arial"/>
+                        <a:cs typeface="Arial"/>
+                        <a:sym typeface="Arial"/>
+                      </a:endParaRPr>
+                    </a:p>
+                  </a:txBody>
+                  <a:tcPr/>
+                </a:tc>
+                <a:extLst>
+                  <a:ext uri="{0D108BD9-81ED-4DB2-BD59-A6C34878D82A}">
+                    <a16:rowId xmlns:a16="http://schemas.microsoft.com/office/drawing/2014/main" val="3935221123"/>
+                  </a:ext>
+                </a:extLst>
+              </a:tr>
+              <a:tr h="330596">
+                <a:tc>
+                  <a:txBody>
+                    <a:bodyPr/>
+                    <a:lstStyle/>
+                    <a:p>
+                      <a:pPr marR="0" algn="ctr" rtl="0">
+                        <a:lnSpc>
+                          <a:spcPct val="100000"/>
+                        </a:lnSpc>
+                        <a:spcBef>
+                          <a:spcPts val="0"/>
+                        </a:spcBef>
+                        <a:spcAft>
+                          <a:spcPts val="0"/>
+                        </a:spcAft>
+                        <a:buClr>
+                          <a:srgbClr val="000000"/>
+                        </a:buClr>
+                        <a:buFont typeface="Arial"/>
+                      </a:pPr>
+                      <a:r>
+                        <a:rPr lang="es-PE" sz="800" b="0" i="0" u="none" strike="noStrike" cap="none" dirty="0">
+                          <a:solidFill>
+                            <a:srgbClr val="000000"/>
+                          </a:solidFill>
+                          <a:latin typeface="+mn-lt"/>
+                          <a:cs typeface="Arial"/>
+                          <a:sym typeface="Arial"/>
+                        </a:rPr>
+                        <a:t>2467981</a:t>
+                      </a:r>
+                      <a:endParaRPr lang="es-PE" sz="800" b="0" i="0" u="none" strike="noStrike" cap="none" dirty="0">
+                        <a:solidFill>
+                          <a:srgbClr val="000000"/>
+                        </a:solidFill>
+                        <a:latin typeface="Arial"/>
+                        <a:cs typeface="Arial"/>
+                        <a:sym typeface="Arial"/>
+                      </a:endParaRPr>
+                    </a:p>
+                  </a:txBody>
+                  <a:tcPr/>
+                </a:tc>
+                <a:tc>
+                  <a:txBody>
+                    <a:bodyPr/>
+                    <a:lstStyle/>
+                    <a:p>
+                      <a:r>
+                        <a:rPr lang="es-PE" sz="800" b="0" i="0" u="none" strike="noStrike" cap="none" dirty="0">
+                          <a:solidFill>
+                            <a:srgbClr val="000000"/>
+                          </a:solidFill>
+                          <a:latin typeface="+mn-lt"/>
+                          <a:cs typeface="Arial"/>
+                          <a:sym typeface="Arial"/>
+                        </a:rPr>
+                        <a:t>MEJORAMIENTO DEL SERVICIO DE GESTIÓN PEDAGÓGICA Y ADMINISTRATIVA DE LAS REDES EDUCATIVAS CON ENFOQUE DE INNOVACION E INVESTIGACION PARA LA MEJORA DE LOS APRENDIZAJES EN LA UGEL DE LAS PROVINCIAS DE COTABAMBAS Y GRAU DEL DEPARTAMENTO DE APURIMAC</a:t>
+                      </a:r>
+                      <a:endParaRPr lang="es-PE" sz="800" b="0" i="0" u="none" strike="noStrike" cap="none" dirty="0">
+                        <a:solidFill>
+                          <a:srgbClr val="000000"/>
+                        </a:solidFill>
+                        <a:latin typeface="Arial"/>
+                        <a:cs typeface="Arial"/>
+                        <a:sym typeface="Arial"/>
+                      </a:endParaRPr>
+                    </a:p>
+                  </a:txBody>
+                  <a:tcPr/>
+                </a:tc>
+                <a:tc>
+                  <a:txBody>
+                    <a:bodyPr/>
+                    <a:lstStyle/>
+                    <a:p>
+                      <a:r>
+                        <a:rPr lang="es-PE" sz="800" b="0" i="0" u="none" strike="noStrike" cap="none" dirty="0">
+                          <a:solidFill>
+                            <a:srgbClr val="000000"/>
+                          </a:solidFill>
+                          <a:latin typeface="+mn-lt"/>
+                          <a:cs typeface="Arial"/>
+                          <a:sym typeface="Arial"/>
+                        </a:rPr>
+                        <a:t>13,103,362.94</a:t>
+                      </a:r>
+                      <a:endParaRPr lang="es-PE" sz="800" b="0" i="0" u="none" strike="noStrike" cap="none" dirty="0">
+                        <a:solidFill>
+                          <a:srgbClr val="000000"/>
+                        </a:solidFill>
+                        <a:latin typeface="Arial"/>
+                        <a:cs typeface="Arial"/>
+                        <a:sym typeface="Arial"/>
+                      </a:endParaRPr>
+                    </a:p>
+                  </a:txBody>
+                  <a:tcPr/>
+                </a:tc>
+                <a:tc>
+                  <a:txBody>
+                    <a:bodyPr/>
+                    <a:lstStyle/>
+                    <a:p>
+                      <a:pPr marL="0" marR="0" lvl="0" indent="0" algn="ctr" defTabSz="914400" rtl="0" eaLnBrk="1" fontAlgn="auto" latinLnBrk="0" hangingPunct="1">
+                        <a:lnSpc>
+                          <a:spcPct val="100000"/>
+                        </a:lnSpc>
+                        <a:spcBef>
+                          <a:spcPts val="0"/>
+                        </a:spcBef>
+                        <a:spcAft>
+                          <a:spcPts val="0"/>
+                        </a:spcAft>
+                        <a:buClr>
+                          <a:srgbClr val="000000"/>
+                        </a:buClr>
+                        <a:buSzTx/>
+                        <a:buFont typeface="Arial"/>
+                        <a:buNone/>
+                        <a:tabLst/>
+                        <a:defRPr/>
+                      </a:pPr>
+                      <a:r>
+                        <a:rPr lang="es-PE" sz="800" b="0" dirty="0">
+                          <a:solidFill>
+                            <a:schemeClr val="tx1"/>
+                          </a:solidFill>
+                        </a:rPr>
+                        <a:t>Viable</a:t>
+                      </a:r>
+                    </a:p>
+                    <a:p>
+                      <a:pPr algn="ctr"/>
+                      <a:endParaRPr lang="es-PE" sz="800" b="0" i="0" u="none" strike="noStrike" cap="none" dirty="0">
+                        <a:solidFill>
+                          <a:srgbClr val="FF0000"/>
+                        </a:solidFill>
+                        <a:latin typeface="Arial"/>
+                        <a:cs typeface="Arial"/>
+                        <a:sym typeface="Arial"/>
+                      </a:endParaRPr>
+                    </a:p>
+                  </a:txBody>
+                  <a:tcPr/>
+                </a:tc>
+                <a:tc>
+                  <a:txBody>
+                    <a:bodyPr/>
+                    <a:lstStyle/>
+                    <a:p>
+                      <a:pPr marL="171450" marR="0" lvl="0" indent="-171450" algn="l" defTabSz="914400" rtl="0" eaLnBrk="1" fontAlgn="auto" latinLnBrk="0" hangingPunct="1">
+                        <a:lnSpc>
+                          <a:spcPct val="100000"/>
+                        </a:lnSpc>
+                        <a:spcBef>
+                          <a:spcPts val="0"/>
+                        </a:spcBef>
+                        <a:spcAft>
+                          <a:spcPts val="0"/>
+                        </a:spcAft>
+                        <a:buClr>
+                          <a:srgbClr val="000000"/>
+                        </a:buClr>
+                        <a:buSzTx/>
+                        <a:buFont typeface="Arial" panose="020B0604020202020204" pitchFamily="34" charset="0"/>
+                        <a:buChar char="•"/>
+                        <a:tabLst/>
+                        <a:defRPr/>
+                      </a:pPr>
+                      <a:r>
+                        <a:rPr lang="es-PE" sz="800" b="0" i="0" u="none" strike="noStrike" cap="none" dirty="0">
+                          <a:solidFill>
+                            <a:schemeClr val="tx1"/>
+                          </a:solidFill>
+                          <a:latin typeface="+mn-lt"/>
+                          <a:ea typeface="+mn-ea"/>
+                          <a:cs typeface="+mn-cs"/>
+                          <a:sym typeface="Arial"/>
+                        </a:rPr>
+                        <a:t>1,049.00 docentes</a:t>
+                      </a:r>
+                    </a:p>
+                  </a:txBody>
+                  <a:tcPr/>
+                </a:tc>
+                <a:tc>
+                  <a:txBody>
+                    <a:bodyPr/>
+                    <a:lstStyle/>
+                    <a:p>
+                      <a:pPr marL="0" marR="0" lvl="0" indent="0" algn="l" defTabSz="914400" rtl="0" eaLnBrk="1" fontAlgn="auto" latinLnBrk="0" hangingPunct="1">
+                        <a:lnSpc>
+                          <a:spcPct val="100000"/>
+                        </a:lnSpc>
+                        <a:spcBef>
+                          <a:spcPts val="0"/>
+                        </a:spcBef>
+                        <a:spcAft>
+                          <a:spcPts val="0"/>
+                        </a:spcAft>
+                        <a:buClr>
+                          <a:srgbClr val="000000"/>
+                        </a:buClr>
+                        <a:buSzTx/>
+                        <a:buFont typeface="Arial"/>
+                        <a:buNone/>
+                        <a:tabLst/>
+                        <a:defRPr/>
+                      </a:pPr>
+                      <a:r>
+                        <a:rPr lang="es-PE" sz="800" b="0" dirty="0"/>
+                        <a:t>2021</a:t>
+                      </a:r>
+                    </a:p>
+                    <a:p>
+                      <a:endParaRPr lang="es-PE" sz="800" b="0" i="0" u="none" strike="noStrike" cap="none" dirty="0">
+                        <a:solidFill>
+                          <a:srgbClr val="000000"/>
+                        </a:solidFill>
+                        <a:latin typeface="Arial"/>
+                        <a:cs typeface="Arial"/>
+                        <a:sym typeface="Arial"/>
+                      </a:endParaRPr>
+                    </a:p>
+                  </a:txBody>
+                  <a:tcPr/>
+                </a:tc>
+                <a:extLst>
+                  <a:ext uri="{0D108BD9-81ED-4DB2-BD59-A6C34878D82A}">
+                    <a16:rowId xmlns:a16="http://schemas.microsoft.com/office/drawing/2014/main" val="1539669390"/>
+                  </a:ext>
+                </a:extLst>
+              </a:tr>
+              <a:tr h="193040">
                 <a:tc>
                   <a:txBody>
                     <a:bodyPr/>
@@ -5577,13 +6722,37 @@
                     <a:lstStyle/>
                     <a:p>
                       <a:r>
-                        <a:rPr lang="es-PE" sz="800" b="0" u="none" strike="noStrike" cap="none" dirty="0">
+                        <a:rPr lang="es-PE" sz="800" b="0" i="0" u="none" strike="noStrike" cap="none" dirty="0">
                           <a:solidFill>
                             <a:srgbClr val="000000"/>
                           </a:solidFill>
+                          <a:latin typeface="+mn-lt"/>
+                          <a:cs typeface="Arial"/>
                           <a:sym typeface="Arial"/>
                         </a:rPr>
-                        <a:t>MEJORAMIENTO DEL INSTITUTO DE EDUCACIÓN SUPERIOR TECNOLÓGICO ALFREDO SARMIENTO PALOMINO, DISTRITO DE HUANCARAMA - PROVINCIA DE ANDAHUAYLAS - DEPARTAMENTO DE APURIMAC</a:t>
+                        <a:t>MEJORAMIENTO DEL SERVICIO EDUCATIVO DEL NIVEL INICIAL </a:t>
+                      </a:r>
+                      <a:r>
+                        <a:rPr lang="es-PE" sz="800" b="0" i="0" u="none" strike="noStrike" cap="none" dirty="0" err="1">
+                          <a:solidFill>
+                            <a:srgbClr val="000000"/>
+                          </a:solidFill>
+                          <a:latin typeface="+mn-lt"/>
+                          <a:cs typeface="Arial"/>
+                          <a:sym typeface="Arial"/>
+                        </a:rPr>
+                        <a:t>N°</a:t>
+                      </a:r>
+                      <a:r>
+                        <a:rPr lang="es-PE" sz="800" b="0" i="0" u="none" strike="noStrike" cap="none" dirty="0">
+                          <a:solidFill>
+                            <a:srgbClr val="000000"/>
+                          </a:solidFill>
+                          <a:latin typeface="+mn-lt"/>
+                          <a:cs typeface="Arial"/>
+                          <a:sym typeface="Arial"/>
+                        </a:rPr>
+                        <a:t> 1105, N°92 - REYNA DE LOS ANGELES, N°1106 Y N°79 CRISTO REDENTOR EN LOS DISTRITOS DE ABANCAY Y SAN PEDRO DE CACHORA DE LA  PROVINCIA DE ABANCAY - DEPARTAMENTO DE APURIMAC</a:t>
                       </a:r>
                       <a:endParaRPr lang="es-PE" sz="800" b="0" i="0" u="none" strike="noStrike" cap="none" dirty="0">
                         <a:solidFill>
@@ -5602,6 +6771,19 @@
                     <a:bodyPr/>
                     <a:lstStyle/>
                     <a:p>
+                      <a:r>
+                        <a:rPr lang="es-PE" sz="800" b="0" i="0" u="none" strike="noStrike" cap="none" dirty="0">
+                          <a:solidFill>
+                            <a:srgbClr val="000000"/>
+                          </a:solidFill>
+                          <a:latin typeface="+mn-lt"/>
+                          <a:cs typeface="Arial"/>
+                          <a:sym typeface="Arial"/>
+                        </a:rPr>
+                        <a:t>Estimado 6,870,000.00</a:t>
+                      </a:r>
+                    </a:p>
+                    <a:p>
                       <a:endParaRPr lang="es-PE" sz="800" b="0" i="0" u="none" strike="noStrike" cap="none" dirty="0">
                         <a:solidFill>
                           <a:srgbClr val="000000"/>
@@ -5619,151 +6801,17 @@
                     <a:bodyPr/>
                     <a:lstStyle/>
                     <a:p>
-                      <a:endParaRPr lang="es-PE" sz="800" b="0" i="0" u="none" strike="noStrike" cap="none" dirty="0">
-                        <a:solidFill>
-                          <a:srgbClr val="FF0000"/>
-                        </a:solidFill>
-                        <a:latin typeface="Arial"/>
-                        <a:cs typeface="Arial"/>
-                        <a:sym typeface="Arial"/>
-                      </a:endParaRPr>
-                    </a:p>
-                  </a:txBody>
-                  <a:tcPr/>
-                </a:tc>
-                <a:tc>
-                  <a:txBody>
-                    <a:bodyPr/>
-                    <a:lstStyle/>
-                    <a:p>
-                      <a:pPr marL="171450" indent="-171450">
-                        <a:buFont typeface="Arial" panose="020B0604020202020204" pitchFamily="34" charset="0"/>
-                        <a:buChar char="•"/>
-                      </a:pPr>
-                      <a:endParaRPr lang="es-PE" sz="800" b="0" i="0" u="none" strike="noStrike" cap="none" dirty="0">
-                        <a:solidFill>
-                          <a:srgbClr val="000000"/>
-                        </a:solidFill>
-                        <a:latin typeface="Arial"/>
-                        <a:cs typeface="Arial"/>
-                        <a:sym typeface="Arial"/>
-                      </a:endParaRPr>
-                    </a:p>
-                  </a:txBody>
-                  <a:tcPr/>
-                </a:tc>
-                <a:tc>
-                  <a:txBody>
-                    <a:bodyPr/>
-                    <a:lstStyle/>
-                    <a:p>
-                      <a:endParaRPr lang="es-PE" sz="800" b="0" i="0" u="none" strike="noStrike" cap="none" dirty="0">
-                        <a:solidFill>
-                          <a:srgbClr val="000000"/>
-                        </a:solidFill>
-                        <a:latin typeface="Arial"/>
-                        <a:cs typeface="Arial"/>
-                        <a:sym typeface="Arial"/>
-                      </a:endParaRPr>
-                    </a:p>
-                  </a:txBody>
-                  <a:tcPr/>
-                </a:tc>
-                <a:extLst>
-                  <a:ext uri="{0D108BD9-81ED-4DB2-BD59-A6C34878D82A}">
-                    <a16:rowId xmlns:a16="http://schemas.microsoft.com/office/drawing/2014/main" val="1767663526"/>
-                  </a:ext>
-                </a:extLst>
-              </a:tr>
-              <a:tr h="250331">
-                <a:tc>
-                  <a:txBody>
-                    <a:bodyPr/>
-                    <a:lstStyle/>
-                    <a:p>
-                      <a:pPr marR="0" algn="ctr" rtl="0">
-                        <a:lnSpc>
-                          <a:spcPct val="100000"/>
-                        </a:lnSpc>
-                        <a:spcBef>
-                          <a:spcPts val="0"/>
-                        </a:spcBef>
-                        <a:spcAft>
-                          <a:spcPts val="0"/>
-                        </a:spcAft>
-                        <a:buClr>
-                          <a:srgbClr val="000000"/>
-                        </a:buClr>
-                        <a:buFont typeface="Arial"/>
-                      </a:pPr>
-                      <a:endParaRPr lang="es-PE" sz="800" b="0" i="0" u="none" strike="noStrike" cap="none" dirty="0">
-                        <a:solidFill>
-                          <a:srgbClr val="000000"/>
-                        </a:solidFill>
-                        <a:latin typeface="Arial"/>
-                        <a:cs typeface="Arial"/>
-                        <a:sym typeface="Arial"/>
-                      </a:endParaRPr>
-                    </a:p>
-                  </a:txBody>
-                  <a:tcPr/>
-                </a:tc>
-                <a:tc>
-                  <a:txBody>
-                    <a:bodyPr/>
-                    <a:lstStyle/>
-                    <a:p>
-                      <a:r>
-                        <a:rPr lang="es-PE" sz="800" b="0" u="none" strike="noStrike" cap="none" dirty="0">
+                      <a:r>
+                        <a:rPr lang="es-PE" sz="800" b="0" i="0" u="none" strike="noStrike" cap="none" dirty="0">
                           <a:solidFill>
-                            <a:srgbClr val="000000"/>
+                            <a:schemeClr val="tx1"/>
                           </a:solidFill>
+                          <a:latin typeface="Arial"/>
+                          <a:cs typeface="Arial"/>
                           <a:sym typeface="Arial"/>
                         </a:rPr>
-                        <a:t>MEJORAMIENTO DEL SERVICIO EDUCATIVO DEL NIVEL INICIAL N°1135 SANGABRIEL, N°171 PICHIUPATA, N° 39 HUANCARAMA, N° 938 HUACCAYHURA, DISTRITO DE HUANCARAMA PROVINCIA DE ANDAHUAYLAS, REGION APURIMAC</a:t>
-                      </a:r>
-                      <a:endParaRPr lang="es-PE" sz="800" b="0" i="0" u="none" strike="noStrike" cap="none" dirty="0">
-                        <a:solidFill>
-                          <a:srgbClr val="000000"/>
-                        </a:solidFill>
-                        <a:latin typeface="Arial"/>
-                        <a:cs typeface="Arial"/>
-                        <a:sym typeface="Arial"/>
-                      </a:endParaRPr>
-                    </a:p>
-                  </a:txBody>
-                  <a:tcPr/>
-                </a:tc>
-                <a:tc>
-                  <a:txBody>
-                    <a:bodyPr/>
-                    <a:lstStyle/>
-                    <a:p>
-                      <a:endParaRPr lang="es-PE" sz="800" b="0" i="0" u="none" strike="noStrike" cap="none" dirty="0">
-                        <a:solidFill>
-                          <a:srgbClr val="000000"/>
-                        </a:solidFill>
-                        <a:latin typeface="Arial"/>
-                        <a:cs typeface="Arial"/>
-                        <a:sym typeface="Arial"/>
-                      </a:endParaRPr>
-                    </a:p>
-                  </a:txBody>
-                  <a:tcPr/>
-                </a:tc>
-                <a:tc>
-                  <a:txBody>
-                    <a:bodyPr/>
-                    <a:lstStyle/>
-                    <a:p>
-                      <a:endParaRPr lang="es-PE" sz="800" b="0" i="0" u="none" strike="noStrike" cap="none" dirty="0">
-                        <a:solidFill>
-                          <a:srgbClr val="FF0000"/>
-                        </a:solidFill>
-                        <a:latin typeface="Arial"/>
-                        <a:cs typeface="Arial"/>
-                        <a:sym typeface="Arial"/>
-                      </a:endParaRPr>
+                        <a:t>Pendiente para el año 2020</a:t>
+                      </a:r>
                     </a:p>
                   </a:txBody>
                   <a:tcPr/>
@@ -5792,17 +6840,21 @@
                         <a:tabLst/>
                         <a:defRPr/>
                       </a:pPr>
-                      <a:endParaRPr lang="es-PE" sz="800" b="0" dirty="0"/>
-                    </a:p>
-                  </a:txBody>
-                  <a:tcPr/>
-                </a:tc>
-                <a:tc>
-                  <a:txBody>
-                    <a:bodyPr/>
-                    <a:lstStyle/>
-                    <a:p>
-                      <a:pPr marL="0" marR="0" lvl="0" indent="0" algn="l" defTabSz="914400" rtl="0" eaLnBrk="1" fontAlgn="auto" latinLnBrk="0" hangingPunct="1">
+                      <a:r>
+                        <a:rPr lang="es-PE" sz="800" b="0" i="0" u="none" strike="noStrike" cap="none" dirty="0">
+                          <a:solidFill>
+                            <a:schemeClr val="tx1"/>
+                          </a:solidFill>
+                          <a:latin typeface="+mn-lt"/>
+                          <a:ea typeface="+mn-ea"/>
+                          <a:cs typeface="+mn-cs"/>
+                          <a:sym typeface="Arial"/>
+                        </a:rPr>
+                        <a:t>05 II.EE. </a:t>
+                      </a:r>
+                    </a:p>
+                    <a:p>
+                      <a:pPr marL="171450" marR="0" lvl="0" indent="-171450" algn="l" defTabSz="914400" rtl="0" eaLnBrk="1" fontAlgn="auto" latinLnBrk="0" hangingPunct="1">
                         <a:lnSpc>
                           <a:spcPct val="100000"/>
                         </a:lnSpc>
@@ -5817,42 +6869,24 @@
                         </a:buClr>
                         <a:buSzTx/>
                         <a:buFont typeface="Arial" panose="020B0604020202020204" pitchFamily="34" charset="0"/>
-                        <a:buNone/>
+                        <a:buChar char="•"/>
                         <a:tabLst/>
                         <a:defRPr/>
                       </a:pPr>
-                      <a:endParaRPr lang="es-PE" sz="800" b="0" dirty="0"/>
-                    </a:p>
-                  </a:txBody>
-                  <a:tcPr/>
-                </a:tc>
-                <a:extLst>
-                  <a:ext uri="{0D108BD9-81ED-4DB2-BD59-A6C34878D82A}">
-                    <a16:rowId xmlns:a16="http://schemas.microsoft.com/office/drawing/2014/main" val="3674388361"/>
-                  </a:ext>
-                </a:extLst>
-              </a:tr>
-              <a:tr h="370840">
-                <a:tc>
-                  <a:txBody>
-                    <a:bodyPr/>
-                    <a:lstStyle/>
-                    <a:p>
-                      <a:pPr marR="0" algn="ctr" rtl="0">
-                        <a:lnSpc>
-                          <a:spcPct val="100000"/>
-                        </a:lnSpc>
-                        <a:spcBef>
-                          <a:spcPts val="0"/>
-                        </a:spcBef>
-                        <a:spcAft>
-                          <a:spcPts val="0"/>
-                        </a:spcAft>
-                        <a:buClr>
-                          <a:srgbClr val="000000"/>
-                        </a:buClr>
-                        <a:buFont typeface="Arial"/>
-                      </a:pPr>
+                      <a:r>
+                        <a:rPr lang="es-PE" sz="800" b="0" i="0" u="none" strike="noStrike" cap="none" dirty="0">
+                          <a:solidFill>
+                            <a:schemeClr val="tx1"/>
+                          </a:solidFill>
+                          <a:latin typeface="+mn-lt"/>
+                          <a:ea typeface="+mn-ea"/>
+                          <a:cs typeface="+mn-cs"/>
+                          <a:sym typeface="Arial"/>
+                        </a:rPr>
+                        <a:t>270 Alum</a:t>
+                      </a:r>
+                    </a:p>
+                    <a:p>
                       <a:endParaRPr lang="es-PE" sz="800" b="0" i="0" u="none" strike="noStrike" cap="none" dirty="0">
                         <a:solidFill>
                           <a:srgbClr val="000000"/>
@@ -5870,15 +6904,6 @@
                     <a:bodyPr/>
                     <a:lstStyle/>
                     <a:p>
-                      <a:r>
-                        <a:rPr lang="es-PE" sz="800" b="0" u="none" strike="noStrike" cap="none" dirty="0">
-                          <a:solidFill>
-                            <a:srgbClr val="000000"/>
-                          </a:solidFill>
-                          <a:sym typeface="Arial"/>
-                        </a:rPr>
-                        <a:t>MEJORAMIENTO DEL SERVICIO EDUCATIVO DEL NIVEL INICIAL N°1005 BARRIO CENTRO DE COTABAMBAS, N°1024 CHECCHECALLA DE TAMBOBAMBA,N°716 DIVINO NIÑO JESUS DE HAQUIRA Y N°1008 CHOCHOCA DE COYLLURQUI, PROVINCIA DE COTABAMBAS, REGION APURIMAC</a:t>
-                      </a:r>
                       <a:endParaRPr lang="es-PE" sz="800" b="0" i="0" u="none" strike="noStrike" cap="none" dirty="0">
                         <a:solidFill>
                           <a:srgbClr val="000000"/>
@@ -5891,77 +6916,9 @@
                   </a:txBody>
                   <a:tcPr/>
                 </a:tc>
-                <a:tc>
-                  <a:txBody>
-                    <a:bodyPr/>
-                    <a:lstStyle/>
-                    <a:p>
-                      <a:endParaRPr lang="es-PE" sz="800" b="0" i="0" u="none" strike="noStrike" cap="none" dirty="0">
-                        <a:solidFill>
-                          <a:srgbClr val="000000"/>
-                        </a:solidFill>
-                        <a:latin typeface="Arial"/>
-                        <a:cs typeface="Arial"/>
-                        <a:sym typeface="Arial"/>
-                      </a:endParaRPr>
-                    </a:p>
-                  </a:txBody>
-                  <a:tcPr/>
-                </a:tc>
-                <a:tc>
-                  <a:txBody>
-                    <a:bodyPr/>
-                    <a:lstStyle/>
-                    <a:p>
-                      <a:endParaRPr lang="es-PE" sz="800" b="0" i="0" u="none" strike="noStrike" cap="none" dirty="0">
-                        <a:solidFill>
-                          <a:srgbClr val="FF0000"/>
-                        </a:solidFill>
-                        <a:latin typeface="Arial"/>
-                        <a:cs typeface="Arial"/>
-                        <a:sym typeface="Arial"/>
-                      </a:endParaRPr>
-                    </a:p>
-                  </a:txBody>
-                  <a:tcPr/>
-                </a:tc>
-                <a:tc>
-                  <a:txBody>
-                    <a:bodyPr/>
-                    <a:lstStyle/>
-                    <a:p>
-                      <a:endParaRPr lang="es-PE" sz="800" b="0" i="0" u="none" strike="noStrike" cap="none" dirty="0">
-                        <a:solidFill>
-                          <a:srgbClr val="000000"/>
-                        </a:solidFill>
-                        <a:latin typeface="Arial"/>
-                        <a:cs typeface="Arial"/>
-                        <a:sym typeface="Arial"/>
-                      </a:endParaRPr>
-                    </a:p>
-                  </a:txBody>
-                  <a:tcPr/>
-                </a:tc>
-                <a:tc>
-                  <a:txBody>
-                    <a:bodyPr/>
-                    <a:lstStyle/>
-                    <a:p>
-                      <a:endParaRPr lang="es-PE" sz="800" b="0" i="0" u="none" strike="noStrike" cap="none" dirty="0">
-                        <a:solidFill>
-                          <a:srgbClr val="000000"/>
-                        </a:solidFill>
-                        <a:latin typeface="Arial"/>
-                        <a:cs typeface="Arial"/>
-                        <a:sym typeface="Arial"/>
-                      </a:endParaRPr>
-                    </a:p>
-                  </a:txBody>
-                  <a:tcPr/>
-                </a:tc>
                 <a:extLst>
                   <a:ext uri="{0D108BD9-81ED-4DB2-BD59-A6C34878D82A}">
-                    <a16:rowId xmlns:a16="http://schemas.microsoft.com/office/drawing/2014/main" val="3935221123"/>
+                    <a16:rowId xmlns:a16="http://schemas.microsoft.com/office/drawing/2014/main" val="620347461"/>
                   </a:ext>
                 </a:extLst>
               </a:tr>
@@ -10219,6 +11176,9 @@
   <p:clrMapOvr>
     <a:masterClrMapping/>
   </p:clrMapOvr>
+  <p:transition>
+    <p:fade thruBlk="1"/>
+  </p:transition>
 </p:sld>
 </file>
 

--- a/Proyectos Funcion Educacion.pptx
+++ b/Proyectos Funcion Educacion.pptx
@@ -7366,7 +7366,7 @@
           <p:nvPr>
             <p:extLst>
               <p:ext uri="{D42A27DB-BD31-4B8C-83A1-F6EECF244321}">
-                <p14:modId xmlns:p14="http://schemas.microsoft.com/office/powerpoint/2010/main" val="3953571924"/>
+                <p14:modId xmlns:p14="http://schemas.microsoft.com/office/powerpoint/2010/main" val="2796741310"/>
               </p:ext>
             </p:extLst>
           </p:nvPr>
@@ -8073,6 +8073,17 @@
                         <a:tabLst/>
                         <a:defRPr/>
                       </a:pPr>
+                      <a:r>
+                        <a:rPr lang="es-PE" sz="800" b="0" i="0" u="none" strike="noStrike" cap="none" dirty="0">
+                          <a:solidFill>
+                            <a:srgbClr val="000000"/>
+                          </a:solidFill>
+                          <a:latin typeface="+mn-lt"/>
+                          <a:cs typeface="Arial"/>
+                          <a:sym typeface="Arial"/>
+                        </a:rPr>
+                        <a:t>15,656,328</a:t>
+                      </a:r>
                       <a:endParaRPr lang="es-PE" sz="800" b="0" i="0" u="none" strike="noStrike" cap="none" dirty="0">
                         <a:solidFill>
                           <a:srgbClr val="000000"/>
@@ -8154,14 +8165,17 @@
                         <a:tabLst/>
                         <a:defRPr/>
                       </a:pPr>
-                      <a:endParaRPr lang="es-PE" sz="800" b="0" i="0" u="none" strike="noStrike" cap="none" dirty="0">
-                        <a:solidFill>
-                          <a:srgbClr val="000000"/>
-                        </a:solidFill>
-                        <a:latin typeface="Arial"/>
-                        <a:cs typeface="Arial"/>
-                        <a:sym typeface="Arial"/>
-                      </a:endParaRPr>
+                      <a:r>
+                        <a:rPr lang="es-PE" sz="800" b="0" i="0" u="none" strike="noStrike" cap="none" dirty="0">
+                          <a:solidFill>
+                            <a:srgbClr val="000000"/>
+                          </a:solidFill>
+                          <a:latin typeface="Arial"/>
+                          <a:cs typeface="Arial"/>
+                          <a:sym typeface="Arial"/>
+                        </a:rPr>
+                        <a:t>03 meses</a:t>
+                      </a:r>
                     </a:p>
                   </a:txBody>
                   <a:tcPr/>
@@ -8194,406 +8208,9 @@
                         <a:rPr lang="es-PE" sz="800" b="0" u="none" strike="noStrike" dirty="0">
                           <a:effectLst/>
                         </a:rPr>
-                        <a:t> 10 II.EE. De nivel Inicial </a:t>
-                      </a:r>
-                      <a:endParaRPr lang="es-PE" sz="800" b="0" i="0" u="none" strike="noStrike" cap="none" dirty="0">
-                        <a:solidFill>
-                          <a:srgbClr val="000000"/>
-                        </a:solidFill>
-                        <a:latin typeface="Arial"/>
-                        <a:cs typeface="Arial"/>
-                        <a:sym typeface="Arial"/>
-                      </a:endParaRPr>
-                    </a:p>
-                  </a:txBody>
-                  <a:tcPr/>
-                </a:tc>
-                <a:tc>
-                  <a:txBody>
-                    <a:bodyPr/>
-                    <a:lstStyle/>
-                    <a:p>
-                      <a:r>
-                        <a:rPr lang="es-PE" sz="800" b="0" i="0" u="none" strike="noStrike" cap="none" dirty="0" err="1">
-                          <a:solidFill>
-                            <a:srgbClr val="000000"/>
-                          </a:solidFill>
-                          <a:latin typeface="+mn-lt"/>
-                          <a:cs typeface="Arial"/>
-                          <a:sym typeface="Arial"/>
-                        </a:rPr>
-                        <a:t>Adm</a:t>
-                      </a:r>
-                      <a:r>
-                        <a:rPr lang="es-PE" sz="800" b="0" i="0" u="none" strike="noStrike" cap="none" dirty="0">
-                          <a:solidFill>
-                            <a:srgbClr val="000000"/>
-                          </a:solidFill>
-                          <a:latin typeface="+mn-lt"/>
-                          <a:cs typeface="Arial"/>
-                          <a:sym typeface="Arial"/>
-                        </a:rPr>
-                        <a:t>. Directa</a:t>
-                      </a:r>
-                    </a:p>
-                  </a:txBody>
-                  <a:tcPr/>
-                </a:tc>
-                <a:extLst>
-                  <a:ext uri="{0D108BD9-81ED-4DB2-BD59-A6C34878D82A}">
-                    <a16:rowId xmlns:a16="http://schemas.microsoft.com/office/drawing/2014/main" val="2214220417"/>
-                  </a:ext>
-                </a:extLst>
-              </a:tr>
-              <a:tr h="278553">
-                <a:tc>
-                  <a:txBody>
-                    <a:bodyPr/>
-                    <a:lstStyle/>
-                    <a:p>
-                      <a:pPr marR="0" algn="ctr" rtl="0">
-                        <a:lnSpc>
-                          <a:spcPct val="100000"/>
-                        </a:lnSpc>
-                        <a:spcBef>
-                          <a:spcPts val="0"/>
-                        </a:spcBef>
-                        <a:spcAft>
-                          <a:spcPts val="0"/>
-                        </a:spcAft>
-                        <a:buClr>
-                          <a:srgbClr val="000000"/>
-                        </a:buClr>
-                        <a:buFont typeface="Arial"/>
-                      </a:pPr>
-                      <a:r>
-                        <a:rPr lang="es-PE" sz="800" b="0" u="none" strike="noStrike" cap="none" dirty="0">
-                          <a:solidFill>
-                            <a:srgbClr val="000000"/>
-                          </a:solidFill>
-                          <a:sym typeface="Arial"/>
-                        </a:rPr>
-                        <a:t>3</a:t>
-                      </a:r>
-                      <a:endParaRPr lang="es-PE" sz="800" b="0" i="0" u="none" strike="noStrike" cap="none" dirty="0">
-                        <a:solidFill>
-                          <a:srgbClr val="000000"/>
-                        </a:solidFill>
-                        <a:latin typeface="Arial"/>
-                        <a:cs typeface="Arial"/>
-                        <a:sym typeface="Arial"/>
-                      </a:endParaRPr>
-                    </a:p>
-                  </a:txBody>
-                  <a:tcPr/>
-                </a:tc>
-                <a:tc>
-                  <a:txBody>
-                    <a:bodyPr/>
-                    <a:lstStyle/>
-                    <a:p>
-                      <a:r>
-                        <a:rPr lang="es-PE" sz="800" b="0" u="none" strike="noStrike" cap="none" dirty="0">
-                          <a:solidFill>
-                            <a:srgbClr val="000000"/>
-                          </a:solidFill>
-                          <a:sym typeface="Arial"/>
-                          <a:hlinkClick r:id="rId5" action="ppaction://hlinksldjump"/>
-                        </a:rPr>
-                        <a:t>MEJORAMIENTO DEL INSTITUTO DE EDUCACIÓN SUPERIOR TECNOLÓGICO ALFREDO SARMIENTO PALOMINO, DISTRITO DE HUANCARAMA - PROVINCIA DE ANDAHUAYLAS - DEPARTAMENTO DE APURIMAC</a:t>
-                      </a:r>
-                      <a:endParaRPr lang="es-PE" sz="800" b="0" i="0" u="none" strike="noStrike" cap="none" dirty="0">
-                        <a:solidFill>
-                          <a:srgbClr val="000000"/>
-                        </a:solidFill>
-                        <a:latin typeface="Arial"/>
-                        <a:cs typeface="Arial"/>
-                        <a:sym typeface="Arial"/>
-                      </a:endParaRPr>
-                    </a:p>
-                  </a:txBody>
-                  <a:tcPr/>
-                </a:tc>
-                <a:tc>
-                  <a:txBody>
-                    <a:bodyPr/>
-                    <a:lstStyle/>
-                    <a:p>
-                      <a:endParaRPr lang="es-PE" sz="800" b="0" i="0" u="none" strike="noStrike" cap="none" dirty="0">
-                        <a:solidFill>
-                          <a:srgbClr val="000000"/>
-                        </a:solidFill>
-                        <a:latin typeface="Arial"/>
-                        <a:cs typeface="Arial"/>
-                        <a:sym typeface="Arial"/>
-                      </a:endParaRPr>
-                    </a:p>
-                  </a:txBody>
-                  <a:tcPr/>
-                </a:tc>
-                <a:tc>
-                  <a:txBody>
-                    <a:bodyPr/>
-                    <a:lstStyle/>
-                    <a:p>
-                      <a:r>
-                        <a:rPr lang="es-PE" sz="800" b="0" u="none" strike="noStrike" cap="none" dirty="0">
-                          <a:solidFill>
-                            <a:srgbClr val="000000"/>
-                          </a:solidFill>
-                          <a:sym typeface="Arial"/>
-                        </a:rPr>
-                        <a:t>En Formulación</a:t>
-                      </a:r>
-                      <a:endParaRPr lang="es-PE" sz="800" b="0" i="0" u="none" strike="noStrike" cap="none" dirty="0">
-                        <a:solidFill>
-                          <a:srgbClr val="000000"/>
-                        </a:solidFill>
-                        <a:latin typeface="Arial"/>
-                        <a:cs typeface="Arial"/>
-                        <a:sym typeface="Arial"/>
-                      </a:endParaRPr>
-                    </a:p>
-                  </a:txBody>
-                  <a:tcPr/>
-                </a:tc>
-                <a:tc>
-                  <a:txBody>
-                    <a:bodyPr/>
-                    <a:lstStyle/>
-                    <a:p>
-                      <a:r>
-                        <a:rPr lang="es-PE" sz="800" b="0" u="none" strike="noStrike" cap="none" dirty="0">
-                          <a:solidFill>
-                            <a:srgbClr val="000000"/>
-                          </a:solidFill>
-                          <a:sym typeface="Arial"/>
-                        </a:rPr>
-                        <a:t>18/06/2020</a:t>
-                      </a:r>
-                    </a:p>
-                    <a:p>
-                      <a:r>
-                        <a:rPr lang="es-PE" sz="800" b="0" u="none" strike="noStrike" cap="none" dirty="0">
-                          <a:solidFill>
-                            <a:srgbClr val="000000"/>
-                          </a:solidFill>
-                          <a:sym typeface="Arial"/>
-                        </a:rPr>
-                        <a:t>31/08/2020</a:t>
-                      </a:r>
-                      <a:endParaRPr lang="es-PE" sz="800" b="0" i="0" u="none" strike="noStrike" cap="none" dirty="0">
-                        <a:solidFill>
-                          <a:srgbClr val="000000"/>
-                        </a:solidFill>
-                        <a:latin typeface="Arial"/>
-                        <a:cs typeface="Arial"/>
-                        <a:sym typeface="Arial"/>
-                      </a:endParaRPr>
-                    </a:p>
-                  </a:txBody>
-                  <a:tcPr/>
-                </a:tc>
-                <a:tc>
-                  <a:txBody>
-                    <a:bodyPr/>
-                    <a:lstStyle/>
-                    <a:p>
-                      <a:pPr marL="171450" indent="-171450">
-                        <a:buFont typeface="Arial" panose="020B0604020202020204" pitchFamily="34" charset="0"/>
-                        <a:buChar char="•"/>
-                      </a:pPr>
-                      <a:r>
-                        <a:rPr lang="es-PE" sz="800" b="0" u="none" strike="noStrike" cap="none" dirty="0">
-                          <a:solidFill>
-                            <a:srgbClr val="000000"/>
-                          </a:solidFill>
-                          <a:sym typeface="Arial"/>
-                        </a:rPr>
-                        <a:t>(Avance 40%)</a:t>
-                      </a:r>
-                      <a:endParaRPr lang="es-PE" sz="800" b="0" i="0" u="none" strike="noStrike" cap="none" dirty="0">
-                        <a:solidFill>
-                          <a:srgbClr val="000000"/>
-                        </a:solidFill>
-                        <a:latin typeface="Arial"/>
-                        <a:cs typeface="Arial"/>
-                        <a:sym typeface="Arial"/>
-                      </a:endParaRPr>
-                    </a:p>
-                  </a:txBody>
-                  <a:tcPr/>
-                </a:tc>
-                <a:tc>
-                  <a:txBody>
-                    <a:bodyPr/>
-                    <a:lstStyle/>
-                    <a:p>
-                      <a:r>
-                        <a:rPr lang="es-PE" sz="800" b="0" i="0" u="none" strike="noStrike" cap="none" dirty="0" err="1">
-                          <a:solidFill>
-                            <a:srgbClr val="000000"/>
-                          </a:solidFill>
-                          <a:latin typeface="Arial"/>
-                          <a:cs typeface="Arial"/>
-                          <a:sym typeface="Arial"/>
-                        </a:rPr>
-                        <a:t>Adm</a:t>
-                      </a:r>
-                      <a:r>
-                        <a:rPr lang="es-PE" sz="800" b="0" i="0" u="none" strike="noStrike" cap="none" dirty="0">
-                          <a:solidFill>
-                            <a:srgbClr val="000000"/>
-                          </a:solidFill>
-                          <a:latin typeface="Arial"/>
-                          <a:cs typeface="Arial"/>
-                          <a:sym typeface="Arial"/>
-                        </a:rPr>
-                        <a:t>. Directa</a:t>
-                      </a:r>
-                    </a:p>
-                  </a:txBody>
-                  <a:tcPr/>
-                </a:tc>
-                <a:extLst>
-                  <a:ext uri="{0D108BD9-81ED-4DB2-BD59-A6C34878D82A}">
-                    <a16:rowId xmlns:a16="http://schemas.microsoft.com/office/drawing/2014/main" val="1767663526"/>
-                  </a:ext>
-                </a:extLst>
-              </a:tr>
-              <a:tr h="250331">
-                <a:tc>
-                  <a:txBody>
-                    <a:bodyPr/>
-                    <a:lstStyle/>
-                    <a:p>
-                      <a:pPr marR="0" algn="ctr" rtl="0">
-                        <a:lnSpc>
-                          <a:spcPct val="100000"/>
-                        </a:lnSpc>
-                        <a:spcBef>
-                          <a:spcPts val="0"/>
-                        </a:spcBef>
-                        <a:spcAft>
-                          <a:spcPts val="0"/>
-                        </a:spcAft>
-                        <a:buClr>
-                          <a:srgbClr val="000000"/>
-                        </a:buClr>
-                        <a:buFont typeface="Arial"/>
-                      </a:pPr>
-                      <a:r>
-                        <a:rPr lang="es-PE" sz="800" b="0" u="none" strike="noStrike" cap="none" dirty="0">
-                          <a:solidFill>
-                            <a:srgbClr val="000000"/>
-                          </a:solidFill>
-                          <a:sym typeface="Arial"/>
-                        </a:rPr>
-                        <a:t>4</a:t>
-                      </a:r>
-                      <a:endParaRPr lang="es-PE" sz="800" b="0" i="0" u="none" strike="noStrike" cap="none" dirty="0">
-                        <a:solidFill>
-                          <a:srgbClr val="000000"/>
-                        </a:solidFill>
-                        <a:latin typeface="Arial"/>
-                        <a:cs typeface="Arial"/>
-                        <a:sym typeface="Arial"/>
-                      </a:endParaRPr>
-                    </a:p>
-                  </a:txBody>
-                  <a:tcPr/>
-                </a:tc>
-                <a:tc>
-                  <a:txBody>
-                    <a:bodyPr/>
-                    <a:lstStyle/>
-                    <a:p>
-                      <a:r>
-                        <a:rPr lang="es-PE" sz="800" b="0" u="none" strike="noStrike" cap="none" dirty="0">
-                          <a:solidFill>
-                            <a:srgbClr val="000000"/>
-                          </a:solidFill>
-                          <a:sym typeface="Arial"/>
-                          <a:hlinkClick r:id="rId6" action="ppaction://hlinksldjump"/>
-                        </a:rPr>
-                        <a:t>MEJORAMIENTO DEL SERVICIO EDUCATIVO DEL NIVEL INICIAL N°1135 SANGABRIEL, N°171 PICHIUPATA, N° 39 HUANCARAMA, N° 938 HUACCAYHURA, DISTRITO DE HUANCARAMA PROVINCIA DE ANDAHUAYLAS, REGION APURIMAC</a:t>
-                      </a:r>
-                      <a:endParaRPr lang="es-PE" sz="800" b="0" i="0" u="none" strike="noStrike" cap="none" dirty="0">
-                        <a:solidFill>
-                          <a:srgbClr val="000000"/>
-                        </a:solidFill>
-                        <a:latin typeface="Arial"/>
-                        <a:cs typeface="Arial"/>
-                        <a:sym typeface="Arial"/>
-                      </a:endParaRPr>
-                    </a:p>
-                  </a:txBody>
-                  <a:tcPr/>
-                </a:tc>
-                <a:tc>
-                  <a:txBody>
-                    <a:bodyPr/>
-                    <a:lstStyle/>
-                    <a:p>
-                      <a:endParaRPr lang="es-PE" sz="800" b="0" i="0" u="none" strike="noStrike" cap="none" dirty="0">
-                        <a:solidFill>
-                          <a:srgbClr val="000000"/>
-                        </a:solidFill>
-                        <a:latin typeface="Arial"/>
-                        <a:cs typeface="Arial"/>
-                        <a:sym typeface="Arial"/>
-                      </a:endParaRPr>
-                    </a:p>
-                  </a:txBody>
-                  <a:tcPr/>
-                </a:tc>
-                <a:tc>
-                  <a:txBody>
-                    <a:bodyPr/>
-                    <a:lstStyle/>
-                    <a:p>
-                      <a:r>
-                        <a:rPr lang="es-PE" sz="800" b="0" u="none" strike="noStrike" cap="none" dirty="0">
-                          <a:solidFill>
-                            <a:srgbClr val="000000"/>
-                          </a:solidFill>
-                          <a:sym typeface="Arial"/>
-                        </a:rPr>
-                        <a:t>Idea</a:t>
-                      </a:r>
-                      <a:endParaRPr lang="es-PE" sz="800" b="0" i="0" u="none" strike="noStrike" cap="none" dirty="0">
-                        <a:solidFill>
-                          <a:srgbClr val="000000"/>
-                        </a:solidFill>
-                        <a:latin typeface="Arial"/>
-                        <a:cs typeface="Arial"/>
-                        <a:sym typeface="Arial"/>
-                      </a:endParaRPr>
-                    </a:p>
-                  </a:txBody>
-                  <a:tcPr/>
-                </a:tc>
-                <a:tc>
-                  <a:txBody>
-                    <a:bodyPr/>
-                    <a:lstStyle/>
-                    <a:p>
-                      <a:endParaRPr lang="es-PE" sz="800" b="0" i="0" u="none" strike="noStrike" cap="none" dirty="0">
-                        <a:solidFill>
-                          <a:srgbClr val="000000"/>
-                        </a:solidFill>
-                        <a:latin typeface="Arial"/>
-                        <a:cs typeface="Arial"/>
-                        <a:sym typeface="Arial"/>
-                      </a:endParaRPr>
-                    </a:p>
-                  </a:txBody>
-                  <a:tcPr/>
-                </a:tc>
-                <a:tc>
-                  <a:txBody>
-                    <a:bodyPr/>
-                    <a:lstStyle/>
+                        <a:t> 10 II.EE. Iniciales </a:t>
+                      </a:r>
+                    </a:p>
                     <a:p>
                       <a:pPr marL="171450" marR="0" lvl="0" indent="-171450" algn="l" defTabSz="914400" rtl="0" eaLnBrk="1" fontAlgn="auto" latinLnBrk="0" hangingPunct="1">
                         <a:lnSpc>
@@ -8615,10 +8232,438 @@
                         <a:defRPr/>
                       </a:pPr>
                       <a:r>
-                        <a:rPr lang="es-PE" sz="800" b="0" dirty="0"/>
-                        <a:t>04 II.EE.</a:t>
-                      </a:r>
-                    </a:p>
+                        <a:rPr lang="es-PE" sz="800" b="0" u="none" strike="noStrike" dirty="0">
+                          <a:effectLst/>
+                        </a:rPr>
+                        <a:t>126 alumnos  </a:t>
+                      </a:r>
+                      <a:endParaRPr lang="es-PE" sz="800" b="0" i="0" u="none" strike="noStrike" cap="none" dirty="0">
+                        <a:solidFill>
+                          <a:srgbClr val="000000"/>
+                        </a:solidFill>
+                        <a:latin typeface="Arial"/>
+                        <a:cs typeface="Arial"/>
+                        <a:sym typeface="Arial"/>
+                      </a:endParaRPr>
+                    </a:p>
+                  </a:txBody>
+                  <a:tcPr/>
+                </a:tc>
+                <a:tc>
+                  <a:txBody>
+                    <a:bodyPr/>
+                    <a:lstStyle/>
+                    <a:p>
+                      <a:r>
+                        <a:rPr lang="es-PE" sz="800" b="0" i="0" u="none" strike="noStrike" cap="none" dirty="0" err="1">
+                          <a:solidFill>
+                            <a:srgbClr val="000000"/>
+                          </a:solidFill>
+                          <a:latin typeface="+mn-lt"/>
+                          <a:cs typeface="Arial"/>
+                          <a:sym typeface="Arial"/>
+                        </a:rPr>
+                        <a:t>Adm</a:t>
+                      </a:r>
+                      <a:r>
+                        <a:rPr lang="es-PE" sz="800" b="0" i="0" u="none" strike="noStrike" cap="none" dirty="0">
+                          <a:solidFill>
+                            <a:srgbClr val="000000"/>
+                          </a:solidFill>
+                          <a:latin typeface="+mn-lt"/>
+                          <a:cs typeface="Arial"/>
+                          <a:sym typeface="Arial"/>
+                        </a:rPr>
+                        <a:t>. Directa</a:t>
+                      </a:r>
+                    </a:p>
+                  </a:txBody>
+                  <a:tcPr/>
+                </a:tc>
+                <a:extLst>
+                  <a:ext uri="{0D108BD9-81ED-4DB2-BD59-A6C34878D82A}">
+                    <a16:rowId xmlns:a16="http://schemas.microsoft.com/office/drawing/2014/main" val="2214220417"/>
+                  </a:ext>
+                </a:extLst>
+              </a:tr>
+              <a:tr h="278553">
+                <a:tc>
+                  <a:txBody>
+                    <a:bodyPr/>
+                    <a:lstStyle/>
+                    <a:p>
+                      <a:pPr marR="0" algn="ctr" rtl="0">
+                        <a:lnSpc>
+                          <a:spcPct val="100000"/>
+                        </a:lnSpc>
+                        <a:spcBef>
+                          <a:spcPts val="0"/>
+                        </a:spcBef>
+                        <a:spcAft>
+                          <a:spcPts val="0"/>
+                        </a:spcAft>
+                        <a:buClr>
+                          <a:srgbClr val="000000"/>
+                        </a:buClr>
+                        <a:buFont typeface="Arial"/>
+                      </a:pPr>
+                      <a:r>
+                        <a:rPr lang="es-PE" sz="800" b="0" u="none" strike="noStrike" cap="none" dirty="0">
+                          <a:solidFill>
+                            <a:srgbClr val="000000"/>
+                          </a:solidFill>
+                          <a:sym typeface="Arial"/>
+                        </a:rPr>
+                        <a:t>3</a:t>
+                      </a:r>
+                      <a:endParaRPr lang="es-PE" sz="800" b="0" i="0" u="none" strike="noStrike" cap="none" dirty="0">
+                        <a:solidFill>
+                          <a:srgbClr val="000000"/>
+                        </a:solidFill>
+                        <a:latin typeface="Arial"/>
+                        <a:cs typeface="Arial"/>
+                        <a:sym typeface="Arial"/>
+                      </a:endParaRPr>
+                    </a:p>
+                  </a:txBody>
+                  <a:tcPr/>
+                </a:tc>
+                <a:tc>
+                  <a:txBody>
+                    <a:bodyPr/>
+                    <a:lstStyle/>
+                    <a:p>
+                      <a:r>
+                        <a:rPr lang="es-PE" sz="800" b="0" u="none" strike="noStrike" cap="none" dirty="0">
+                          <a:solidFill>
+                            <a:srgbClr val="000000"/>
+                          </a:solidFill>
+                          <a:sym typeface="Arial"/>
+                          <a:hlinkClick r:id="rId5" action="ppaction://hlinksldjump"/>
+                        </a:rPr>
+                        <a:t>MEJORAMIENTO DEL INSTITUTO DE EDUCACIÓN SUPERIOR TECNOLÓGICO ALFREDO SARMIENTO PALOMINO, DISTRITO DE HUANCARAMA - PROVINCIA DE ANDAHUAYLAS - DEPARTAMENTO DE APURIMAC</a:t>
+                      </a:r>
+                      <a:endParaRPr lang="es-PE" sz="800" b="0" i="0" u="none" strike="noStrike" cap="none" dirty="0">
+                        <a:solidFill>
+                          <a:srgbClr val="000000"/>
+                        </a:solidFill>
+                        <a:latin typeface="Arial"/>
+                        <a:cs typeface="Arial"/>
+                        <a:sym typeface="Arial"/>
+                      </a:endParaRPr>
+                    </a:p>
+                  </a:txBody>
+                  <a:tcPr/>
+                </a:tc>
+                <a:tc>
+                  <a:txBody>
+                    <a:bodyPr/>
+                    <a:lstStyle/>
+                    <a:p>
+                      <a:r>
+                        <a:rPr lang="es-PE" sz="800" b="0" i="0" u="none" strike="noStrike" cap="none" dirty="0">
+                          <a:solidFill>
+                            <a:srgbClr val="000000"/>
+                          </a:solidFill>
+                          <a:latin typeface="+mn-lt"/>
+                          <a:cs typeface="Arial"/>
+                          <a:sym typeface="Arial"/>
+                        </a:rPr>
+                        <a:t> 11,595,000.00 	</a:t>
+                      </a:r>
+                    </a:p>
+                    <a:p>
+                      <a:endParaRPr lang="es-PE" sz="800" b="0" i="0" u="none" strike="noStrike" cap="none" dirty="0">
+                        <a:solidFill>
+                          <a:srgbClr val="000000"/>
+                        </a:solidFill>
+                        <a:latin typeface="Arial"/>
+                        <a:cs typeface="Arial"/>
+                        <a:sym typeface="Arial"/>
+                      </a:endParaRPr>
+                    </a:p>
+                  </a:txBody>
+                  <a:tcPr/>
+                </a:tc>
+                <a:tc>
+                  <a:txBody>
+                    <a:bodyPr/>
+                    <a:lstStyle/>
+                    <a:p>
+                      <a:r>
+                        <a:rPr lang="es-PE" sz="800" b="0" u="none" strike="noStrike" cap="none" dirty="0">
+                          <a:solidFill>
+                            <a:srgbClr val="000000"/>
+                          </a:solidFill>
+                          <a:sym typeface="Arial"/>
+                        </a:rPr>
+                        <a:t>En Formulación</a:t>
+                      </a:r>
+                      <a:endParaRPr lang="es-PE" sz="800" b="0" i="0" u="none" strike="noStrike" cap="none" dirty="0">
+                        <a:solidFill>
+                          <a:srgbClr val="000000"/>
+                        </a:solidFill>
+                        <a:latin typeface="Arial"/>
+                        <a:cs typeface="Arial"/>
+                        <a:sym typeface="Arial"/>
+                      </a:endParaRPr>
+                    </a:p>
+                  </a:txBody>
+                  <a:tcPr/>
+                </a:tc>
+                <a:tc>
+                  <a:txBody>
+                    <a:bodyPr/>
+                    <a:lstStyle/>
+                    <a:p>
+                      <a:r>
+                        <a:rPr lang="es-PE" sz="800" b="0" u="none" strike="noStrike" cap="none" dirty="0">
+                          <a:solidFill>
+                            <a:srgbClr val="000000"/>
+                          </a:solidFill>
+                          <a:sym typeface="Arial"/>
+                        </a:rPr>
+                        <a:t>18/06/2020</a:t>
+                      </a:r>
+                    </a:p>
+                    <a:p>
+                      <a:r>
+                        <a:rPr lang="es-PE" sz="800" b="0" u="none" strike="noStrike" cap="none" dirty="0">
+                          <a:solidFill>
+                            <a:srgbClr val="000000"/>
+                          </a:solidFill>
+                          <a:sym typeface="Arial"/>
+                        </a:rPr>
+                        <a:t>31/08/2020</a:t>
+                      </a:r>
+                      <a:endParaRPr lang="es-PE" sz="800" b="0" i="0" u="none" strike="noStrike" cap="none" dirty="0">
+                        <a:solidFill>
+                          <a:srgbClr val="000000"/>
+                        </a:solidFill>
+                        <a:latin typeface="Arial"/>
+                        <a:cs typeface="Arial"/>
+                        <a:sym typeface="Arial"/>
+                      </a:endParaRPr>
+                    </a:p>
+                  </a:txBody>
+                  <a:tcPr/>
+                </a:tc>
+                <a:tc>
+                  <a:txBody>
+                    <a:bodyPr/>
+                    <a:lstStyle/>
+                    <a:p>
+                      <a:pPr marL="171450" indent="-171450">
+                        <a:buFont typeface="Arial" panose="020B0604020202020204" pitchFamily="34" charset="0"/>
+                        <a:buChar char="•"/>
+                      </a:pPr>
+                      <a:r>
+                        <a:rPr lang="es-PE" sz="800" b="0" u="none" strike="noStrike" cap="none" dirty="0">
+                          <a:solidFill>
+                            <a:srgbClr val="000000"/>
+                          </a:solidFill>
+                          <a:sym typeface="Arial"/>
+                        </a:rPr>
+                        <a:t>(Avance 40%)</a:t>
+                      </a:r>
+                      <a:endParaRPr lang="es-PE" sz="800" b="0" i="0" u="none" strike="noStrike" cap="none" dirty="0">
+                        <a:solidFill>
+                          <a:srgbClr val="000000"/>
+                        </a:solidFill>
+                        <a:latin typeface="Arial"/>
+                        <a:cs typeface="Arial"/>
+                        <a:sym typeface="Arial"/>
+                      </a:endParaRPr>
+                    </a:p>
+                  </a:txBody>
+                  <a:tcPr/>
+                </a:tc>
+                <a:tc>
+                  <a:txBody>
+                    <a:bodyPr/>
+                    <a:lstStyle/>
+                    <a:p>
+                      <a:r>
+                        <a:rPr lang="es-PE" sz="800" b="0" i="0" u="none" strike="noStrike" cap="none" dirty="0" err="1">
+                          <a:solidFill>
+                            <a:srgbClr val="000000"/>
+                          </a:solidFill>
+                          <a:latin typeface="Arial"/>
+                          <a:cs typeface="Arial"/>
+                          <a:sym typeface="Arial"/>
+                        </a:rPr>
+                        <a:t>Adm</a:t>
+                      </a:r>
+                      <a:r>
+                        <a:rPr lang="es-PE" sz="800" b="0" i="0" u="none" strike="noStrike" cap="none" dirty="0">
+                          <a:solidFill>
+                            <a:srgbClr val="000000"/>
+                          </a:solidFill>
+                          <a:latin typeface="Arial"/>
+                          <a:cs typeface="Arial"/>
+                          <a:sym typeface="Arial"/>
+                        </a:rPr>
+                        <a:t>. Directa</a:t>
+                      </a:r>
+                    </a:p>
+                  </a:txBody>
+                  <a:tcPr/>
+                </a:tc>
+                <a:extLst>
+                  <a:ext uri="{0D108BD9-81ED-4DB2-BD59-A6C34878D82A}">
+                    <a16:rowId xmlns:a16="http://schemas.microsoft.com/office/drawing/2014/main" val="1767663526"/>
+                  </a:ext>
+                </a:extLst>
+              </a:tr>
+              <a:tr h="250331">
+                <a:tc>
+                  <a:txBody>
+                    <a:bodyPr/>
+                    <a:lstStyle/>
+                    <a:p>
+                      <a:pPr marR="0" algn="ctr" rtl="0">
+                        <a:lnSpc>
+                          <a:spcPct val="100000"/>
+                        </a:lnSpc>
+                        <a:spcBef>
+                          <a:spcPts val="0"/>
+                        </a:spcBef>
+                        <a:spcAft>
+                          <a:spcPts val="0"/>
+                        </a:spcAft>
+                        <a:buClr>
+                          <a:srgbClr val="000000"/>
+                        </a:buClr>
+                        <a:buFont typeface="Arial"/>
+                      </a:pPr>
+                      <a:r>
+                        <a:rPr lang="es-PE" sz="800" b="0" u="none" strike="noStrike" cap="none" dirty="0">
+                          <a:solidFill>
+                            <a:srgbClr val="000000"/>
+                          </a:solidFill>
+                          <a:sym typeface="Arial"/>
+                        </a:rPr>
+                        <a:t>4</a:t>
+                      </a:r>
+                      <a:endParaRPr lang="es-PE" sz="800" b="0" i="0" u="none" strike="noStrike" cap="none" dirty="0">
+                        <a:solidFill>
+                          <a:srgbClr val="000000"/>
+                        </a:solidFill>
+                        <a:latin typeface="Arial"/>
+                        <a:cs typeface="Arial"/>
+                        <a:sym typeface="Arial"/>
+                      </a:endParaRPr>
+                    </a:p>
+                  </a:txBody>
+                  <a:tcPr/>
+                </a:tc>
+                <a:tc>
+                  <a:txBody>
+                    <a:bodyPr/>
+                    <a:lstStyle/>
+                    <a:p>
+                      <a:r>
+                        <a:rPr lang="es-PE" sz="800" b="0" u="none" strike="noStrike" cap="none" dirty="0">
+                          <a:solidFill>
+                            <a:srgbClr val="000000"/>
+                          </a:solidFill>
+                          <a:sym typeface="Arial"/>
+                          <a:hlinkClick r:id="rId6" action="ppaction://hlinksldjump"/>
+                        </a:rPr>
+                        <a:t>MEJORAMIENTO DEL SERVICIO EDUCATIVO DEL NIVEL INICIAL N°1135 SANGABRIEL, N°171 PICHIUPATA, N° 39 HUANCARAMA, N° 938 HUACCAYHURA, DISTRITO DE HUANCARAMA PROVINCIA DE ANDAHUAYLAS, REGION APURIMAC</a:t>
+                      </a:r>
+                      <a:endParaRPr lang="es-PE" sz="800" b="0" i="0" u="none" strike="noStrike" cap="none" dirty="0">
+                        <a:solidFill>
+                          <a:srgbClr val="000000"/>
+                        </a:solidFill>
+                        <a:latin typeface="Arial"/>
+                        <a:cs typeface="Arial"/>
+                        <a:sym typeface="Arial"/>
+                      </a:endParaRPr>
+                    </a:p>
+                  </a:txBody>
+                  <a:tcPr/>
+                </a:tc>
+                <a:tc>
+                  <a:txBody>
+                    <a:bodyPr/>
+                    <a:lstStyle/>
+                    <a:p>
+                      <a:r>
+                        <a:rPr lang="es-PE" sz="800" b="0" i="0" u="none" strike="noStrike" cap="none" dirty="0">
+                          <a:solidFill>
+                            <a:srgbClr val="000000"/>
+                          </a:solidFill>
+                          <a:latin typeface="+mn-lt"/>
+                          <a:cs typeface="Arial"/>
+                          <a:sym typeface="Arial"/>
+                        </a:rPr>
+                        <a:t> 9,320,000.00 	</a:t>
+                      </a:r>
+                    </a:p>
+                    <a:p>
+                      <a:endParaRPr lang="es-PE" sz="800" b="0" i="0" u="none" strike="noStrike" cap="none" dirty="0">
+                        <a:solidFill>
+                          <a:srgbClr val="000000"/>
+                        </a:solidFill>
+                        <a:latin typeface="Arial"/>
+                        <a:cs typeface="Arial"/>
+                        <a:sym typeface="Arial"/>
+                      </a:endParaRPr>
+                    </a:p>
+                  </a:txBody>
+                  <a:tcPr/>
+                </a:tc>
+                <a:tc>
+                  <a:txBody>
+                    <a:bodyPr/>
+                    <a:lstStyle/>
+                    <a:p>
+                      <a:r>
+                        <a:rPr lang="es-PE" sz="800" b="0" u="none" strike="noStrike" cap="none" dirty="0">
+                          <a:solidFill>
+                            <a:srgbClr val="000000"/>
+                          </a:solidFill>
+                          <a:sym typeface="Arial"/>
+                        </a:rPr>
+                        <a:t>Idea</a:t>
+                      </a:r>
+                      <a:endParaRPr lang="es-PE" sz="800" b="0" i="0" u="none" strike="noStrike" cap="none" dirty="0">
+                        <a:solidFill>
+                          <a:srgbClr val="000000"/>
+                        </a:solidFill>
+                        <a:latin typeface="Arial"/>
+                        <a:cs typeface="Arial"/>
+                        <a:sym typeface="Arial"/>
+                      </a:endParaRPr>
+                    </a:p>
+                  </a:txBody>
+                  <a:tcPr/>
+                </a:tc>
+                <a:tc>
+                  <a:txBody>
+                    <a:bodyPr/>
+                    <a:lstStyle/>
+                    <a:p>
+                      <a:r>
+                        <a:rPr lang="es-PE" sz="800" b="0" i="0" u="none" strike="noStrike" cap="none" dirty="0">
+                          <a:solidFill>
+                            <a:srgbClr val="000000"/>
+                          </a:solidFill>
+                          <a:latin typeface="Arial"/>
+                          <a:cs typeface="Arial"/>
+                          <a:sym typeface="Arial"/>
+                        </a:rPr>
+                        <a:t>3 meses</a:t>
+                      </a:r>
+                    </a:p>
+                  </a:txBody>
+                  <a:tcPr/>
+                </a:tc>
+                <a:tc>
+                  <a:txBody>
+                    <a:bodyPr/>
+                    <a:lstStyle/>
                     <a:p>
                       <a:pPr marL="171450" marR="0" lvl="0" indent="-171450" algn="l" defTabSz="914400" rtl="0" eaLnBrk="1" fontAlgn="auto" latinLnBrk="0" hangingPunct="1">
                         <a:lnSpc>
@@ -8639,7 +8684,10 @@
                         <a:tabLst/>
                         <a:defRPr/>
                       </a:pPr>
-                      <a:endParaRPr lang="es-PE" sz="800" b="0" dirty="0"/>
+                      <a:r>
+                        <a:rPr lang="es-PE" sz="800" b="0" dirty="0"/>
+                        <a:t>04 II.EE.</a:t>
+                      </a:r>
                     </a:p>
                     <a:p>
                       <a:pPr marL="171450" marR="0" lvl="0" indent="-171450" algn="l" defTabSz="914400" rtl="0" eaLnBrk="1" fontAlgn="auto" latinLnBrk="0" hangingPunct="1">
@@ -8663,6 +8711,31 @@
                       </a:pPr>
                       <a:r>
                         <a:rPr lang="es-PE" sz="800" b="0" dirty="0"/>
+                        <a:t>144 Alumnos</a:t>
+                      </a:r>
+                    </a:p>
+                    <a:p>
+                      <a:pPr marL="171450" marR="0" lvl="0" indent="-171450" algn="l" defTabSz="914400" rtl="0" eaLnBrk="1" fontAlgn="auto" latinLnBrk="0" hangingPunct="1">
+                        <a:lnSpc>
+                          <a:spcPct val="100000"/>
+                        </a:lnSpc>
+                        <a:spcBef>
+                          <a:spcPts val="0"/>
+                        </a:spcBef>
+                        <a:spcAft>
+                          <a:spcPts val="0"/>
+                        </a:spcAft>
+                        <a:buClr>
+                          <a:srgbClr val="000000"/>
+                        </a:buClr>
+                        <a:buSzTx/>
+                        <a:buFont typeface="Arial" panose="020B0604020202020204" pitchFamily="34" charset="0"/>
+                        <a:buChar char="•"/>
+                        <a:tabLst/>
+                        <a:defRPr/>
+                      </a:pPr>
+                      <a:r>
+                        <a:rPr lang="es-PE" sz="800" b="0" dirty="0"/>
                         <a:t>TDR en revisión</a:t>
                       </a:r>
                     </a:p>
@@ -8781,6 +8854,19 @@
                     <a:bodyPr/>
                     <a:lstStyle/>
                     <a:p>
+                      <a:r>
+                        <a:rPr lang="es-PE" sz="800" b="0" i="0" u="none" strike="noStrike" cap="none" dirty="0">
+                          <a:solidFill>
+                            <a:srgbClr val="000000"/>
+                          </a:solidFill>
+                          <a:latin typeface="+mn-lt"/>
+                          <a:cs typeface="Arial"/>
+                          <a:sym typeface="Arial"/>
+                        </a:rPr>
+                        <a:t> 9,220,000.00 	</a:t>
+                      </a:r>
+                    </a:p>
+                    <a:p>
                       <a:endParaRPr lang="es-PE" sz="800" b="0" i="0" u="none" strike="noStrike" cap="none" dirty="0">
                         <a:solidFill>
                           <a:srgbClr val="000000"/>
@@ -8823,6 +8909,38 @@
                   <a:txBody>
                     <a:bodyPr/>
                     <a:lstStyle/>
+                    <a:p>
+                      <a:pPr marL="0" marR="0" lvl="0" indent="0" algn="l" defTabSz="914400" rtl="0" eaLnBrk="1" fontAlgn="auto" latinLnBrk="0" hangingPunct="1">
+                        <a:lnSpc>
+                          <a:spcPct val="100000"/>
+                        </a:lnSpc>
+                        <a:spcBef>
+                          <a:spcPts val="0"/>
+                        </a:spcBef>
+                        <a:spcAft>
+                          <a:spcPts val="0"/>
+                        </a:spcAft>
+                        <a:buClr>
+                          <a:srgbClr val="000000"/>
+                        </a:buClr>
+                        <a:buSzTx/>
+                        <a:buFont typeface="Arial"/>
+                        <a:buNone/>
+                        <a:tabLst/>
+                        <a:defRPr/>
+                      </a:pPr>
+                      <a:r>
+                        <a:rPr lang="es-PE" sz="800" b="0" i="0" u="none" strike="noStrike" cap="none" dirty="0">
+                          <a:solidFill>
+                            <a:srgbClr val="000000"/>
+                          </a:solidFill>
+                          <a:latin typeface="+mn-lt"/>
+                          <a:cs typeface="Arial"/>
+                          <a:sym typeface="Arial"/>
+                        </a:rPr>
+                        <a:t>3 meses</a:t>
+                      </a:r>
+                    </a:p>
                     <a:p>
                       <a:endParaRPr lang="es-PE" sz="800" b="0" i="0" u="none" strike="noStrike" cap="none" dirty="0">
                         <a:solidFill>
@@ -8885,7 +9003,10 @@
                         <a:tabLst/>
                         <a:defRPr/>
                       </a:pPr>
-                      <a:endParaRPr lang="es-PE" sz="800" b="0" dirty="0"/>
+                      <a:r>
+                        <a:rPr lang="es-PE" sz="800" b="0" dirty="0"/>
+                        <a:t>105 Alumnos</a:t>
+                      </a:r>
                     </a:p>
                     <a:p>
                       <a:pPr marL="171450" marR="0" lvl="0" indent="-171450" algn="l" defTabSz="914400" rtl="0" eaLnBrk="1" fontAlgn="auto" latinLnBrk="0" hangingPunct="1">

--- a/Proyectos Funcion Educacion.pptx
+++ b/Proyectos Funcion Educacion.pptx
@@ -12363,7 +12363,7 @@
                         </a:spcAft>
                       </a:pPr>
                       <a:r>
-                        <a:rPr lang="es-PE" sz="1000">
+                        <a:rPr lang="es-PE" sz="1000" dirty="0">
                           <a:effectLst/>
                           <a:latin typeface="Arial Narrow" panose="020B0606020202030204" pitchFamily="34" charset="0"/>
                           <a:ea typeface="Times New Roman" panose="02020603050405020304" pitchFamily="18" charset="0"/>
@@ -12371,7 +12371,7 @@
                         </a:rPr>
                         <a:t>343</a:t>
                       </a:r>
-                      <a:endParaRPr lang="es-PE" sz="1000">
+                      <a:endParaRPr lang="es-PE" sz="1000" dirty="0">
                         <a:effectLst/>
                         <a:latin typeface="Arial Narrow" panose="020B0606020202030204" pitchFamily="34" charset="0"/>
                         <a:ea typeface="Times New Roman" panose="02020603050405020304" pitchFamily="18" charset="0"/>
@@ -12607,7 +12607,7 @@
                         </a:spcAft>
                       </a:pPr>
                       <a:r>
-                        <a:rPr lang="es-PE" sz="1000">
+                        <a:rPr lang="es-PE" sz="1000" dirty="0">
                           <a:effectLst/>
                           <a:latin typeface="Arial Narrow" panose="020B0606020202030204" pitchFamily="34" charset="0"/>
                           <a:ea typeface="Times New Roman" panose="02020603050405020304" pitchFamily="18" charset="0"/>
@@ -12615,7 +12615,7 @@
                         </a:rPr>
                         <a:t>54214</a:t>
                       </a:r>
-                      <a:endParaRPr lang="es-PE" sz="1000">
+                      <a:endParaRPr lang="es-PE" sz="1000" dirty="0">
                         <a:effectLst/>
                         <a:latin typeface="Arial Narrow" panose="020B0606020202030204" pitchFamily="34" charset="0"/>
                         <a:ea typeface="Times New Roman" panose="02020603050405020304" pitchFamily="18" charset="0"/>
@@ -12723,7 +12723,7 @@
                         </a:spcAft>
                       </a:pPr>
                       <a:r>
-                        <a:rPr lang="es-PE" sz="1000">
+                        <a:rPr lang="es-PE" sz="1000" dirty="0">
                           <a:effectLst/>
                           <a:latin typeface="Arial Narrow" panose="020B0606020202030204" pitchFamily="34" charset="0"/>
                           <a:ea typeface="Times New Roman" panose="02020603050405020304" pitchFamily="18" charset="0"/>
@@ -12731,7 +12731,7 @@
                         </a:rPr>
                         <a:t>1145</a:t>
                       </a:r>
-                      <a:endParaRPr lang="es-PE" sz="1000">
+                      <a:endParaRPr lang="es-PE" sz="1000" dirty="0">
                         <a:effectLst/>
                         <a:latin typeface="Arial Narrow" panose="020B0606020202030204" pitchFamily="34" charset="0"/>
                         <a:ea typeface="Times New Roman" panose="02020603050405020304" pitchFamily="18" charset="0"/>
@@ -14306,7 +14306,7 @@
           <p:nvPr>
             <p:extLst>
               <p:ext uri="{D42A27DB-BD31-4B8C-83A1-F6EECF244321}">
-                <p14:modId xmlns:p14="http://schemas.microsoft.com/office/powerpoint/2010/main" val="4056222602"/>
+                <p14:modId xmlns:p14="http://schemas.microsoft.com/office/powerpoint/2010/main" val="2651220648"/>
               </p:ext>
             </p:extLst>
           </p:nvPr>
@@ -14406,7 +14406,7 @@
                   </a:ext>
                 </a:extLst>
               </a:tr>
-              <a:tr h="167212">
+              <a:tr h="0">
                 <a:tc>
                   <a:txBody>
                     <a:bodyPr/>
@@ -17233,7 +17233,7 @@
           <p:nvPr>
             <p:extLst>
               <p:ext uri="{D42A27DB-BD31-4B8C-83A1-F6EECF244321}">
-                <p14:modId xmlns:p14="http://schemas.microsoft.com/office/powerpoint/2010/main" val="780741859"/>
+                <p14:modId xmlns:p14="http://schemas.microsoft.com/office/powerpoint/2010/main" val="2310073830"/>
               </p:ext>
             </p:extLst>
           </p:nvPr>
@@ -17580,7 +17580,7 @@
                   </a:ext>
                 </a:extLst>
               </a:tr>
-              <a:tr h="164635">
+              <a:tr h="0">
                 <a:tc>
                   <a:txBody>
                     <a:bodyPr/>
@@ -19277,7 +19277,7 @@
           <p:nvPr>
             <p:extLst>
               <p:ext uri="{D42A27DB-BD31-4B8C-83A1-F6EECF244321}">
-                <p14:modId xmlns:p14="http://schemas.microsoft.com/office/powerpoint/2010/main" val="810259951"/>
+                <p14:modId xmlns:p14="http://schemas.microsoft.com/office/powerpoint/2010/main" val="185397306"/>
               </p:ext>
             </p:extLst>
           </p:nvPr>
@@ -19315,7 +19315,7 @@
                   </a:extLst>
                 </a:gridCol>
               </a:tblGrid>
-              <a:tr h="238125">
+              <a:tr h="314689">
                 <a:tc>
                   <a:txBody>
                     <a:bodyPr/>
@@ -19511,7 +19511,7 @@
                   </a:ext>
                 </a:extLst>
               </a:tr>
-              <a:tr h="144576">
+              <a:tr h="0">
                 <a:tc>
                   <a:txBody>
                     <a:bodyPr/>
